--- a/Lab/Client/RayTracing with DirectX 12.pptx
+++ b/Lab/Client/RayTracing with DirectX 12.pptx
@@ -5,14 +5,23 @@
     <p:sldMasterId id="2147483659" r:id="rId1"/>
   </p:sldMasterIdLst>
   <p:notesMasterIdLst>
-    <p:notesMasterId r:id="rId7"/>
+    <p:notesMasterId r:id="rId16"/>
   </p:notesMasterIdLst>
   <p:sldIdLst>
     <p:sldId id="256" r:id="rId2"/>
-    <p:sldId id="257" r:id="rId3"/>
-    <p:sldId id="258" r:id="rId4"/>
-    <p:sldId id="259" r:id="rId5"/>
-    <p:sldId id="260" r:id="rId6"/>
+    <p:sldId id="268" r:id="rId3"/>
+    <p:sldId id="257" r:id="rId4"/>
+    <p:sldId id="258" r:id="rId5"/>
+    <p:sldId id="259" r:id="rId6"/>
+    <p:sldId id="260" r:id="rId7"/>
+    <p:sldId id="262" r:id="rId8"/>
+    <p:sldId id="263" r:id="rId9"/>
+    <p:sldId id="270" r:id="rId10"/>
+    <p:sldId id="269" r:id="rId11"/>
+    <p:sldId id="266" r:id="rId12"/>
+    <p:sldId id="265" r:id="rId13"/>
+    <p:sldId id="264" r:id="rId14"/>
+    <p:sldId id="267" r:id="rId15"/>
   </p:sldIdLst>
   <p:sldSz cx="9144000" cy="5143500" type="screen16x9"/>
   <p:notesSz cx="6858000" cy="9144000"/>
@@ -734,8 +743,8 @@
         </p:nvSpPr>
         <p:spPr>
           <a:xfrm>
-            <a:off x="381300" y="685800"/>
-            <a:ext cx="6096075" cy="3429000"/>
+            <a:off x="381000" y="685800"/>
+            <a:ext cx="6096000" cy="3429000"/>
           </a:xfrm>
           <a:custGeom>
             <a:avLst/>
@@ -809,6 +818,442 @@
 </p:notes>
 </file>
 
+<file path=ppt/notesSlides/notesSlide10.xml><?xml version="1.0" encoding="utf-8"?>
+<p:notes xmlns:a="http://schemas.openxmlformats.org/drawingml/2006/main" xmlns:r="http://schemas.openxmlformats.org/officeDocument/2006/relationships" xmlns:p="http://schemas.openxmlformats.org/presentationml/2006/main" showMasterSp="0" showMasterPhAnim="0">
+  <p:cSld>
+    <p:spTree>
+      <p:nvGrpSpPr>
+        <p:cNvPr id="1" name="Shape 63"/>
+        <p:cNvGrpSpPr/>
+        <p:nvPr/>
+      </p:nvGrpSpPr>
+      <p:grpSpPr>
+        <a:xfrm>
+          <a:off x="0" y="0"/>
+          <a:ext cx="0" cy="0"/>
+          <a:chOff x="0" y="0"/>
+          <a:chExt cx="0" cy="0"/>
+        </a:xfrm>
+      </p:grpSpPr>
+      <p:sp>
+        <p:nvSpPr>
+          <p:cNvPr id="64" name="Google Shape;64;g1f8acce84f6_0_522:notes"/>
+          <p:cNvSpPr>
+            <a:spLocks noGrp="1" noRot="1" noChangeAspect="1"/>
+          </p:cNvSpPr>
+          <p:nvPr>
+            <p:ph type="sldImg" idx="2"/>
+          </p:nvPr>
+        </p:nvSpPr>
+        <p:spPr>
+          <a:xfrm>
+            <a:off x="381000" y="685800"/>
+            <a:ext cx="6096000" cy="3429000"/>
+          </a:xfrm>
+          <a:custGeom>
+            <a:avLst/>
+            <a:gdLst/>
+            <a:ahLst/>
+            <a:cxnLst/>
+            <a:rect l="l" t="t" r="r" b="b"/>
+            <a:pathLst>
+              <a:path w="120000" h="120000" extrusionOk="0">
+                <a:moveTo>
+                  <a:pt x="0" y="0"/>
+                </a:moveTo>
+                <a:lnTo>
+                  <a:pt x="120000" y="0"/>
+                </a:lnTo>
+                <a:lnTo>
+                  <a:pt x="120000" y="120000"/>
+                </a:lnTo>
+                <a:lnTo>
+                  <a:pt x="0" y="120000"/>
+                </a:lnTo>
+                <a:close/>
+              </a:path>
+            </a:pathLst>
+          </a:custGeom>
+        </p:spPr>
+      </p:sp>
+      <p:sp>
+        <p:nvSpPr>
+          <p:cNvPr id="65" name="Google Shape;65;g1f8acce84f6_0_522:notes"/>
+          <p:cNvSpPr txBox="1">
+            <a:spLocks noGrp="1"/>
+          </p:cNvSpPr>
+          <p:nvPr>
+            <p:ph type="body" idx="1"/>
+          </p:nvPr>
+        </p:nvSpPr>
+        <p:spPr>
+          <a:xfrm>
+            <a:off x="685800" y="4343400"/>
+            <a:ext cx="5486400" cy="4114800"/>
+          </a:xfrm>
+          <a:prstGeom prst="rect">
+            <a:avLst/>
+          </a:prstGeom>
+        </p:spPr>
+        <p:txBody>
+          <a:bodyPr spcFirstLastPara="1" wrap="square" lIns="91425" tIns="91425" rIns="91425" bIns="91425" anchor="t" anchorCtr="0">
+            <a:noAutofit/>
+          </a:bodyPr>
+          <a:lstStyle/>
+          <a:p>
+            <a:pPr marL="0" lvl="0" indent="0" algn="l" rtl="0">
+              <a:spcBef>
+                <a:spcPts val="0"/>
+              </a:spcBef>
+              <a:spcAft>
+                <a:spcPts val="0"/>
+              </a:spcAft>
+              <a:buNone/>
+            </a:pPr>
+            <a:endParaRPr/>
+          </a:p>
+        </p:txBody>
+      </p:sp>
+    </p:spTree>
+    <p:extLst>
+      <p:ext uri="{BB962C8B-B14F-4D97-AF65-F5344CB8AC3E}">
+        <p14:creationId xmlns:p14="http://schemas.microsoft.com/office/powerpoint/2010/main" val="3349091714"/>
+      </p:ext>
+    </p:extLst>
+  </p:cSld>
+  <p:clrMapOvr>
+    <a:masterClrMapping/>
+  </p:clrMapOvr>
+</p:notes>
+</file>
+
+<file path=ppt/notesSlides/notesSlide11.xml><?xml version="1.0" encoding="utf-8"?>
+<p:notes xmlns:a="http://schemas.openxmlformats.org/drawingml/2006/main" xmlns:r="http://schemas.openxmlformats.org/officeDocument/2006/relationships" xmlns:p="http://schemas.openxmlformats.org/presentationml/2006/main" showMasterSp="0" showMasterPhAnim="0">
+  <p:cSld>
+    <p:spTree>
+      <p:nvGrpSpPr>
+        <p:cNvPr id="1" name="Shape 63"/>
+        <p:cNvGrpSpPr/>
+        <p:nvPr/>
+      </p:nvGrpSpPr>
+      <p:grpSpPr>
+        <a:xfrm>
+          <a:off x="0" y="0"/>
+          <a:ext cx="0" cy="0"/>
+          <a:chOff x="0" y="0"/>
+          <a:chExt cx="0" cy="0"/>
+        </a:xfrm>
+      </p:grpSpPr>
+      <p:sp>
+        <p:nvSpPr>
+          <p:cNvPr id="64" name="Google Shape;64;g1f8acce84f6_0_522:notes"/>
+          <p:cNvSpPr>
+            <a:spLocks noGrp="1" noRot="1" noChangeAspect="1"/>
+          </p:cNvSpPr>
+          <p:nvPr>
+            <p:ph type="sldImg" idx="2"/>
+          </p:nvPr>
+        </p:nvSpPr>
+        <p:spPr>
+          <a:xfrm>
+            <a:off x="381000" y="685800"/>
+            <a:ext cx="6096000" cy="3429000"/>
+          </a:xfrm>
+          <a:custGeom>
+            <a:avLst/>
+            <a:gdLst/>
+            <a:ahLst/>
+            <a:cxnLst/>
+            <a:rect l="l" t="t" r="r" b="b"/>
+            <a:pathLst>
+              <a:path w="120000" h="120000" extrusionOk="0">
+                <a:moveTo>
+                  <a:pt x="0" y="0"/>
+                </a:moveTo>
+                <a:lnTo>
+                  <a:pt x="120000" y="0"/>
+                </a:lnTo>
+                <a:lnTo>
+                  <a:pt x="120000" y="120000"/>
+                </a:lnTo>
+                <a:lnTo>
+                  <a:pt x="0" y="120000"/>
+                </a:lnTo>
+                <a:close/>
+              </a:path>
+            </a:pathLst>
+          </a:custGeom>
+        </p:spPr>
+      </p:sp>
+      <p:sp>
+        <p:nvSpPr>
+          <p:cNvPr id="65" name="Google Shape;65;g1f8acce84f6_0_522:notes"/>
+          <p:cNvSpPr txBox="1">
+            <a:spLocks noGrp="1"/>
+          </p:cNvSpPr>
+          <p:nvPr>
+            <p:ph type="body" idx="1"/>
+          </p:nvPr>
+        </p:nvSpPr>
+        <p:spPr>
+          <a:xfrm>
+            <a:off x="685800" y="4343400"/>
+            <a:ext cx="5486400" cy="4114800"/>
+          </a:xfrm>
+          <a:prstGeom prst="rect">
+            <a:avLst/>
+          </a:prstGeom>
+        </p:spPr>
+        <p:txBody>
+          <a:bodyPr spcFirstLastPara="1" wrap="square" lIns="91425" tIns="91425" rIns="91425" bIns="91425" anchor="t" anchorCtr="0">
+            <a:noAutofit/>
+          </a:bodyPr>
+          <a:lstStyle/>
+          <a:p>
+            <a:pPr marL="0" lvl="0" indent="0" algn="l" rtl="0">
+              <a:spcBef>
+                <a:spcPts val="0"/>
+              </a:spcBef>
+              <a:spcAft>
+                <a:spcPts val="0"/>
+              </a:spcAft>
+              <a:buNone/>
+            </a:pPr>
+            <a:endParaRPr/>
+          </a:p>
+        </p:txBody>
+      </p:sp>
+    </p:spTree>
+    <p:extLst>
+      <p:ext uri="{BB962C8B-B14F-4D97-AF65-F5344CB8AC3E}">
+        <p14:creationId xmlns:p14="http://schemas.microsoft.com/office/powerpoint/2010/main" val="2405843048"/>
+      </p:ext>
+    </p:extLst>
+  </p:cSld>
+  <p:clrMapOvr>
+    <a:masterClrMapping/>
+  </p:clrMapOvr>
+</p:notes>
+</file>
+
+<file path=ppt/notesSlides/notesSlide12.xml><?xml version="1.0" encoding="utf-8"?>
+<p:notes xmlns:a="http://schemas.openxmlformats.org/drawingml/2006/main" xmlns:r="http://schemas.openxmlformats.org/officeDocument/2006/relationships" xmlns:p="http://schemas.openxmlformats.org/presentationml/2006/main" showMasterSp="0" showMasterPhAnim="0">
+  <p:cSld>
+    <p:spTree>
+      <p:nvGrpSpPr>
+        <p:cNvPr id="1" name="Shape 63"/>
+        <p:cNvGrpSpPr/>
+        <p:nvPr/>
+      </p:nvGrpSpPr>
+      <p:grpSpPr>
+        <a:xfrm>
+          <a:off x="0" y="0"/>
+          <a:ext cx="0" cy="0"/>
+          <a:chOff x="0" y="0"/>
+          <a:chExt cx="0" cy="0"/>
+        </a:xfrm>
+      </p:grpSpPr>
+      <p:sp>
+        <p:nvSpPr>
+          <p:cNvPr id="64" name="Google Shape;64;g1f8acce84f6_0_522:notes"/>
+          <p:cNvSpPr>
+            <a:spLocks noGrp="1" noRot="1" noChangeAspect="1"/>
+          </p:cNvSpPr>
+          <p:nvPr>
+            <p:ph type="sldImg" idx="2"/>
+          </p:nvPr>
+        </p:nvSpPr>
+        <p:spPr>
+          <a:xfrm>
+            <a:off x="381000" y="685800"/>
+            <a:ext cx="6096000" cy="3429000"/>
+          </a:xfrm>
+          <a:custGeom>
+            <a:avLst/>
+            <a:gdLst/>
+            <a:ahLst/>
+            <a:cxnLst/>
+            <a:rect l="l" t="t" r="r" b="b"/>
+            <a:pathLst>
+              <a:path w="120000" h="120000" extrusionOk="0">
+                <a:moveTo>
+                  <a:pt x="0" y="0"/>
+                </a:moveTo>
+                <a:lnTo>
+                  <a:pt x="120000" y="0"/>
+                </a:lnTo>
+                <a:lnTo>
+                  <a:pt x="120000" y="120000"/>
+                </a:lnTo>
+                <a:lnTo>
+                  <a:pt x="0" y="120000"/>
+                </a:lnTo>
+                <a:close/>
+              </a:path>
+            </a:pathLst>
+          </a:custGeom>
+        </p:spPr>
+      </p:sp>
+      <p:sp>
+        <p:nvSpPr>
+          <p:cNvPr id="65" name="Google Shape;65;g1f8acce84f6_0_522:notes"/>
+          <p:cNvSpPr txBox="1">
+            <a:spLocks noGrp="1"/>
+          </p:cNvSpPr>
+          <p:nvPr>
+            <p:ph type="body" idx="1"/>
+          </p:nvPr>
+        </p:nvSpPr>
+        <p:spPr>
+          <a:xfrm>
+            <a:off x="685800" y="4343400"/>
+            <a:ext cx="5486400" cy="4114800"/>
+          </a:xfrm>
+          <a:prstGeom prst="rect">
+            <a:avLst/>
+          </a:prstGeom>
+        </p:spPr>
+        <p:txBody>
+          <a:bodyPr spcFirstLastPara="1" wrap="square" lIns="91425" tIns="91425" rIns="91425" bIns="91425" anchor="t" anchorCtr="0">
+            <a:noAutofit/>
+          </a:bodyPr>
+          <a:lstStyle/>
+          <a:p>
+            <a:pPr marL="0" lvl="0" indent="0" algn="l" rtl="0">
+              <a:spcBef>
+                <a:spcPts val="0"/>
+              </a:spcBef>
+              <a:spcAft>
+                <a:spcPts val="0"/>
+              </a:spcAft>
+              <a:buNone/>
+            </a:pPr>
+            <a:endParaRPr/>
+          </a:p>
+        </p:txBody>
+      </p:sp>
+    </p:spTree>
+    <p:extLst>
+      <p:ext uri="{BB962C8B-B14F-4D97-AF65-F5344CB8AC3E}">
+        <p14:creationId xmlns:p14="http://schemas.microsoft.com/office/powerpoint/2010/main" val="1818160625"/>
+      </p:ext>
+    </p:extLst>
+  </p:cSld>
+  <p:clrMapOvr>
+    <a:masterClrMapping/>
+  </p:clrMapOvr>
+</p:notes>
+</file>
+
+<file path=ppt/notesSlides/notesSlide13.xml><?xml version="1.0" encoding="utf-8"?>
+<p:notes xmlns:a="http://schemas.openxmlformats.org/drawingml/2006/main" xmlns:r="http://schemas.openxmlformats.org/officeDocument/2006/relationships" xmlns:p="http://schemas.openxmlformats.org/presentationml/2006/main" showMasterSp="0" showMasterPhAnim="0">
+  <p:cSld>
+    <p:spTree>
+      <p:nvGrpSpPr>
+        <p:cNvPr id="1" name="Shape 63"/>
+        <p:cNvGrpSpPr/>
+        <p:nvPr/>
+      </p:nvGrpSpPr>
+      <p:grpSpPr>
+        <a:xfrm>
+          <a:off x="0" y="0"/>
+          <a:ext cx="0" cy="0"/>
+          <a:chOff x="0" y="0"/>
+          <a:chExt cx="0" cy="0"/>
+        </a:xfrm>
+      </p:grpSpPr>
+      <p:sp>
+        <p:nvSpPr>
+          <p:cNvPr id="64" name="Google Shape;64;g1f8acce84f6_0_522:notes"/>
+          <p:cNvSpPr>
+            <a:spLocks noGrp="1" noRot="1" noChangeAspect="1"/>
+          </p:cNvSpPr>
+          <p:nvPr>
+            <p:ph type="sldImg" idx="2"/>
+          </p:nvPr>
+        </p:nvSpPr>
+        <p:spPr>
+          <a:xfrm>
+            <a:off x="381000" y="685800"/>
+            <a:ext cx="6096000" cy="3429000"/>
+          </a:xfrm>
+          <a:custGeom>
+            <a:avLst/>
+            <a:gdLst/>
+            <a:ahLst/>
+            <a:cxnLst/>
+            <a:rect l="l" t="t" r="r" b="b"/>
+            <a:pathLst>
+              <a:path w="120000" h="120000" extrusionOk="0">
+                <a:moveTo>
+                  <a:pt x="0" y="0"/>
+                </a:moveTo>
+                <a:lnTo>
+                  <a:pt x="120000" y="0"/>
+                </a:lnTo>
+                <a:lnTo>
+                  <a:pt x="120000" y="120000"/>
+                </a:lnTo>
+                <a:lnTo>
+                  <a:pt x="0" y="120000"/>
+                </a:lnTo>
+                <a:close/>
+              </a:path>
+            </a:pathLst>
+          </a:custGeom>
+        </p:spPr>
+      </p:sp>
+      <p:sp>
+        <p:nvSpPr>
+          <p:cNvPr id="65" name="Google Shape;65;g1f8acce84f6_0_522:notes"/>
+          <p:cNvSpPr txBox="1">
+            <a:spLocks noGrp="1"/>
+          </p:cNvSpPr>
+          <p:nvPr>
+            <p:ph type="body" idx="1"/>
+          </p:nvPr>
+        </p:nvSpPr>
+        <p:spPr>
+          <a:xfrm>
+            <a:off x="685800" y="4343400"/>
+            <a:ext cx="5486400" cy="4114800"/>
+          </a:xfrm>
+          <a:prstGeom prst="rect">
+            <a:avLst/>
+          </a:prstGeom>
+        </p:spPr>
+        <p:txBody>
+          <a:bodyPr spcFirstLastPara="1" wrap="square" lIns="91425" tIns="91425" rIns="91425" bIns="91425" anchor="t" anchorCtr="0">
+            <a:noAutofit/>
+          </a:bodyPr>
+          <a:lstStyle/>
+          <a:p>
+            <a:pPr marL="0" lvl="0" indent="0" algn="l" rtl="0">
+              <a:spcBef>
+                <a:spcPts val="0"/>
+              </a:spcBef>
+              <a:spcAft>
+                <a:spcPts val="0"/>
+              </a:spcAft>
+              <a:buNone/>
+            </a:pPr>
+            <a:endParaRPr/>
+          </a:p>
+        </p:txBody>
+      </p:sp>
+    </p:spTree>
+    <p:extLst>
+      <p:ext uri="{BB962C8B-B14F-4D97-AF65-F5344CB8AC3E}">
+        <p14:creationId xmlns:p14="http://schemas.microsoft.com/office/powerpoint/2010/main" val="4241237851"/>
+      </p:ext>
+    </p:extLst>
+  </p:cSld>
+  <p:clrMapOvr>
+    <a:masterClrMapping/>
+  </p:clrMapOvr>
+</p:notes>
+</file>
+
 <file path=ppt/notesSlides/notesSlide2.xml><?xml version="1.0" encoding="utf-8"?>
 <p:notes xmlns:a="http://schemas.openxmlformats.org/drawingml/2006/main" xmlns:r="http://schemas.openxmlformats.org/officeDocument/2006/relationships" xmlns:p="http://schemas.openxmlformats.org/presentationml/2006/main" showMasterSp="0" showMasterPhAnim="0">
   <p:cSld>
@@ -838,7 +1283,7 @@
         </p:nvSpPr>
         <p:spPr>
           <a:xfrm>
-            <a:off x="381300" y="685800"/>
+            <a:off x="381000" y="685800"/>
             <a:ext cx="6096000" cy="3429000"/>
           </a:xfrm>
           <a:custGeom>
@@ -1226,6 +1671,442 @@
     <p:extLst>
       <p:ext uri="{BB962C8B-B14F-4D97-AF65-F5344CB8AC3E}">
         <p14:creationId xmlns:p14="http://schemas.microsoft.com/office/powerpoint/2010/main" val="1105478956"/>
+      </p:ext>
+    </p:extLst>
+  </p:cSld>
+  <p:clrMapOvr>
+    <a:masterClrMapping/>
+  </p:clrMapOvr>
+</p:notes>
+</file>
+
+<file path=ppt/notesSlides/notesSlide6.xml><?xml version="1.0" encoding="utf-8"?>
+<p:notes xmlns:a="http://schemas.openxmlformats.org/drawingml/2006/main" xmlns:r="http://schemas.openxmlformats.org/officeDocument/2006/relationships" xmlns:p="http://schemas.openxmlformats.org/presentationml/2006/main" showMasterSp="0" showMasterPhAnim="0">
+  <p:cSld>
+    <p:spTree>
+      <p:nvGrpSpPr>
+        <p:cNvPr id="1" name="Shape 50"/>
+        <p:cNvGrpSpPr/>
+        <p:nvPr/>
+      </p:nvGrpSpPr>
+      <p:grpSpPr>
+        <a:xfrm>
+          <a:off x="0" y="0"/>
+          <a:ext cx="0" cy="0"/>
+          <a:chOff x="0" y="0"/>
+          <a:chExt cx="0" cy="0"/>
+        </a:xfrm>
+      </p:grpSpPr>
+      <p:sp>
+        <p:nvSpPr>
+          <p:cNvPr id="51" name="Google Shape;51;p:notes"/>
+          <p:cNvSpPr>
+            <a:spLocks noGrp="1" noRot="1" noChangeAspect="1"/>
+          </p:cNvSpPr>
+          <p:nvPr>
+            <p:ph type="sldImg" idx="2"/>
+          </p:nvPr>
+        </p:nvSpPr>
+        <p:spPr>
+          <a:xfrm>
+            <a:off x="381000" y="685800"/>
+            <a:ext cx="6096000" cy="3429000"/>
+          </a:xfrm>
+          <a:custGeom>
+            <a:avLst/>
+            <a:gdLst/>
+            <a:ahLst/>
+            <a:cxnLst/>
+            <a:rect l="l" t="t" r="r" b="b"/>
+            <a:pathLst>
+              <a:path w="120000" h="120000" extrusionOk="0">
+                <a:moveTo>
+                  <a:pt x="0" y="0"/>
+                </a:moveTo>
+                <a:lnTo>
+                  <a:pt x="120000" y="0"/>
+                </a:lnTo>
+                <a:lnTo>
+                  <a:pt x="120000" y="120000"/>
+                </a:lnTo>
+                <a:lnTo>
+                  <a:pt x="0" y="120000"/>
+                </a:lnTo>
+                <a:close/>
+              </a:path>
+            </a:pathLst>
+          </a:custGeom>
+        </p:spPr>
+      </p:sp>
+      <p:sp>
+        <p:nvSpPr>
+          <p:cNvPr id="52" name="Google Shape;52;p:notes"/>
+          <p:cNvSpPr txBox="1">
+            <a:spLocks noGrp="1"/>
+          </p:cNvSpPr>
+          <p:nvPr>
+            <p:ph type="body" idx="1"/>
+          </p:nvPr>
+        </p:nvSpPr>
+        <p:spPr>
+          <a:xfrm>
+            <a:off x="685800" y="4343400"/>
+            <a:ext cx="5486400" cy="4114800"/>
+          </a:xfrm>
+          <a:prstGeom prst="rect">
+            <a:avLst/>
+          </a:prstGeom>
+        </p:spPr>
+        <p:txBody>
+          <a:bodyPr spcFirstLastPara="1" wrap="square" lIns="91425" tIns="91425" rIns="91425" bIns="91425" anchor="t" anchorCtr="0">
+            <a:noAutofit/>
+          </a:bodyPr>
+          <a:lstStyle/>
+          <a:p>
+            <a:pPr marL="0" lvl="0" indent="0" algn="l" rtl="0">
+              <a:spcBef>
+                <a:spcPts val="0"/>
+              </a:spcBef>
+              <a:spcAft>
+                <a:spcPts val="0"/>
+              </a:spcAft>
+              <a:buNone/>
+            </a:pPr>
+            <a:endParaRPr/>
+          </a:p>
+        </p:txBody>
+      </p:sp>
+    </p:spTree>
+    <p:extLst>
+      <p:ext uri="{BB962C8B-B14F-4D97-AF65-F5344CB8AC3E}">
+        <p14:creationId xmlns:p14="http://schemas.microsoft.com/office/powerpoint/2010/main" val="1640600342"/>
+      </p:ext>
+    </p:extLst>
+  </p:cSld>
+  <p:clrMapOvr>
+    <a:masterClrMapping/>
+  </p:clrMapOvr>
+</p:notes>
+</file>
+
+<file path=ppt/notesSlides/notesSlide7.xml><?xml version="1.0" encoding="utf-8"?>
+<p:notes xmlns:a="http://schemas.openxmlformats.org/drawingml/2006/main" xmlns:r="http://schemas.openxmlformats.org/officeDocument/2006/relationships" xmlns:p="http://schemas.openxmlformats.org/presentationml/2006/main" showMasterSp="0" showMasterPhAnim="0">
+  <p:cSld>
+    <p:spTree>
+      <p:nvGrpSpPr>
+        <p:cNvPr id="1" name="Shape 63"/>
+        <p:cNvGrpSpPr/>
+        <p:nvPr/>
+      </p:nvGrpSpPr>
+      <p:grpSpPr>
+        <a:xfrm>
+          <a:off x="0" y="0"/>
+          <a:ext cx="0" cy="0"/>
+          <a:chOff x="0" y="0"/>
+          <a:chExt cx="0" cy="0"/>
+        </a:xfrm>
+      </p:grpSpPr>
+      <p:sp>
+        <p:nvSpPr>
+          <p:cNvPr id="64" name="Google Shape;64;g1f8acce84f6_0_522:notes"/>
+          <p:cNvSpPr>
+            <a:spLocks noGrp="1" noRot="1" noChangeAspect="1"/>
+          </p:cNvSpPr>
+          <p:nvPr>
+            <p:ph type="sldImg" idx="2"/>
+          </p:nvPr>
+        </p:nvSpPr>
+        <p:spPr>
+          <a:xfrm>
+            <a:off x="381000" y="685800"/>
+            <a:ext cx="6096000" cy="3429000"/>
+          </a:xfrm>
+          <a:custGeom>
+            <a:avLst/>
+            <a:gdLst/>
+            <a:ahLst/>
+            <a:cxnLst/>
+            <a:rect l="l" t="t" r="r" b="b"/>
+            <a:pathLst>
+              <a:path w="120000" h="120000" extrusionOk="0">
+                <a:moveTo>
+                  <a:pt x="0" y="0"/>
+                </a:moveTo>
+                <a:lnTo>
+                  <a:pt x="120000" y="0"/>
+                </a:lnTo>
+                <a:lnTo>
+                  <a:pt x="120000" y="120000"/>
+                </a:lnTo>
+                <a:lnTo>
+                  <a:pt x="0" y="120000"/>
+                </a:lnTo>
+                <a:close/>
+              </a:path>
+            </a:pathLst>
+          </a:custGeom>
+        </p:spPr>
+      </p:sp>
+      <p:sp>
+        <p:nvSpPr>
+          <p:cNvPr id="65" name="Google Shape;65;g1f8acce84f6_0_522:notes"/>
+          <p:cNvSpPr txBox="1">
+            <a:spLocks noGrp="1"/>
+          </p:cNvSpPr>
+          <p:nvPr>
+            <p:ph type="body" idx="1"/>
+          </p:nvPr>
+        </p:nvSpPr>
+        <p:spPr>
+          <a:xfrm>
+            <a:off x="685800" y="4343400"/>
+            <a:ext cx="5486400" cy="4114800"/>
+          </a:xfrm>
+          <a:prstGeom prst="rect">
+            <a:avLst/>
+          </a:prstGeom>
+        </p:spPr>
+        <p:txBody>
+          <a:bodyPr spcFirstLastPara="1" wrap="square" lIns="91425" tIns="91425" rIns="91425" bIns="91425" anchor="t" anchorCtr="0">
+            <a:noAutofit/>
+          </a:bodyPr>
+          <a:lstStyle/>
+          <a:p>
+            <a:pPr marL="0" lvl="0" indent="0" algn="l" rtl="0">
+              <a:spcBef>
+                <a:spcPts val="0"/>
+              </a:spcBef>
+              <a:spcAft>
+                <a:spcPts val="0"/>
+              </a:spcAft>
+              <a:buNone/>
+            </a:pPr>
+            <a:endParaRPr/>
+          </a:p>
+        </p:txBody>
+      </p:sp>
+    </p:spTree>
+    <p:extLst>
+      <p:ext uri="{BB962C8B-B14F-4D97-AF65-F5344CB8AC3E}">
+        <p14:creationId xmlns:p14="http://schemas.microsoft.com/office/powerpoint/2010/main" val="2534013234"/>
+      </p:ext>
+    </p:extLst>
+  </p:cSld>
+  <p:clrMapOvr>
+    <a:masterClrMapping/>
+  </p:clrMapOvr>
+</p:notes>
+</file>
+
+<file path=ppt/notesSlides/notesSlide8.xml><?xml version="1.0" encoding="utf-8"?>
+<p:notes xmlns:a="http://schemas.openxmlformats.org/drawingml/2006/main" xmlns:r="http://schemas.openxmlformats.org/officeDocument/2006/relationships" xmlns:p="http://schemas.openxmlformats.org/presentationml/2006/main" showMasterSp="0" showMasterPhAnim="0">
+  <p:cSld>
+    <p:spTree>
+      <p:nvGrpSpPr>
+        <p:cNvPr id="1" name="Shape 63"/>
+        <p:cNvGrpSpPr/>
+        <p:nvPr/>
+      </p:nvGrpSpPr>
+      <p:grpSpPr>
+        <a:xfrm>
+          <a:off x="0" y="0"/>
+          <a:ext cx="0" cy="0"/>
+          <a:chOff x="0" y="0"/>
+          <a:chExt cx="0" cy="0"/>
+        </a:xfrm>
+      </p:grpSpPr>
+      <p:sp>
+        <p:nvSpPr>
+          <p:cNvPr id="64" name="Google Shape;64;g1f8acce84f6_0_522:notes"/>
+          <p:cNvSpPr>
+            <a:spLocks noGrp="1" noRot="1" noChangeAspect="1"/>
+          </p:cNvSpPr>
+          <p:nvPr>
+            <p:ph type="sldImg" idx="2"/>
+          </p:nvPr>
+        </p:nvSpPr>
+        <p:spPr>
+          <a:xfrm>
+            <a:off x="381000" y="685800"/>
+            <a:ext cx="6096000" cy="3429000"/>
+          </a:xfrm>
+          <a:custGeom>
+            <a:avLst/>
+            <a:gdLst/>
+            <a:ahLst/>
+            <a:cxnLst/>
+            <a:rect l="l" t="t" r="r" b="b"/>
+            <a:pathLst>
+              <a:path w="120000" h="120000" extrusionOk="0">
+                <a:moveTo>
+                  <a:pt x="0" y="0"/>
+                </a:moveTo>
+                <a:lnTo>
+                  <a:pt x="120000" y="0"/>
+                </a:lnTo>
+                <a:lnTo>
+                  <a:pt x="120000" y="120000"/>
+                </a:lnTo>
+                <a:lnTo>
+                  <a:pt x="0" y="120000"/>
+                </a:lnTo>
+                <a:close/>
+              </a:path>
+            </a:pathLst>
+          </a:custGeom>
+        </p:spPr>
+      </p:sp>
+      <p:sp>
+        <p:nvSpPr>
+          <p:cNvPr id="65" name="Google Shape;65;g1f8acce84f6_0_522:notes"/>
+          <p:cNvSpPr txBox="1">
+            <a:spLocks noGrp="1"/>
+          </p:cNvSpPr>
+          <p:nvPr>
+            <p:ph type="body" idx="1"/>
+          </p:nvPr>
+        </p:nvSpPr>
+        <p:spPr>
+          <a:xfrm>
+            <a:off x="685800" y="4343400"/>
+            <a:ext cx="5486400" cy="4114800"/>
+          </a:xfrm>
+          <a:prstGeom prst="rect">
+            <a:avLst/>
+          </a:prstGeom>
+        </p:spPr>
+        <p:txBody>
+          <a:bodyPr spcFirstLastPara="1" wrap="square" lIns="91425" tIns="91425" rIns="91425" bIns="91425" anchor="t" anchorCtr="0">
+            <a:noAutofit/>
+          </a:bodyPr>
+          <a:lstStyle/>
+          <a:p>
+            <a:pPr marL="0" lvl="0" indent="0" algn="l" rtl="0">
+              <a:spcBef>
+                <a:spcPts val="0"/>
+              </a:spcBef>
+              <a:spcAft>
+                <a:spcPts val="0"/>
+              </a:spcAft>
+              <a:buNone/>
+            </a:pPr>
+            <a:endParaRPr/>
+          </a:p>
+        </p:txBody>
+      </p:sp>
+    </p:spTree>
+    <p:extLst>
+      <p:ext uri="{BB962C8B-B14F-4D97-AF65-F5344CB8AC3E}">
+        <p14:creationId xmlns:p14="http://schemas.microsoft.com/office/powerpoint/2010/main" val="3368912343"/>
+      </p:ext>
+    </p:extLst>
+  </p:cSld>
+  <p:clrMapOvr>
+    <a:masterClrMapping/>
+  </p:clrMapOvr>
+</p:notes>
+</file>
+
+<file path=ppt/notesSlides/notesSlide9.xml><?xml version="1.0" encoding="utf-8"?>
+<p:notes xmlns:a="http://schemas.openxmlformats.org/drawingml/2006/main" xmlns:r="http://schemas.openxmlformats.org/officeDocument/2006/relationships" xmlns:p="http://schemas.openxmlformats.org/presentationml/2006/main" showMasterSp="0" showMasterPhAnim="0">
+  <p:cSld>
+    <p:spTree>
+      <p:nvGrpSpPr>
+        <p:cNvPr id="1" name="Shape 63"/>
+        <p:cNvGrpSpPr/>
+        <p:nvPr/>
+      </p:nvGrpSpPr>
+      <p:grpSpPr>
+        <a:xfrm>
+          <a:off x="0" y="0"/>
+          <a:ext cx="0" cy="0"/>
+          <a:chOff x="0" y="0"/>
+          <a:chExt cx="0" cy="0"/>
+        </a:xfrm>
+      </p:grpSpPr>
+      <p:sp>
+        <p:nvSpPr>
+          <p:cNvPr id="64" name="Google Shape;64;g1f8acce84f6_0_522:notes"/>
+          <p:cNvSpPr>
+            <a:spLocks noGrp="1" noRot="1" noChangeAspect="1"/>
+          </p:cNvSpPr>
+          <p:nvPr>
+            <p:ph type="sldImg" idx="2"/>
+          </p:nvPr>
+        </p:nvSpPr>
+        <p:spPr>
+          <a:xfrm>
+            <a:off x="381000" y="685800"/>
+            <a:ext cx="6096000" cy="3429000"/>
+          </a:xfrm>
+          <a:custGeom>
+            <a:avLst/>
+            <a:gdLst/>
+            <a:ahLst/>
+            <a:cxnLst/>
+            <a:rect l="l" t="t" r="r" b="b"/>
+            <a:pathLst>
+              <a:path w="120000" h="120000" extrusionOk="0">
+                <a:moveTo>
+                  <a:pt x="0" y="0"/>
+                </a:moveTo>
+                <a:lnTo>
+                  <a:pt x="120000" y="0"/>
+                </a:lnTo>
+                <a:lnTo>
+                  <a:pt x="120000" y="120000"/>
+                </a:lnTo>
+                <a:lnTo>
+                  <a:pt x="0" y="120000"/>
+                </a:lnTo>
+                <a:close/>
+              </a:path>
+            </a:pathLst>
+          </a:custGeom>
+        </p:spPr>
+      </p:sp>
+      <p:sp>
+        <p:nvSpPr>
+          <p:cNvPr id="65" name="Google Shape;65;g1f8acce84f6_0_522:notes"/>
+          <p:cNvSpPr txBox="1">
+            <a:spLocks noGrp="1"/>
+          </p:cNvSpPr>
+          <p:nvPr>
+            <p:ph type="body" idx="1"/>
+          </p:nvPr>
+        </p:nvSpPr>
+        <p:spPr>
+          <a:xfrm>
+            <a:off x="685800" y="4343400"/>
+            <a:ext cx="5486400" cy="4114800"/>
+          </a:xfrm>
+          <a:prstGeom prst="rect">
+            <a:avLst/>
+          </a:prstGeom>
+        </p:spPr>
+        <p:txBody>
+          <a:bodyPr spcFirstLastPara="1" wrap="square" lIns="91425" tIns="91425" rIns="91425" bIns="91425" anchor="t" anchorCtr="0">
+            <a:noAutofit/>
+          </a:bodyPr>
+          <a:lstStyle/>
+          <a:p>
+            <a:pPr marL="0" lvl="0" indent="0" algn="l" rtl="0">
+              <a:spcBef>
+                <a:spcPts val="0"/>
+              </a:spcBef>
+              <a:spcAft>
+                <a:spcPts val="0"/>
+              </a:spcAft>
+              <a:buNone/>
+            </a:pPr>
+            <a:endParaRPr/>
+          </a:p>
+        </p:txBody>
+      </p:sp>
+    </p:spTree>
+    <p:extLst>
+      <p:ext uri="{BB962C8B-B14F-4D97-AF65-F5344CB8AC3E}">
+        <p14:creationId xmlns:p14="http://schemas.microsoft.com/office/powerpoint/2010/main" val="2899573365"/>
       </p:ext>
     </p:extLst>
   </p:cSld>
@@ -6037,14 +6918,14 @@
               <a:buNone/>
             </a:pPr>
             <a:r>
-              <a:rPr lang="ko" sz="3380" b="1">
+              <a:rPr lang="ko" sz="3380" b="1" dirty="0">
                 <a:solidFill>
                   <a:srgbClr val="E73277"/>
                 </a:solidFill>
               </a:rPr>
               <a:t>RayTracing with DirectX 12</a:t>
             </a:r>
-            <a:endParaRPr sz="3380" b="1">
+            <a:endParaRPr sz="3380" b="1" dirty="0">
               <a:solidFill>
                 <a:srgbClr val="E73277"/>
               </a:solidFill>
@@ -6061,7 +6942,7 @@
               <a:buSzPts val="990"/>
               <a:buNone/>
             </a:pPr>
-            <a:endParaRPr sz="3480"/>
+            <a:endParaRPr sz="3480" dirty="0"/>
           </a:p>
           <a:p>
             <a:pPr marL="0" lvl="0" indent="0" algn="ctr" rtl="0">
@@ -6075,14 +6956,14 @@
               <a:buNone/>
             </a:pPr>
             <a:r>
-              <a:rPr lang="ko" sz="2980" b="1">
+              <a:rPr lang="ko" sz="2980" b="1" dirty="0">
                 <a:solidFill>
                   <a:srgbClr val="1C4587"/>
                 </a:solidFill>
               </a:rPr>
               <a:t>XD</a:t>
             </a:r>
-            <a:endParaRPr sz="2980" b="1">
+            <a:endParaRPr sz="2980" b="1" dirty="0">
               <a:solidFill>
                 <a:srgbClr val="1C4587"/>
               </a:solidFill>
@@ -6100,14 +6981,14 @@
               <a:buNone/>
             </a:pPr>
             <a:r>
-              <a:rPr lang="ko" sz="2980" b="1">
+              <a:rPr lang="ko" sz="2980" b="1" dirty="0">
                 <a:solidFill>
                   <a:srgbClr val="FF9900"/>
                 </a:solidFill>
               </a:rPr>
-              <a:t>Intro&amp;AccelerationStructure</a:t>
-            </a:r>
-            <a:endParaRPr sz="2980" b="1">
+              <a:t>AccelerationStructure</a:t>
+            </a:r>
+            <a:endParaRPr sz="2980" b="1" dirty="0">
               <a:solidFill>
                 <a:srgbClr val="FF9900"/>
               </a:solidFill>
@@ -6150,10 +7031,10 @@
               <a:buNone/>
             </a:pPr>
             <a:r>
-              <a:rPr lang="ko" sz="1900" b="1"/>
+              <a:rPr lang="ko" sz="1900" b="1" dirty="0"/>
               <a:t>작성자 : 허재성</a:t>
             </a:r>
-            <a:endParaRPr sz="1900" b="1"/>
+            <a:endParaRPr sz="1900" b="1" dirty="0"/>
           </a:p>
         </p:txBody>
       </p:sp>
@@ -6165,7 +7046,4844 @@
 </p:sld>
 </file>
 
+<file path=ppt/slides/slide10.xml><?xml version="1.0" encoding="utf-8"?>
+<p:sld xmlns:a="http://schemas.openxmlformats.org/drawingml/2006/main" xmlns:r="http://schemas.openxmlformats.org/officeDocument/2006/relationships" xmlns:p="http://schemas.openxmlformats.org/presentationml/2006/main">
+  <p:cSld>
+    <p:spTree>
+      <p:nvGrpSpPr>
+        <p:cNvPr id="1" name="Shape 66"/>
+        <p:cNvGrpSpPr/>
+        <p:nvPr/>
+      </p:nvGrpSpPr>
+      <p:grpSpPr>
+        <a:xfrm>
+          <a:off x="0" y="0"/>
+          <a:ext cx="0" cy="0"/>
+          <a:chOff x="0" y="0"/>
+          <a:chExt cx="0" cy="0"/>
+        </a:xfrm>
+      </p:grpSpPr>
+      <p:sp>
+        <p:nvSpPr>
+          <p:cNvPr id="67" name="Google Shape;67;p15"/>
+          <p:cNvSpPr txBox="1">
+            <a:spLocks noGrp="1"/>
+          </p:cNvSpPr>
+          <p:nvPr>
+            <p:ph type="ctrTitle"/>
+          </p:nvPr>
+        </p:nvSpPr>
+        <p:spPr>
+          <a:xfrm>
+            <a:off x="294324" y="303775"/>
+            <a:ext cx="2692715" cy="429000"/>
+          </a:xfrm>
+          <a:prstGeom prst="rect">
+            <a:avLst/>
+          </a:prstGeom>
+        </p:spPr>
+        <p:txBody>
+          <a:bodyPr spcFirstLastPara="1" wrap="square" lIns="91425" tIns="91425" rIns="91425" bIns="91425" anchor="b" anchorCtr="0">
+            <a:noAutofit/>
+          </a:bodyPr>
+          <a:lstStyle/>
+          <a:p>
+            <a:pPr marL="0" lvl="0" indent="0" algn="ctr" rtl="0">
+              <a:spcBef>
+                <a:spcPts val="0"/>
+              </a:spcBef>
+              <a:spcAft>
+                <a:spcPts val="0"/>
+              </a:spcAft>
+              <a:buSzPts val="990"/>
+              <a:buNone/>
+            </a:pPr>
+            <a:r>
+              <a:rPr lang="en-US" sz="1679" b="1" dirty="0">
+                <a:solidFill>
+                  <a:srgbClr val="1C4587"/>
+                </a:solidFill>
+              </a:rPr>
+              <a:t>Intersection</a:t>
+            </a:r>
+            <a:r>
+              <a:rPr lang="ko-KR" altLang="en-US" sz="1679" b="1" dirty="0">
+                <a:solidFill>
+                  <a:srgbClr val="1C4587"/>
+                </a:solidFill>
+              </a:rPr>
+              <a:t> </a:t>
+            </a:r>
+            <a:r>
+              <a:rPr lang="en-US" altLang="ko-KR" sz="1679" b="1" dirty="0">
+                <a:solidFill>
+                  <a:srgbClr val="1C4587"/>
+                </a:solidFill>
+              </a:rPr>
+              <a:t>Shader</a:t>
+            </a:r>
+            <a:endParaRPr sz="1679" b="1" dirty="0">
+              <a:solidFill>
+                <a:srgbClr val="1C4587"/>
+              </a:solidFill>
+            </a:endParaRPr>
+          </a:p>
+        </p:txBody>
+      </p:sp>
+      <p:sp>
+        <p:nvSpPr>
+          <p:cNvPr id="69" name="Google Shape;69;p15"/>
+          <p:cNvSpPr txBox="1">
+            <a:spLocks noGrp="1"/>
+          </p:cNvSpPr>
+          <p:nvPr>
+            <p:ph type="ctrTitle"/>
+          </p:nvPr>
+        </p:nvSpPr>
+        <p:spPr>
+          <a:xfrm>
+            <a:off x="435700" y="807809"/>
+            <a:ext cx="7661434" cy="2274950"/>
+          </a:xfrm>
+          <a:prstGeom prst="rect">
+            <a:avLst/>
+          </a:prstGeom>
+        </p:spPr>
+        <p:txBody>
+          <a:bodyPr spcFirstLastPara="1" wrap="square" lIns="91425" tIns="91425" rIns="91425" bIns="91425" anchor="ctr" anchorCtr="0">
+            <a:noAutofit/>
+          </a:bodyPr>
+          <a:lstStyle/>
+          <a:p>
+            <a:pPr marL="139700" lvl="0" algn="l" rtl="0">
+              <a:spcBef>
+                <a:spcPts val="0"/>
+              </a:spcBef>
+              <a:spcAft>
+                <a:spcPts val="0"/>
+              </a:spcAft>
+              <a:buSzPts val="1400"/>
+            </a:pPr>
+            <a:br>
+              <a:rPr lang="en-US" altLang="ko-KR" sz="1200" b="1" dirty="0">
+                <a:solidFill>
+                  <a:schemeClr val="tx1"/>
+                </a:solidFill>
+              </a:rPr>
+            </a:br>
+            <a:r>
+              <a:rPr lang="en-US" altLang="ko-KR" sz="1200" b="1" dirty="0">
+                <a:solidFill>
+                  <a:schemeClr val="tx1"/>
+                </a:solidFill>
+              </a:rPr>
+              <a:t>- </a:t>
+            </a:r>
+            <a:r>
+              <a:rPr lang="en-US" altLang="ko-KR" sz="1200" b="1" dirty="0" err="1">
+                <a:solidFill>
+                  <a:schemeClr val="tx1"/>
+                </a:solidFill>
+              </a:rPr>
+              <a:t>BottomLevel</a:t>
+            </a:r>
+            <a:r>
+              <a:rPr lang="ko-KR" altLang="en-US" sz="1200" b="1" dirty="0">
+                <a:solidFill>
+                  <a:schemeClr val="tx1"/>
+                </a:solidFill>
+              </a:rPr>
+              <a:t> 가속구조의 형상에 대한 표현은 </a:t>
+            </a:r>
+            <a:r>
+              <a:rPr lang="ko-KR" altLang="en-US" sz="1200" b="1" dirty="0" err="1">
+                <a:solidFill>
+                  <a:schemeClr val="tx1"/>
+                </a:solidFill>
+              </a:rPr>
+              <a:t>프리미티브를</a:t>
+            </a:r>
+            <a:r>
+              <a:rPr lang="ko-KR" altLang="en-US" sz="1200" b="1" dirty="0">
+                <a:solidFill>
+                  <a:schemeClr val="tx1"/>
+                </a:solidFill>
+              </a:rPr>
+              <a:t> 포함하는 </a:t>
+            </a:r>
+            <a:r>
+              <a:rPr lang="en-US" altLang="ko-KR" sz="1200" b="1" dirty="0">
+                <a:solidFill>
+                  <a:schemeClr val="tx1"/>
+                </a:solidFill>
+              </a:rPr>
+              <a:t>AABB(Axis Aligned Bounding Box : </a:t>
+            </a:r>
+            <a:r>
+              <a:rPr lang="ko-KR" altLang="en-US" sz="1200" b="1" dirty="0">
+                <a:solidFill>
+                  <a:schemeClr val="tx1"/>
+                </a:solidFill>
+              </a:rPr>
+              <a:t>축 정렬 경계 상자 </a:t>
+            </a:r>
+            <a:r>
+              <a:rPr lang="en-US" altLang="ko-KR" sz="1200" b="1" dirty="0">
+                <a:solidFill>
+                  <a:schemeClr val="tx1"/>
+                </a:solidFill>
+              </a:rPr>
+              <a:t>)</a:t>
+            </a:r>
+            <a:r>
+              <a:rPr lang="ko-KR" altLang="en-US" sz="1200" b="1" dirty="0">
+                <a:solidFill>
+                  <a:schemeClr val="tx1"/>
+                </a:solidFill>
+              </a:rPr>
+              <a:t>이다</a:t>
+            </a:r>
+            <a:r>
+              <a:rPr lang="en-US" altLang="ko-KR" sz="1200" b="1" dirty="0">
+                <a:solidFill>
+                  <a:schemeClr val="tx1"/>
+                </a:solidFill>
+              </a:rPr>
+              <a:t>.</a:t>
+            </a:r>
+            <a:br>
+              <a:rPr lang="en-US" altLang="ko-KR" sz="1200" b="1" dirty="0">
+                <a:solidFill>
+                  <a:schemeClr val="tx1"/>
+                </a:solidFill>
+              </a:rPr>
+            </a:br>
+            <a:br>
+              <a:rPr lang="en-US" altLang="ko-KR" sz="1200" b="1" dirty="0">
+                <a:solidFill>
+                  <a:schemeClr val="tx1"/>
+                </a:solidFill>
+              </a:rPr>
+            </a:br>
+            <a:r>
+              <a:rPr lang="en-US" altLang="ko-KR" sz="1200" b="1" dirty="0">
+                <a:solidFill>
+                  <a:schemeClr val="tx1"/>
+                </a:solidFill>
+              </a:rPr>
+              <a:t>- </a:t>
+            </a:r>
+            <a:r>
+              <a:rPr lang="ko-KR" altLang="en-US" sz="1200" b="1" dirty="0" err="1">
+                <a:solidFill>
+                  <a:schemeClr val="tx1"/>
+                </a:solidFill>
+              </a:rPr>
+              <a:t>경게상자와</a:t>
+            </a:r>
+            <a:r>
+              <a:rPr lang="ko-KR" altLang="en-US" sz="1200" b="1" dirty="0">
+                <a:solidFill>
+                  <a:schemeClr val="tx1"/>
+                </a:solidFill>
+              </a:rPr>
+              <a:t> 광선이 </a:t>
+            </a:r>
+            <a:r>
+              <a:rPr lang="ko-KR" altLang="en-US" sz="1200" b="1" dirty="0" err="1">
+                <a:solidFill>
+                  <a:schemeClr val="tx1"/>
+                </a:solidFill>
+              </a:rPr>
+              <a:t>교차할때</a:t>
+            </a:r>
+            <a:r>
+              <a:rPr lang="ko-KR" altLang="en-US" sz="1200" b="1" dirty="0">
+                <a:solidFill>
+                  <a:schemeClr val="tx1"/>
+                </a:solidFill>
+              </a:rPr>
+              <a:t> 호출되는 </a:t>
+            </a:r>
+            <a:r>
+              <a:rPr lang="ko-KR" altLang="en-US" sz="1200" b="1" dirty="0" err="1">
+                <a:solidFill>
+                  <a:schemeClr val="tx1"/>
+                </a:solidFill>
+              </a:rPr>
+              <a:t>쉐이더로</a:t>
+            </a:r>
+            <a:r>
+              <a:rPr lang="ko-KR" altLang="en-US" sz="1200" b="1" dirty="0">
+                <a:solidFill>
+                  <a:schemeClr val="tx1"/>
+                </a:solidFill>
+              </a:rPr>
+              <a:t> </a:t>
+            </a:r>
+            <a:r>
+              <a:rPr lang="en-US" altLang="ko-KR" sz="1200" b="1" dirty="0">
+                <a:solidFill>
+                  <a:schemeClr val="tx1"/>
+                </a:solidFill>
+              </a:rPr>
+              <a:t>, </a:t>
+            </a:r>
+            <a:r>
+              <a:rPr lang="ko-KR" altLang="en-US" sz="1200" b="1" dirty="0">
+                <a:solidFill>
+                  <a:schemeClr val="tx1"/>
+                </a:solidFill>
+              </a:rPr>
+              <a:t>광선이 그 경계 상자에 </a:t>
+            </a:r>
+            <a:r>
+              <a:rPr lang="ko-KR" altLang="en-US" sz="1200" b="1" dirty="0" err="1">
+                <a:solidFill>
+                  <a:schemeClr val="tx1"/>
+                </a:solidFill>
+              </a:rPr>
+              <a:t>닿을때</a:t>
+            </a:r>
+            <a:r>
+              <a:rPr lang="en-US" altLang="ko-KR" sz="1200" b="1" dirty="0">
+                <a:solidFill>
+                  <a:schemeClr val="tx1"/>
+                </a:solidFill>
+              </a:rPr>
+              <a:t>, </a:t>
+            </a:r>
+            <a:r>
+              <a:rPr lang="ko-KR" altLang="en-US" sz="1200" b="1" dirty="0">
+                <a:solidFill>
+                  <a:schemeClr val="tx1"/>
+                </a:solidFill>
+              </a:rPr>
+              <a:t>교차 </a:t>
+            </a:r>
+            <a:r>
+              <a:rPr lang="ko-KR" altLang="en-US" sz="1200" b="1" dirty="0" err="1">
+                <a:solidFill>
+                  <a:schemeClr val="tx1"/>
+                </a:solidFill>
+              </a:rPr>
+              <a:t>쉐이더를</a:t>
+            </a:r>
+            <a:r>
+              <a:rPr lang="ko-KR" altLang="en-US" sz="1200" b="1" dirty="0">
+                <a:solidFill>
+                  <a:schemeClr val="tx1"/>
+                </a:solidFill>
+              </a:rPr>
+              <a:t> 실행하여 표면을 정의한다</a:t>
+            </a:r>
+            <a:r>
+              <a:rPr lang="en-US" altLang="ko-KR" sz="1200" b="1" dirty="0">
+                <a:solidFill>
+                  <a:schemeClr val="tx1"/>
+                </a:solidFill>
+              </a:rPr>
+              <a:t>.</a:t>
+            </a:r>
+            <a:br>
+              <a:rPr lang="en-US" altLang="ko-KR" sz="1200" b="1" dirty="0">
+                <a:solidFill>
+                  <a:schemeClr val="tx1"/>
+                </a:solidFill>
+              </a:rPr>
+            </a:br>
+            <a:br>
+              <a:rPr lang="en-US" altLang="ko-KR" sz="1200" b="1" dirty="0">
+                <a:solidFill>
+                  <a:schemeClr val="tx1"/>
+                </a:solidFill>
+              </a:rPr>
+            </a:br>
+            <a:r>
+              <a:rPr lang="en-US" altLang="ko-KR" sz="1200" b="1" dirty="0">
+                <a:solidFill>
+                  <a:schemeClr val="tx1"/>
+                </a:solidFill>
+              </a:rPr>
+              <a:t>- </a:t>
+            </a:r>
+            <a:r>
+              <a:rPr lang="ko-KR" altLang="en-US" sz="1200" b="1" dirty="0" err="1">
+                <a:solidFill>
+                  <a:schemeClr val="tx1"/>
+                </a:solidFill>
+              </a:rPr>
+              <a:t>쉐이더는</a:t>
+            </a:r>
+            <a:r>
+              <a:rPr lang="ko-KR" altLang="en-US" sz="1200" b="1" dirty="0">
+                <a:solidFill>
+                  <a:schemeClr val="tx1"/>
+                </a:solidFill>
+              </a:rPr>
+              <a:t> 현재 상태의 </a:t>
+            </a:r>
+            <a:r>
+              <a:rPr lang="en-US" altLang="ko-KR" sz="1200" b="1" dirty="0">
+                <a:solidFill>
+                  <a:schemeClr val="tx1"/>
+                </a:solidFill>
+              </a:rPr>
+              <a:t>T </a:t>
+            </a:r>
+            <a:r>
+              <a:rPr lang="ko-KR" altLang="en-US" sz="1200" b="1" dirty="0">
+                <a:solidFill>
+                  <a:schemeClr val="tx1"/>
+                </a:solidFill>
+              </a:rPr>
+              <a:t>값을 포함해</a:t>
+            </a:r>
+            <a:r>
+              <a:rPr lang="en-US" altLang="ko-KR" sz="1200" b="1" dirty="0">
+                <a:solidFill>
+                  <a:schemeClr val="tx1"/>
+                </a:solidFill>
+              </a:rPr>
+              <a:t>, </a:t>
+            </a:r>
+            <a:r>
+              <a:rPr lang="ko-KR" altLang="en-US" sz="1200" b="1" dirty="0">
+                <a:solidFill>
+                  <a:schemeClr val="tx1"/>
+                </a:solidFill>
+              </a:rPr>
+              <a:t>다음 </a:t>
+            </a:r>
+            <a:r>
+              <a:rPr lang="ko-KR" altLang="en-US" sz="1200" b="1" dirty="0" err="1">
+                <a:solidFill>
+                  <a:schemeClr val="tx1"/>
+                </a:solidFill>
+              </a:rPr>
+              <a:t>쉐이더에</a:t>
+            </a:r>
+            <a:r>
+              <a:rPr lang="ko-KR" altLang="en-US" sz="1200" b="1" dirty="0">
+                <a:solidFill>
+                  <a:schemeClr val="tx1"/>
+                </a:solidFill>
+              </a:rPr>
+              <a:t> 전달할 교차점을 설명하는 속성을 정의하게 된다</a:t>
+            </a:r>
+            <a:r>
+              <a:rPr lang="en-US" altLang="ko-KR" sz="1200" b="1" dirty="0">
+                <a:solidFill>
+                  <a:schemeClr val="tx1"/>
+                </a:solidFill>
+              </a:rPr>
+              <a:t>.</a:t>
+            </a:r>
+            <a:br>
+              <a:rPr lang="en-US" altLang="ko-KR" sz="1200" b="1" dirty="0">
+                <a:solidFill>
+                  <a:schemeClr val="tx1"/>
+                </a:solidFill>
+              </a:rPr>
+            </a:br>
+            <a:br>
+              <a:rPr lang="en-US" altLang="ko-KR" sz="1200" b="1" dirty="0">
+                <a:solidFill>
+                  <a:schemeClr val="tx1"/>
+                </a:solidFill>
+              </a:rPr>
+            </a:br>
+            <a:r>
+              <a:rPr lang="en-US" altLang="ko-KR" sz="1200" b="1" dirty="0">
+                <a:solidFill>
+                  <a:schemeClr val="tx1"/>
+                </a:solidFill>
+              </a:rPr>
+              <a:t>- RAY_FLAG </a:t>
+            </a:r>
+            <a:r>
+              <a:rPr lang="ko-KR" altLang="en-US" sz="1200" b="1" dirty="0">
+                <a:solidFill>
+                  <a:schemeClr val="tx1"/>
+                </a:solidFill>
+              </a:rPr>
+              <a:t>설정되기도하고</a:t>
+            </a:r>
+            <a:r>
+              <a:rPr lang="en-US" altLang="ko-KR" sz="1200" b="1" dirty="0">
+                <a:solidFill>
+                  <a:schemeClr val="tx1"/>
+                </a:solidFill>
+              </a:rPr>
+              <a:t>, </a:t>
+            </a:r>
+            <a:r>
+              <a:rPr lang="ko-KR" altLang="en-US" sz="1200" b="1" dirty="0">
+                <a:solidFill>
+                  <a:schemeClr val="tx1"/>
+                </a:solidFill>
+              </a:rPr>
+              <a:t>또는 적중이 되면 </a:t>
+            </a:r>
+            <a:r>
+              <a:rPr lang="en-US" altLang="ko-KR" sz="1200" b="1" dirty="0">
+                <a:solidFill>
+                  <a:schemeClr val="tx1"/>
+                </a:solidFill>
+              </a:rPr>
+              <a:t>True</a:t>
+            </a:r>
+            <a:r>
+              <a:rPr lang="ko-KR" altLang="en-US" sz="1200" b="1" dirty="0">
+                <a:solidFill>
+                  <a:schemeClr val="tx1"/>
+                </a:solidFill>
+              </a:rPr>
+              <a:t>를 반환</a:t>
+            </a:r>
+            <a:r>
+              <a:rPr lang="en-US" altLang="ko-KR" sz="1200" b="1" dirty="0">
+                <a:solidFill>
+                  <a:schemeClr val="tx1"/>
+                </a:solidFill>
+              </a:rPr>
+              <a:t>, </a:t>
+            </a:r>
+            <a:r>
+              <a:rPr lang="ko-KR" altLang="en-US" sz="1200" b="1" dirty="0">
+                <a:solidFill>
+                  <a:schemeClr val="tx1"/>
+                </a:solidFill>
+              </a:rPr>
+              <a:t>거부되면 </a:t>
+            </a:r>
+            <a:r>
+              <a:rPr lang="en-US" altLang="ko-KR" sz="1200" b="1" dirty="0">
+                <a:solidFill>
+                  <a:schemeClr val="tx1"/>
+                </a:solidFill>
+              </a:rPr>
+              <a:t>False</a:t>
+            </a:r>
+            <a:r>
+              <a:rPr lang="ko-KR" altLang="en-US" sz="1200" b="1" dirty="0">
+                <a:solidFill>
+                  <a:schemeClr val="tx1"/>
+                </a:solidFill>
+              </a:rPr>
+              <a:t>를 반환한다</a:t>
+            </a:r>
+            <a:r>
+              <a:rPr lang="en-US" altLang="ko-KR" sz="1200" b="1" dirty="0">
+                <a:solidFill>
+                  <a:schemeClr val="tx1"/>
+                </a:solidFill>
+              </a:rPr>
+              <a:t>.</a:t>
+            </a:r>
+            <a:br>
+              <a:rPr lang="en-US" altLang="ko-KR" sz="1200" b="1" dirty="0">
+                <a:solidFill>
+                  <a:schemeClr val="tx1"/>
+                </a:solidFill>
+              </a:rPr>
+            </a:br>
+            <a:br>
+              <a:rPr lang="en-US" altLang="ko-KR" sz="1200" b="1" dirty="0">
+                <a:solidFill>
+                  <a:schemeClr val="tx1"/>
+                </a:solidFill>
+              </a:rPr>
+            </a:br>
+            <a:r>
+              <a:rPr lang="en-US" altLang="ko-KR" sz="1200" b="1" dirty="0">
+                <a:solidFill>
+                  <a:schemeClr val="tx1"/>
+                </a:solidFill>
+              </a:rPr>
+              <a:t>- </a:t>
+            </a:r>
+            <a:r>
+              <a:rPr lang="ko-KR" altLang="en-US" sz="1200" b="1" dirty="0">
+                <a:solidFill>
+                  <a:schemeClr val="tx1"/>
+                </a:solidFill>
+              </a:rPr>
+              <a:t>교차 </a:t>
+            </a:r>
+            <a:r>
+              <a:rPr lang="ko-KR" altLang="en-US" sz="1200" b="1" dirty="0" err="1">
+                <a:solidFill>
+                  <a:schemeClr val="tx1"/>
+                </a:solidFill>
+              </a:rPr>
+              <a:t>쉐이더는</a:t>
+            </a:r>
+            <a:r>
+              <a:rPr lang="ko-KR" altLang="en-US" sz="1200" b="1" dirty="0">
+                <a:solidFill>
+                  <a:schemeClr val="tx1"/>
+                </a:solidFill>
+              </a:rPr>
+              <a:t> 중복으로 실행될 수 있다</a:t>
+            </a:r>
+            <a:r>
+              <a:rPr lang="en-US" altLang="ko-KR" sz="1200" b="1" dirty="0">
+                <a:solidFill>
+                  <a:schemeClr val="tx1"/>
+                </a:solidFill>
+              </a:rPr>
+              <a:t>. </a:t>
+            </a:r>
+            <a:r>
+              <a:rPr lang="ko-KR" altLang="en-US" sz="1200" b="1" dirty="0">
+                <a:solidFill>
+                  <a:schemeClr val="tx1"/>
+                </a:solidFill>
+              </a:rPr>
+              <a:t>즉 절차적 </a:t>
+            </a:r>
+            <a:r>
+              <a:rPr lang="ko-KR" altLang="en-US" sz="1200" b="1" dirty="0" err="1">
+                <a:solidFill>
+                  <a:schemeClr val="tx1"/>
+                </a:solidFill>
+              </a:rPr>
+              <a:t>프리미티브에</a:t>
+            </a:r>
+            <a:r>
+              <a:rPr lang="ko-KR" altLang="en-US" sz="1200" b="1" dirty="0">
+                <a:solidFill>
+                  <a:schemeClr val="tx1"/>
+                </a:solidFill>
+              </a:rPr>
+              <a:t> 대해 한번만 실행되는 보장이 없다</a:t>
+            </a:r>
+            <a:r>
+              <a:rPr lang="en-US" altLang="ko-KR" sz="1200" b="1" dirty="0">
+                <a:solidFill>
+                  <a:schemeClr val="tx1"/>
+                </a:solidFill>
+              </a:rPr>
+              <a:t>.</a:t>
+            </a:r>
+            <a:endParaRPr sz="1200" b="1" dirty="0">
+              <a:solidFill>
+                <a:srgbClr val="1C4587"/>
+              </a:solidFill>
+            </a:endParaRPr>
+          </a:p>
+        </p:txBody>
+      </p:sp>
+    </p:spTree>
+    <p:extLst>
+      <p:ext uri="{BB962C8B-B14F-4D97-AF65-F5344CB8AC3E}">
+        <p14:creationId xmlns:p14="http://schemas.microsoft.com/office/powerpoint/2010/main" val="2081942689"/>
+      </p:ext>
+    </p:extLst>
+  </p:cSld>
+  <p:clrMapOvr>
+    <a:masterClrMapping/>
+  </p:clrMapOvr>
+</p:sld>
+</file>
+
+<file path=ppt/slides/slide11.xml><?xml version="1.0" encoding="utf-8"?>
+<p:sld xmlns:a="http://schemas.openxmlformats.org/drawingml/2006/main" xmlns:r="http://schemas.openxmlformats.org/officeDocument/2006/relationships" xmlns:p="http://schemas.openxmlformats.org/presentationml/2006/main">
+  <p:cSld>
+    <p:spTree>
+      <p:nvGrpSpPr>
+        <p:cNvPr id="1" name="Shape 66"/>
+        <p:cNvGrpSpPr/>
+        <p:nvPr/>
+      </p:nvGrpSpPr>
+      <p:grpSpPr>
+        <a:xfrm>
+          <a:off x="0" y="0"/>
+          <a:ext cx="0" cy="0"/>
+          <a:chOff x="0" y="0"/>
+          <a:chExt cx="0" cy="0"/>
+        </a:xfrm>
+      </p:grpSpPr>
+      <p:sp>
+        <p:nvSpPr>
+          <p:cNvPr id="67" name="Google Shape;67;p15"/>
+          <p:cNvSpPr txBox="1">
+            <a:spLocks noGrp="1"/>
+          </p:cNvSpPr>
+          <p:nvPr>
+            <p:ph type="ctrTitle"/>
+          </p:nvPr>
+        </p:nvSpPr>
+        <p:spPr>
+          <a:xfrm>
+            <a:off x="294324" y="303775"/>
+            <a:ext cx="6264972" cy="429000"/>
+          </a:xfrm>
+          <a:prstGeom prst="rect">
+            <a:avLst/>
+          </a:prstGeom>
+        </p:spPr>
+        <p:txBody>
+          <a:bodyPr spcFirstLastPara="1" wrap="square" lIns="91425" tIns="91425" rIns="91425" bIns="91425" anchor="b" anchorCtr="0">
+            <a:noAutofit/>
+          </a:bodyPr>
+          <a:lstStyle/>
+          <a:p>
+            <a:pPr marL="0" lvl="0" indent="0" algn="ctr" rtl="0">
+              <a:spcBef>
+                <a:spcPts val="0"/>
+              </a:spcBef>
+              <a:spcAft>
+                <a:spcPts val="0"/>
+              </a:spcAft>
+              <a:buSzPts val="990"/>
+              <a:buNone/>
+            </a:pPr>
+            <a:r>
+              <a:rPr lang="en-US" altLang="ko-KR" sz="1679" b="1" dirty="0">
+                <a:solidFill>
+                  <a:srgbClr val="1C4587"/>
+                </a:solidFill>
+              </a:rPr>
+              <a:t>Intersection</a:t>
+            </a:r>
+            <a:r>
+              <a:rPr lang="ko-KR" altLang="en-US" sz="1679" b="1" dirty="0">
+                <a:solidFill>
+                  <a:srgbClr val="1C4587"/>
+                </a:solidFill>
+              </a:rPr>
+              <a:t> </a:t>
+            </a:r>
+            <a:r>
+              <a:rPr lang="en-US" altLang="ko-KR" sz="1679" b="1" dirty="0">
+                <a:solidFill>
+                  <a:srgbClr val="1C4587"/>
+                </a:solidFill>
+              </a:rPr>
+              <a:t>Shader</a:t>
+            </a:r>
+            <a:r>
+              <a:rPr lang="ko-KR" altLang="en-US" sz="1679" b="1" dirty="0">
+                <a:solidFill>
+                  <a:srgbClr val="1C4587"/>
+                </a:solidFill>
+              </a:rPr>
+              <a:t> </a:t>
+            </a:r>
+            <a:r>
+              <a:rPr lang="en-US" altLang="ko-KR" sz="1679" b="1" dirty="0">
+                <a:solidFill>
+                  <a:srgbClr val="1C4587"/>
+                </a:solidFill>
+              </a:rPr>
+              <a:t>[</a:t>
+            </a:r>
+            <a:r>
+              <a:rPr lang="ko-KR" altLang="en-US" sz="1679" b="1" dirty="0">
+                <a:solidFill>
+                  <a:srgbClr val="1C4587"/>
+                </a:solidFill>
+              </a:rPr>
+              <a:t> </a:t>
+            </a:r>
+            <a:r>
+              <a:rPr lang="en-US" sz="1679" b="1" dirty="0">
+                <a:solidFill>
+                  <a:srgbClr val="1C4587"/>
+                </a:solidFill>
+              </a:rPr>
+              <a:t>DXR SAMPLE : Procedural</a:t>
+            </a:r>
+            <a:r>
+              <a:rPr lang="ko-KR" altLang="en-US" sz="1679" b="1" dirty="0">
+                <a:solidFill>
+                  <a:srgbClr val="1C4587"/>
+                </a:solidFill>
+              </a:rPr>
+              <a:t> </a:t>
+            </a:r>
+            <a:r>
+              <a:rPr lang="en-US" altLang="ko-KR" sz="1679" b="1" dirty="0">
+                <a:solidFill>
+                  <a:srgbClr val="1C4587"/>
+                </a:solidFill>
+              </a:rPr>
+              <a:t>Geometry</a:t>
+            </a:r>
+            <a:r>
+              <a:rPr lang="en-US" sz="1679" b="1" dirty="0">
+                <a:solidFill>
+                  <a:srgbClr val="1C4587"/>
+                </a:solidFill>
+              </a:rPr>
+              <a:t>]</a:t>
+            </a:r>
+            <a:endParaRPr sz="1679" b="1" dirty="0">
+              <a:solidFill>
+                <a:srgbClr val="1C4587"/>
+              </a:solidFill>
+            </a:endParaRPr>
+          </a:p>
+        </p:txBody>
+      </p:sp>
+      <p:sp>
+        <p:nvSpPr>
+          <p:cNvPr id="69" name="Google Shape;69;p15"/>
+          <p:cNvSpPr txBox="1">
+            <a:spLocks noGrp="1"/>
+          </p:cNvSpPr>
+          <p:nvPr>
+            <p:ph type="ctrTitle"/>
+          </p:nvPr>
+        </p:nvSpPr>
+        <p:spPr>
+          <a:xfrm>
+            <a:off x="4288649" y="1003014"/>
+            <a:ext cx="4046507" cy="759469"/>
+          </a:xfrm>
+          <a:prstGeom prst="rect">
+            <a:avLst/>
+          </a:prstGeom>
+          <a:ln w="28575">
+            <a:solidFill>
+              <a:srgbClr val="00B050"/>
+            </a:solidFill>
+          </a:ln>
+        </p:spPr>
+        <p:txBody>
+          <a:bodyPr spcFirstLastPara="1" wrap="square" lIns="91425" tIns="91425" rIns="91425" bIns="91425" anchor="ctr" anchorCtr="0">
+            <a:noAutofit/>
+          </a:bodyPr>
+          <a:lstStyle/>
+          <a:p>
+            <a:pPr marL="139700" lvl="0" algn="l" rtl="0">
+              <a:spcBef>
+                <a:spcPts val="0"/>
+              </a:spcBef>
+              <a:spcAft>
+                <a:spcPts val="0"/>
+              </a:spcAft>
+              <a:buSzPts val="1400"/>
+            </a:pPr>
+            <a:r>
+              <a:rPr lang="ko-KR" altLang="en-US" sz="1100" b="1" dirty="0">
+                <a:solidFill>
+                  <a:schemeClr val="tx1"/>
+                </a:solidFill>
+              </a:rPr>
+              <a:t>광선의 정보를 </a:t>
+            </a:r>
+            <a:r>
+              <a:rPr lang="en-US" sz="1100" b="1" dirty="0" err="1">
+                <a:solidFill>
+                  <a:schemeClr val="tx1"/>
+                </a:solidFill>
+              </a:rPr>
+              <a:t>BottomLevel</a:t>
+            </a:r>
+            <a:r>
+              <a:rPr lang="ko-KR" altLang="en-US" sz="1100" b="1" dirty="0">
+                <a:solidFill>
+                  <a:schemeClr val="tx1"/>
+                </a:solidFill>
+              </a:rPr>
+              <a:t>가속구조에서의 로컬 좌표와 방향을 토대로 해주며</a:t>
+            </a:r>
+            <a:r>
+              <a:rPr lang="en-US" altLang="ko-KR" sz="1100" b="1" dirty="0">
+                <a:solidFill>
+                  <a:schemeClr val="tx1"/>
+                </a:solidFill>
+              </a:rPr>
+              <a:t>, </a:t>
+            </a:r>
+            <a:endParaRPr sz="1100" b="1" dirty="0">
+              <a:solidFill>
+                <a:schemeClr val="tx1"/>
+              </a:solidFill>
+            </a:endParaRPr>
+          </a:p>
+        </p:txBody>
+      </p:sp>
+      <p:sp>
+        <p:nvSpPr>
+          <p:cNvPr id="10" name="Google Shape;69;p15">
+            <a:extLst>
+              <a:ext uri="{FF2B5EF4-FFF2-40B4-BE49-F238E27FC236}">
+                <a16:creationId xmlns:a16="http://schemas.microsoft.com/office/drawing/2014/main" id="{94E2A912-3A04-7C00-87F2-81257C75297E}"/>
+              </a:ext>
+            </a:extLst>
+          </p:cNvPr>
+          <p:cNvSpPr txBox="1">
+            <a:spLocks/>
+          </p:cNvSpPr>
+          <p:nvPr/>
+        </p:nvSpPr>
+        <p:spPr>
+          <a:xfrm>
+            <a:off x="4667514" y="3216480"/>
+            <a:ext cx="3783564" cy="1175783"/>
+          </a:xfrm>
+          <a:prstGeom prst="rect">
+            <a:avLst/>
+          </a:prstGeom>
+          <a:noFill/>
+          <a:ln w="28575">
+            <a:solidFill>
+              <a:srgbClr val="00B050"/>
+            </a:solidFill>
+          </a:ln>
+        </p:spPr>
+        <p:txBody>
+          <a:bodyPr spcFirstLastPara="1" wrap="square" lIns="91425" tIns="91425" rIns="91425" bIns="91425" anchor="ctr" anchorCtr="0">
+            <a:noAutofit/>
+          </a:bodyPr>
+          <a:lstStyle>
+            <a:defPPr marR="0" lvl="0" algn="l" rtl="0">
+              <a:lnSpc>
+                <a:spcPct val="100000"/>
+              </a:lnSpc>
+              <a:spcBef>
+                <a:spcPts val="0"/>
+              </a:spcBef>
+              <a:spcAft>
+                <a:spcPts val="0"/>
+              </a:spcAft>
+            </a:defPPr>
+            <a:lvl1pPr marR="0" lvl="0" algn="ctr" rtl="0">
+              <a:lnSpc>
+                <a:spcPct val="100000"/>
+              </a:lnSpc>
+              <a:spcBef>
+                <a:spcPts val="0"/>
+              </a:spcBef>
+              <a:spcAft>
+                <a:spcPts val="0"/>
+              </a:spcAft>
+              <a:buClr>
+                <a:schemeClr val="dk1"/>
+              </a:buClr>
+              <a:buSzPts val="5200"/>
+              <a:buFont typeface="Arial"/>
+              <a:buNone/>
+              <a:defRPr sz="5200" b="0" i="0" u="none" strike="noStrike" cap="none">
+                <a:solidFill>
+                  <a:schemeClr val="dk1"/>
+                </a:solidFill>
+                <a:latin typeface="Arial"/>
+                <a:ea typeface="Arial"/>
+                <a:cs typeface="Arial"/>
+                <a:sym typeface="Arial"/>
+              </a:defRPr>
+            </a:lvl1pPr>
+            <a:lvl2pPr marR="0" lvl="1" algn="ctr" rtl="0">
+              <a:lnSpc>
+                <a:spcPct val="100000"/>
+              </a:lnSpc>
+              <a:spcBef>
+                <a:spcPts val="0"/>
+              </a:spcBef>
+              <a:spcAft>
+                <a:spcPts val="0"/>
+              </a:spcAft>
+              <a:buClr>
+                <a:schemeClr val="dk1"/>
+              </a:buClr>
+              <a:buSzPts val="5200"/>
+              <a:buFont typeface="Arial"/>
+              <a:buNone/>
+              <a:defRPr sz="5200" b="0" i="0" u="none" strike="noStrike" cap="none">
+                <a:solidFill>
+                  <a:schemeClr val="dk1"/>
+                </a:solidFill>
+                <a:latin typeface="Arial"/>
+                <a:ea typeface="Arial"/>
+                <a:cs typeface="Arial"/>
+                <a:sym typeface="Arial"/>
+              </a:defRPr>
+            </a:lvl2pPr>
+            <a:lvl3pPr marR="0" lvl="2" algn="ctr" rtl="0">
+              <a:lnSpc>
+                <a:spcPct val="100000"/>
+              </a:lnSpc>
+              <a:spcBef>
+                <a:spcPts val="0"/>
+              </a:spcBef>
+              <a:spcAft>
+                <a:spcPts val="0"/>
+              </a:spcAft>
+              <a:buClr>
+                <a:schemeClr val="dk1"/>
+              </a:buClr>
+              <a:buSzPts val="5200"/>
+              <a:buFont typeface="Arial"/>
+              <a:buNone/>
+              <a:defRPr sz="5200" b="0" i="0" u="none" strike="noStrike" cap="none">
+                <a:solidFill>
+                  <a:schemeClr val="dk1"/>
+                </a:solidFill>
+                <a:latin typeface="Arial"/>
+                <a:ea typeface="Arial"/>
+                <a:cs typeface="Arial"/>
+                <a:sym typeface="Arial"/>
+              </a:defRPr>
+            </a:lvl3pPr>
+            <a:lvl4pPr marR="0" lvl="3" algn="ctr" rtl="0">
+              <a:lnSpc>
+                <a:spcPct val="100000"/>
+              </a:lnSpc>
+              <a:spcBef>
+                <a:spcPts val="0"/>
+              </a:spcBef>
+              <a:spcAft>
+                <a:spcPts val="0"/>
+              </a:spcAft>
+              <a:buClr>
+                <a:schemeClr val="dk1"/>
+              </a:buClr>
+              <a:buSzPts val="5200"/>
+              <a:buFont typeface="Arial"/>
+              <a:buNone/>
+              <a:defRPr sz="5200" b="0" i="0" u="none" strike="noStrike" cap="none">
+                <a:solidFill>
+                  <a:schemeClr val="dk1"/>
+                </a:solidFill>
+                <a:latin typeface="Arial"/>
+                <a:ea typeface="Arial"/>
+                <a:cs typeface="Arial"/>
+                <a:sym typeface="Arial"/>
+              </a:defRPr>
+            </a:lvl4pPr>
+            <a:lvl5pPr marR="0" lvl="4" algn="ctr" rtl="0">
+              <a:lnSpc>
+                <a:spcPct val="100000"/>
+              </a:lnSpc>
+              <a:spcBef>
+                <a:spcPts val="0"/>
+              </a:spcBef>
+              <a:spcAft>
+                <a:spcPts val="0"/>
+              </a:spcAft>
+              <a:buClr>
+                <a:schemeClr val="dk1"/>
+              </a:buClr>
+              <a:buSzPts val="5200"/>
+              <a:buFont typeface="Arial"/>
+              <a:buNone/>
+              <a:defRPr sz="5200" b="0" i="0" u="none" strike="noStrike" cap="none">
+                <a:solidFill>
+                  <a:schemeClr val="dk1"/>
+                </a:solidFill>
+                <a:latin typeface="Arial"/>
+                <a:ea typeface="Arial"/>
+                <a:cs typeface="Arial"/>
+                <a:sym typeface="Arial"/>
+              </a:defRPr>
+            </a:lvl5pPr>
+            <a:lvl6pPr marR="0" lvl="5" algn="ctr" rtl="0">
+              <a:lnSpc>
+                <a:spcPct val="100000"/>
+              </a:lnSpc>
+              <a:spcBef>
+                <a:spcPts val="0"/>
+              </a:spcBef>
+              <a:spcAft>
+                <a:spcPts val="0"/>
+              </a:spcAft>
+              <a:buClr>
+                <a:schemeClr val="dk1"/>
+              </a:buClr>
+              <a:buSzPts val="5200"/>
+              <a:buFont typeface="Arial"/>
+              <a:buNone/>
+              <a:defRPr sz="5200" b="0" i="0" u="none" strike="noStrike" cap="none">
+                <a:solidFill>
+                  <a:schemeClr val="dk1"/>
+                </a:solidFill>
+                <a:latin typeface="Arial"/>
+                <a:ea typeface="Arial"/>
+                <a:cs typeface="Arial"/>
+                <a:sym typeface="Arial"/>
+              </a:defRPr>
+            </a:lvl6pPr>
+            <a:lvl7pPr marR="0" lvl="6" algn="ctr" rtl="0">
+              <a:lnSpc>
+                <a:spcPct val="100000"/>
+              </a:lnSpc>
+              <a:spcBef>
+                <a:spcPts val="0"/>
+              </a:spcBef>
+              <a:spcAft>
+                <a:spcPts val="0"/>
+              </a:spcAft>
+              <a:buClr>
+                <a:schemeClr val="dk1"/>
+              </a:buClr>
+              <a:buSzPts val="5200"/>
+              <a:buFont typeface="Arial"/>
+              <a:buNone/>
+              <a:defRPr sz="5200" b="0" i="0" u="none" strike="noStrike" cap="none">
+                <a:solidFill>
+                  <a:schemeClr val="dk1"/>
+                </a:solidFill>
+                <a:latin typeface="Arial"/>
+                <a:ea typeface="Arial"/>
+                <a:cs typeface="Arial"/>
+                <a:sym typeface="Arial"/>
+              </a:defRPr>
+            </a:lvl7pPr>
+            <a:lvl8pPr marR="0" lvl="7" algn="ctr" rtl="0">
+              <a:lnSpc>
+                <a:spcPct val="100000"/>
+              </a:lnSpc>
+              <a:spcBef>
+                <a:spcPts val="0"/>
+              </a:spcBef>
+              <a:spcAft>
+                <a:spcPts val="0"/>
+              </a:spcAft>
+              <a:buClr>
+                <a:schemeClr val="dk1"/>
+              </a:buClr>
+              <a:buSzPts val="5200"/>
+              <a:buFont typeface="Arial"/>
+              <a:buNone/>
+              <a:defRPr sz="5200" b="0" i="0" u="none" strike="noStrike" cap="none">
+                <a:solidFill>
+                  <a:schemeClr val="dk1"/>
+                </a:solidFill>
+                <a:latin typeface="Arial"/>
+                <a:ea typeface="Arial"/>
+                <a:cs typeface="Arial"/>
+                <a:sym typeface="Arial"/>
+              </a:defRPr>
+            </a:lvl8pPr>
+            <a:lvl9pPr marR="0" lvl="8" algn="ctr" rtl="0">
+              <a:lnSpc>
+                <a:spcPct val="100000"/>
+              </a:lnSpc>
+              <a:spcBef>
+                <a:spcPts val="0"/>
+              </a:spcBef>
+              <a:spcAft>
+                <a:spcPts val="0"/>
+              </a:spcAft>
+              <a:buClr>
+                <a:schemeClr val="dk1"/>
+              </a:buClr>
+              <a:buSzPts val="5200"/>
+              <a:buFont typeface="Arial"/>
+              <a:buNone/>
+              <a:defRPr sz="5200" b="0" i="0" u="none" strike="noStrike" cap="none">
+                <a:solidFill>
+                  <a:schemeClr val="dk1"/>
+                </a:solidFill>
+                <a:latin typeface="Arial"/>
+                <a:ea typeface="Arial"/>
+                <a:cs typeface="Arial"/>
+                <a:sym typeface="Arial"/>
+              </a:defRPr>
+            </a:lvl9pPr>
+          </a:lstStyle>
+          <a:p>
+            <a:pPr marL="139700" algn="l">
+              <a:buSzPts val="1400"/>
+            </a:pPr>
+            <a:r>
+              <a:rPr lang="ko-KR" altLang="en-US" sz="1400" b="1" dirty="0">
+                <a:solidFill>
+                  <a:schemeClr val="tx1"/>
+                </a:solidFill>
+              </a:rPr>
+              <a:t>절차적 </a:t>
+            </a:r>
+            <a:r>
+              <a:rPr lang="ko-KR" altLang="en-US" sz="1400" b="1" dirty="0" err="1">
+                <a:solidFill>
+                  <a:schemeClr val="tx1"/>
+                </a:solidFill>
+              </a:rPr>
+              <a:t>프리미티브의</a:t>
+            </a:r>
+            <a:r>
+              <a:rPr lang="ko-KR" altLang="en-US" sz="1400" b="1" dirty="0">
+                <a:solidFill>
+                  <a:schemeClr val="tx1"/>
+                </a:solidFill>
+              </a:rPr>
+              <a:t> </a:t>
+            </a:r>
+            <a:r>
+              <a:rPr lang="ko-KR" altLang="en-US" sz="1400" b="1" dirty="0" err="1">
+                <a:solidFill>
+                  <a:schemeClr val="tx1"/>
+                </a:solidFill>
+              </a:rPr>
+              <a:t>가하학적</a:t>
+            </a:r>
+            <a:r>
+              <a:rPr lang="en-US" altLang="ko-KR" sz="1400" b="1" dirty="0">
+                <a:solidFill>
+                  <a:schemeClr val="tx1"/>
+                </a:solidFill>
+              </a:rPr>
+              <a:t>(</a:t>
+            </a:r>
+            <a:r>
+              <a:rPr lang="ko-KR" altLang="en-US" sz="1400" b="1" dirty="0">
+                <a:solidFill>
+                  <a:schemeClr val="tx1"/>
+                </a:solidFill>
+              </a:rPr>
+              <a:t>경계상자</a:t>
+            </a:r>
+            <a:r>
+              <a:rPr lang="en-US" altLang="ko-KR" sz="1400" b="1" dirty="0">
+                <a:solidFill>
+                  <a:schemeClr val="tx1"/>
+                </a:solidFill>
+              </a:rPr>
+              <a:t>)</a:t>
+            </a:r>
+            <a:r>
+              <a:rPr lang="ko-KR" altLang="en-US" sz="1400" b="1" dirty="0">
+                <a:solidFill>
+                  <a:schemeClr val="tx1"/>
+                </a:solidFill>
+              </a:rPr>
+              <a:t> 속성 타입을 </a:t>
+            </a:r>
+            <a:r>
+              <a:rPr lang="ko-KR" altLang="en-US" sz="1400" b="1" dirty="0" err="1">
+                <a:solidFill>
+                  <a:schemeClr val="tx1"/>
+                </a:solidFill>
+              </a:rPr>
+              <a:t>구한뒤</a:t>
+            </a:r>
+            <a:r>
+              <a:rPr lang="en-US" altLang="ko-KR" sz="1400" b="1" dirty="0">
+                <a:solidFill>
+                  <a:schemeClr val="tx1"/>
+                </a:solidFill>
+              </a:rPr>
+              <a:t>, </a:t>
+            </a:r>
+          </a:p>
+          <a:p>
+            <a:pPr marL="139700" algn="l">
+              <a:buSzPts val="1400"/>
+            </a:pPr>
+            <a:r>
+              <a:rPr lang="ko-KR" altLang="en-US" sz="1400" b="1" dirty="0">
+                <a:solidFill>
+                  <a:schemeClr val="tx1"/>
+                </a:solidFill>
+              </a:rPr>
+              <a:t>교차 테스트를 진행합니다</a:t>
+            </a:r>
+            <a:r>
+              <a:rPr lang="en-US" altLang="ko-KR" sz="1400" b="1" dirty="0">
+                <a:solidFill>
+                  <a:schemeClr val="tx1"/>
+                </a:solidFill>
+              </a:rPr>
+              <a:t>. </a:t>
+            </a:r>
+            <a:endParaRPr lang="ko-KR" altLang="en-US" sz="1400" b="1" dirty="0">
+              <a:solidFill>
+                <a:schemeClr val="tx1"/>
+              </a:solidFill>
+            </a:endParaRPr>
+          </a:p>
+        </p:txBody>
+      </p:sp>
+      <p:pic>
+        <p:nvPicPr>
+          <p:cNvPr id="3" name="그림 2">
+            <a:extLst>
+              <a:ext uri="{FF2B5EF4-FFF2-40B4-BE49-F238E27FC236}">
+                <a16:creationId xmlns:a16="http://schemas.microsoft.com/office/drawing/2014/main" id="{8857D352-06EE-2269-3A58-15910056B256}"/>
+              </a:ext>
+            </a:extLst>
+          </p:cNvPr>
+          <p:cNvPicPr>
+            <a:picLocks noChangeAspect="1"/>
+          </p:cNvPicPr>
+          <p:nvPr/>
+        </p:nvPicPr>
+        <p:blipFill>
+          <a:blip r:embed="rId3"/>
+          <a:stretch>
+            <a:fillRect/>
+          </a:stretch>
+        </p:blipFill>
+        <p:spPr>
+          <a:xfrm>
+            <a:off x="115460" y="700560"/>
+            <a:ext cx="3875790" cy="1621175"/>
+          </a:xfrm>
+          <a:prstGeom prst="rect">
+            <a:avLst/>
+          </a:prstGeom>
+        </p:spPr>
+      </p:pic>
+      <p:pic>
+        <p:nvPicPr>
+          <p:cNvPr id="6" name="그림 5">
+            <a:extLst>
+              <a:ext uri="{FF2B5EF4-FFF2-40B4-BE49-F238E27FC236}">
+                <a16:creationId xmlns:a16="http://schemas.microsoft.com/office/drawing/2014/main" id="{529457FE-E4C3-9DFD-17D8-9758A4C0327D}"/>
+              </a:ext>
+            </a:extLst>
+          </p:cNvPr>
+          <p:cNvPicPr>
+            <a:picLocks noChangeAspect="1"/>
+          </p:cNvPicPr>
+          <p:nvPr/>
+        </p:nvPicPr>
+        <p:blipFill>
+          <a:blip r:embed="rId4"/>
+          <a:stretch>
+            <a:fillRect/>
+          </a:stretch>
+        </p:blipFill>
+        <p:spPr>
+          <a:xfrm>
+            <a:off x="115460" y="2517757"/>
+            <a:ext cx="4474321" cy="2321968"/>
+          </a:xfrm>
+          <a:prstGeom prst="rect">
+            <a:avLst/>
+          </a:prstGeom>
+        </p:spPr>
+      </p:pic>
+    </p:spTree>
+    <p:extLst>
+      <p:ext uri="{BB962C8B-B14F-4D97-AF65-F5344CB8AC3E}">
+        <p14:creationId xmlns:p14="http://schemas.microsoft.com/office/powerpoint/2010/main" val="4267842879"/>
+      </p:ext>
+    </p:extLst>
+  </p:cSld>
+  <p:clrMapOvr>
+    <a:masterClrMapping/>
+  </p:clrMapOvr>
+</p:sld>
+</file>
+
+<file path=ppt/slides/slide12.xml><?xml version="1.0" encoding="utf-8"?>
+<p:sld xmlns:a="http://schemas.openxmlformats.org/drawingml/2006/main" xmlns:r="http://schemas.openxmlformats.org/officeDocument/2006/relationships" xmlns:p="http://schemas.openxmlformats.org/presentationml/2006/main">
+  <p:cSld>
+    <p:spTree>
+      <p:nvGrpSpPr>
+        <p:cNvPr id="1" name="Shape 66"/>
+        <p:cNvGrpSpPr/>
+        <p:nvPr/>
+      </p:nvGrpSpPr>
+      <p:grpSpPr>
+        <a:xfrm>
+          <a:off x="0" y="0"/>
+          <a:ext cx="0" cy="0"/>
+          <a:chOff x="0" y="0"/>
+          <a:chExt cx="0" cy="0"/>
+        </a:xfrm>
+      </p:grpSpPr>
+      <p:sp>
+        <p:nvSpPr>
+          <p:cNvPr id="67" name="Google Shape;67;p15"/>
+          <p:cNvSpPr txBox="1">
+            <a:spLocks noGrp="1"/>
+          </p:cNvSpPr>
+          <p:nvPr>
+            <p:ph type="ctrTitle"/>
+          </p:nvPr>
+        </p:nvSpPr>
+        <p:spPr>
+          <a:xfrm>
+            <a:off x="481525" y="318175"/>
+            <a:ext cx="1907700" cy="429000"/>
+          </a:xfrm>
+          <a:prstGeom prst="rect">
+            <a:avLst/>
+          </a:prstGeom>
+        </p:spPr>
+        <p:txBody>
+          <a:bodyPr spcFirstLastPara="1" wrap="square" lIns="91425" tIns="91425" rIns="91425" bIns="91425" anchor="b" anchorCtr="0">
+            <a:noAutofit/>
+          </a:bodyPr>
+          <a:lstStyle/>
+          <a:p>
+            <a:pPr marL="0" lvl="0" indent="0" algn="ctr" rtl="0">
+              <a:spcBef>
+                <a:spcPts val="0"/>
+              </a:spcBef>
+              <a:spcAft>
+                <a:spcPts val="0"/>
+              </a:spcAft>
+              <a:buSzPts val="990"/>
+              <a:buNone/>
+            </a:pPr>
+            <a:r>
+              <a:rPr lang="en-US" sz="1679" b="1" dirty="0">
+                <a:solidFill>
+                  <a:srgbClr val="1C4587"/>
+                </a:solidFill>
+              </a:rPr>
+              <a:t>Any Hit Shader</a:t>
+            </a:r>
+            <a:endParaRPr sz="1679" b="1" dirty="0">
+              <a:solidFill>
+                <a:srgbClr val="1C4587"/>
+              </a:solidFill>
+            </a:endParaRPr>
+          </a:p>
+        </p:txBody>
+      </p:sp>
+      <p:sp>
+        <p:nvSpPr>
+          <p:cNvPr id="69" name="Google Shape;69;p15"/>
+          <p:cNvSpPr txBox="1">
+            <a:spLocks noGrp="1"/>
+          </p:cNvSpPr>
+          <p:nvPr>
+            <p:ph type="ctrTitle"/>
+          </p:nvPr>
+        </p:nvSpPr>
+        <p:spPr>
+          <a:xfrm>
+            <a:off x="421300" y="683125"/>
+            <a:ext cx="7661434" cy="2131325"/>
+          </a:xfrm>
+          <a:prstGeom prst="rect">
+            <a:avLst/>
+          </a:prstGeom>
+        </p:spPr>
+        <p:txBody>
+          <a:bodyPr spcFirstLastPara="1" wrap="square" lIns="91425" tIns="91425" rIns="91425" bIns="91425" anchor="ctr" anchorCtr="0">
+            <a:noAutofit/>
+          </a:bodyPr>
+          <a:lstStyle/>
+          <a:p>
+            <a:pPr marL="139700" lvl="0" algn="l" rtl="0">
+              <a:spcBef>
+                <a:spcPts val="0"/>
+              </a:spcBef>
+              <a:spcAft>
+                <a:spcPts val="0"/>
+              </a:spcAft>
+              <a:buSzPts val="1400"/>
+            </a:pPr>
+            <a:br>
+              <a:rPr lang="en-US" altLang="ko" sz="1200" b="1" dirty="0">
+                <a:solidFill>
+                  <a:srgbClr val="1C4587"/>
+                </a:solidFill>
+              </a:rPr>
+            </a:br>
+            <a:br>
+              <a:rPr lang="en-US" altLang="ko" sz="1200" b="1" dirty="0">
+                <a:solidFill>
+                  <a:srgbClr val="1C4587"/>
+                </a:solidFill>
+              </a:rPr>
+            </a:br>
+            <a:br>
+              <a:rPr lang="en-US" altLang="ko" sz="1200" b="1" dirty="0">
+                <a:solidFill>
+                  <a:srgbClr val="1C4587"/>
+                </a:solidFill>
+              </a:rPr>
+            </a:br>
+            <a:br>
+              <a:rPr lang="en-US" altLang="ko" sz="1200" b="1" dirty="0">
+                <a:solidFill>
+                  <a:srgbClr val="1C4587"/>
+                </a:solidFill>
+              </a:rPr>
+            </a:br>
+            <a:r>
+              <a:rPr lang="ko-KR" altLang="en-US" sz="1200" b="1" dirty="0">
+                <a:solidFill>
+                  <a:schemeClr val="tx1"/>
+                </a:solidFill>
+              </a:rPr>
+              <a:t>모든 히트 </a:t>
+            </a:r>
+            <a:r>
+              <a:rPr lang="ko-KR" altLang="en-US" sz="1200" b="1" dirty="0" err="1">
+                <a:solidFill>
+                  <a:schemeClr val="tx1"/>
+                </a:solidFill>
+              </a:rPr>
+              <a:t>쉐이더는</a:t>
+            </a:r>
+            <a:r>
+              <a:rPr lang="ko-KR" altLang="en-US" sz="1200" b="1" dirty="0">
+                <a:solidFill>
+                  <a:schemeClr val="tx1"/>
+                </a:solidFill>
+              </a:rPr>
+              <a:t> 교차가 불투명하지 않을 때 호출되고</a:t>
+            </a:r>
+            <a:r>
+              <a:rPr lang="en-US" altLang="ko-KR" sz="1200" b="1" dirty="0">
+                <a:solidFill>
+                  <a:schemeClr val="tx1"/>
+                </a:solidFill>
+              </a:rPr>
+              <a:t>, Payload(</a:t>
+            </a:r>
+            <a:r>
+              <a:rPr lang="ko-KR" altLang="en-US" sz="1200" b="1" dirty="0">
+                <a:solidFill>
+                  <a:schemeClr val="tx1"/>
+                </a:solidFill>
+              </a:rPr>
+              <a:t>탑재량</a:t>
+            </a:r>
+            <a:r>
+              <a:rPr lang="en-US" altLang="ko-KR" sz="1200" b="1" dirty="0">
+                <a:solidFill>
+                  <a:schemeClr val="tx1"/>
+                </a:solidFill>
+              </a:rPr>
+              <a:t>)</a:t>
+            </a:r>
+            <a:r>
+              <a:rPr lang="ko-KR" altLang="en-US" sz="1200" b="1" dirty="0">
+                <a:solidFill>
+                  <a:schemeClr val="tx1"/>
+                </a:solidFill>
+              </a:rPr>
+              <a:t>의 매개변수를 </a:t>
+            </a:r>
+            <a:r>
+              <a:rPr lang="ko-KR" altLang="en-US" sz="1200" b="1" dirty="0" err="1">
+                <a:solidFill>
+                  <a:schemeClr val="tx1"/>
+                </a:solidFill>
+              </a:rPr>
+              <a:t>선언해야한다</a:t>
+            </a:r>
+            <a:r>
+              <a:rPr lang="en-US" altLang="ko-KR" sz="1200" b="1" dirty="0">
+                <a:solidFill>
+                  <a:schemeClr val="tx1"/>
+                </a:solidFill>
+              </a:rPr>
+              <a:t>.</a:t>
+            </a:r>
+            <a:br>
+              <a:rPr lang="en-US" altLang="ko-KR" sz="1200" b="1" dirty="0">
+                <a:solidFill>
+                  <a:schemeClr val="tx1"/>
+                </a:solidFill>
+              </a:rPr>
+            </a:br>
+            <a:br>
+              <a:rPr lang="en-US" altLang="ko-KR" sz="1200" b="1" dirty="0">
+                <a:solidFill>
+                  <a:schemeClr val="tx1"/>
+                </a:solidFill>
+              </a:rPr>
+            </a:br>
+            <a:r>
+              <a:rPr lang="ko-KR" altLang="en-US" sz="1200" b="1" dirty="0">
+                <a:solidFill>
+                  <a:schemeClr val="tx1"/>
+                </a:solidFill>
+              </a:rPr>
+              <a:t>또한 교차점 속성을 읽고</a:t>
+            </a:r>
+            <a:r>
+              <a:rPr lang="en-US" altLang="ko-KR" sz="1200" b="1" dirty="0">
+                <a:solidFill>
+                  <a:schemeClr val="tx1"/>
+                </a:solidFill>
+              </a:rPr>
+              <a:t>, </a:t>
+            </a:r>
+            <a:r>
+              <a:rPr lang="ko-KR" altLang="en-US" sz="1200" b="1" dirty="0" err="1">
+                <a:solidFill>
+                  <a:schemeClr val="tx1"/>
+                </a:solidFill>
+              </a:rPr>
+              <a:t>페이로트</a:t>
+            </a:r>
+            <a:r>
+              <a:rPr lang="en-US" altLang="ko-KR" sz="1200" b="1" dirty="0">
+                <a:solidFill>
+                  <a:schemeClr val="tx1"/>
+                </a:solidFill>
+              </a:rPr>
+              <a:t>(</a:t>
+            </a:r>
+            <a:r>
+              <a:rPr lang="ko-KR" altLang="en-US" sz="1200" b="1" dirty="0">
+                <a:solidFill>
+                  <a:schemeClr val="tx1"/>
+                </a:solidFill>
+              </a:rPr>
+              <a:t>탑재량</a:t>
+            </a:r>
+            <a:r>
+              <a:rPr lang="en-US" altLang="ko-KR" sz="1200" b="1" dirty="0">
+                <a:solidFill>
+                  <a:schemeClr val="tx1"/>
+                </a:solidFill>
+              </a:rPr>
+              <a:t>)</a:t>
+            </a:r>
+            <a:r>
+              <a:rPr lang="ko-KR" altLang="en-US" sz="1200" b="1" dirty="0">
+                <a:solidFill>
+                  <a:schemeClr val="tx1"/>
+                </a:solidFill>
+              </a:rPr>
+              <a:t>을 수정하고</a:t>
+            </a:r>
+            <a:r>
+              <a:rPr lang="en-US" altLang="ko-KR" sz="1200" b="1" dirty="0">
+                <a:solidFill>
+                  <a:schemeClr val="tx1"/>
+                </a:solidFill>
+              </a:rPr>
+              <a:t>, </a:t>
+            </a:r>
+            <a:r>
+              <a:rPr lang="ko-KR" altLang="en-US" sz="1200" b="1" dirty="0">
+                <a:solidFill>
+                  <a:schemeClr val="tx1"/>
+                </a:solidFill>
+              </a:rPr>
+              <a:t>히트 무시를 판단함을 표시한다</a:t>
+            </a:r>
+            <a:r>
+              <a:rPr lang="en-US" altLang="ko-KR" sz="1200" b="1" dirty="0">
+                <a:solidFill>
+                  <a:schemeClr val="tx1"/>
+                </a:solidFill>
+              </a:rPr>
+              <a:t>.</a:t>
+            </a:r>
+            <a:br>
+              <a:rPr lang="en-US" altLang="ko-KR" sz="1200" b="1" dirty="0">
+                <a:solidFill>
+                  <a:schemeClr val="tx1"/>
+                </a:solidFill>
+              </a:rPr>
+            </a:br>
+            <a:br>
+              <a:rPr lang="en-US" altLang="ko-KR" sz="1200" b="1" dirty="0">
+                <a:solidFill>
+                  <a:schemeClr val="tx1"/>
+                </a:solidFill>
+              </a:rPr>
+            </a:br>
+            <a:r>
+              <a:rPr lang="ko-KR" altLang="en-US" sz="1200" b="1" dirty="0" err="1">
+                <a:solidFill>
+                  <a:schemeClr val="tx1"/>
+                </a:solidFill>
+              </a:rPr>
+              <a:t>쉐이더의</a:t>
+            </a:r>
+            <a:r>
+              <a:rPr lang="ko-KR" altLang="en-US" sz="1200" b="1" dirty="0">
+                <a:solidFill>
+                  <a:schemeClr val="tx1"/>
+                </a:solidFill>
+              </a:rPr>
+              <a:t> 실행순서는 </a:t>
+            </a:r>
+            <a:r>
+              <a:rPr lang="ko-KR" altLang="en-US" sz="1200" b="1" dirty="0" err="1">
+                <a:solidFill>
+                  <a:schemeClr val="tx1"/>
+                </a:solidFill>
+              </a:rPr>
+              <a:t>정의되어있지않으며</a:t>
+            </a:r>
+            <a:r>
+              <a:rPr lang="en-US" altLang="ko-KR" sz="1200" b="1" dirty="0">
+                <a:solidFill>
+                  <a:schemeClr val="tx1"/>
+                </a:solidFill>
+              </a:rPr>
+              <a:t>, </a:t>
+            </a:r>
+            <a:r>
+              <a:rPr lang="ko-KR" altLang="en-US" sz="1200" b="1" dirty="0">
+                <a:solidFill>
+                  <a:schemeClr val="tx1"/>
+                </a:solidFill>
+              </a:rPr>
+              <a:t>적중 시에 해당 </a:t>
+            </a:r>
+            <a:r>
+              <a:rPr lang="en-US" altLang="ko-KR" sz="1200" b="1" dirty="0">
+                <a:solidFill>
+                  <a:schemeClr val="tx1"/>
+                </a:solidFill>
+              </a:rPr>
+              <a:t>T</a:t>
+            </a:r>
+            <a:r>
+              <a:rPr lang="ko-KR" altLang="en-US" sz="1200" b="1" dirty="0">
+                <a:solidFill>
+                  <a:schemeClr val="tx1"/>
+                </a:solidFill>
+              </a:rPr>
+              <a:t>값은 </a:t>
+            </a:r>
+            <a:r>
+              <a:rPr lang="en-US" altLang="ko-KR" sz="1200" b="1" dirty="0" err="1">
+                <a:solidFill>
+                  <a:schemeClr val="tx1"/>
+                </a:solidFill>
+              </a:rPr>
+              <a:t>Tmax</a:t>
+            </a:r>
+            <a:r>
+              <a:rPr lang="ko-KR" altLang="en-US" sz="1200" b="1" dirty="0">
+                <a:solidFill>
+                  <a:schemeClr val="tx1"/>
+                </a:solidFill>
+              </a:rPr>
+              <a:t>에 해당된다</a:t>
+            </a:r>
+            <a:r>
+              <a:rPr lang="en-US" altLang="ko-KR" sz="1200" b="1" dirty="0">
+                <a:solidFill>
+                  <a:schemeClr val="tx1"/>
+                </a:solidFill>
+              </a:rPr>
+              <a:t>.</a:t>
+            </a:r>
+            <a:br>
+              <a:rPr lang="en-US" altLang="ko-KR" sz="1200" b="1" dirty="0">
+                <a:solidFill>
+                  <a:schemeClr val="tx1"/>
+                </a:solidFill>
+              </a:rPr>
+            </a:br>
+            <a:br>
+              <a:rPr lang="en-US" altLang="ko-KR" sz="1200" b="1" dirty="0">
+                <a:solidFill>
+                  <a:schemeClr val="tx1"/>
+                </a:solidFill>
+              </a:rPr>
+            </a:br>
+            <a:r>
+              <a:rPr lang="ko-KR" altLang="en-US" sz="1200" b="1" dirty="0">
+                <a:solidFill>
+                  <a:schemeClr val="tx1"/>
+                </a:solidFill>
+              </a:rPr>
+              <a:t>다른 </a:t>
+            </a:r>
+            <a:r>
+              <a:rPr lang="ko-KR" altLang="en-US" sz="1200" b="1" dirty="0" err="1">
+                <a:solidFill>
+                  <a:schemeClr val="tx1"/>
+                </a:solidFill>
+              </a:rPr>
+              <a:t>쉐이더</a:t>
+            </a:r>
+            <a:r>
+              <a:rPr lang="ko-KR" altLang="en-US" sz="1200" b="1" dirty="0">
+                <a:solidFill>
+                  <a:schemeClr val="tx1"/>
+                </a:solidFill>
+              </a:rPr>
+              <a:t> 유형과 달리 </a:t>
+            </a:r>
+            <a:r>
+              <a:rPr lang="en-US" altLang="ko-KR" sz="1200" b="1" dirty="0">
+                <a:solidFill>
+                  <a:schemeClr val="tx1"/>
+                </a:solidFill>
+              </a:rPr>
+              <a:t>“</a:t>
+            </a:r>
+            <a:r>
+              <a:rPr lang="ko-KR" altLang="en-US" sz="1200" b="1" dirty="0">
+                <a:solidFill>
+                  <a:schemeClr val="tx1"/>
+                </a:solidFill>
+              </a:rPr>
+              <a:t>모든 히트 </a:t>
+            </a:r>
+            <a:r>
+              <a:rPr lang="ko-KR" altLang="en-US" sz="1200" b="1" dirty="0" err="1">
+                <a:solidFill>
+                  <a:schemeClr val="tx1"/>
+                </a:solidFill>
+              </a:rPr>
+              <a:t>쉐이더</a:t>
+            </a:r>
+            <a:r>
+              <a:rPr lang="en-US" altLang="ko-KR" sz="1200" b="1" dirty="0">
+                <a:solidFill>
+                  <a:schemeClr val="tx1"/>
+                </a:solidFill>
+              </a:rPr>
+              <a:t>” </a:t>
+            </a:r>
+            <a:r>
+              <a:rPr lang="ko-KR" altLang="en-US" sz="1200" b="1" dirty="0">
+                <a:solidFill>
+                  <a:schemeClr val="tx1"/>
+                </a:solidFill>
+              </a:rPr>
+              <a:t>는 </a:t>
+            </a:r>
+            <a:r>
+              <a:rPr lang="ko-KR" altLang="en-US" sz="1200" b="1" dirty="0" err="1">
+                <a:solidFill>
+                  <a:schemeClr val="tx1"/>
+                </a:solidFill>
+              </a:rPr>
+              <a:t>계산량이</a:t>
+            </a:r>
+            <a:r>
+              <a:rPr lang="ko-KR" altLang="en-US" sz="1200" b="1" dirty="0">
+                <a:solidFill>
+                  <a:schemeClr val="tx1"/>
+                </a:solidFill>
+              </a:rPr>
+              <a:t> 폭발적으로 증가하기 때문에</a:t>
+            </a:r>
+            <a:r>
+              <a:rPr lang="en-US" altLang="ko-KR" sz="1200" b="1" dirty="0">
+                <a:solidFill>
+                  <a:schemeClr val="tx1"/>
+                </a:solidFill>
+              </a:rPr>
+              <a:t>, </a:t>
+            </a:r>
+            <a:r>
+              <a:rPr lang="ko-KR" altLang="en-US" sz="1200" b="1" dirty="0">
+                <a:solidFill>
+                  <a:schemeClr val="tx1"/>
+                </a:solidFill>
+              </a:rPr>
+              <a:t>새로운 광선을 추적할 수 없지만</a:t>
+            </a:r>
+            <a:r>
+              <a:rPr lang="en-US" altLang="ko-KR" sz="1200" b="1" dirty="0">
+                <a:solidFill>
+                  <a:schemeClr val="tx1"/>
+                </a:solidFill>
+              </a:rPr>
+              <a:t>, “</a:t>
+            </a:r>
+            <a:r>
+              <a:rPr lang="ko-KR" altLang="en-US" sz="1200" b="1" dirty="0">
+                <a:solidFill>
+                  <a:schemeClr val="tx1"/>
+                </a:solidFill>
+              </a:rPr>
+              <a:t>최근접 히트 </a:t>
+            </a:r>
+            <a:r>
+              <a:rPr lang="ko-KR" altLang="en-US" sz="1200" b="1" dirty="0" err="1">
+                <a:solidFill>
+                  <a:schemeClr val="tx1"/>
+                </a:solidFill>
+              </a:rPr>
+              <a:t>쉐이더</a:t>
+            </a:r>
+            <a:r>
+              <a:rPr lang="en-US" altLang="ko-KR" sz="1200" b="1" dirty="0">
+                <a:solidFill>
+                  <a:schemeClr val="tx1"/>
+                </a:solidFill>
+              </a:rPr>
+              <a:t>” </a:t>
+            </a:r>
+            <a:r>
+              <a:rPr lang="ko-KR" altLang="en-US" sz="1200" b="1" dirty="0">
+                <a:solidFill>
+                  <a:schemeClr val="tx1"/>
+                </a:solidFill>
+              </a:rPr>
+              <a:t>는 새로운 광선을 추적할 수 있다</a:t>
+            </a:r>
+            <a:r>
+              <a:rPr lang="en-US" altLang="ko-KR" sz="1200" b="1" dirty="0">
+                <a:solidFill>
+                  <a:schemeClr val="tx1"/>
+                </a:solidFill>
+              </a:rPr>
+              <a:t>.</a:t>
+            </a:r>
+            <a:br>
+              <a:rPr lang="en-US" altLang="ko-KR" sz="1200" b="1" dirty="0">
+                <a:solidFill>
+                  <a:schemeClr val="tx1"/>
+                </a:solidFill>
+              </a:rPr>
+            </a:br>
+            <a:br>
+              <a:rPr lang="en-US" altLang="ko-KR" sz="1200" b="1" dirty="0">
+                <a:solidFill>
+                  <a:schemeClr val="tx1"/>
+                </a:solidFill>
+              </a:rPr>
+            </a:br>
+            <a:br>
+              <a:rPr lang="en-US" altLang="ko-KR" sz="1200" b="1" dirty="0">
+                <a:solidFill>
+                  <a:schemeClr val="tx1"/>
+                </a:solidFill>
+              </a:rPr>
+            </a:br>
+            <a:br>
+              <a:rPr lang="en-US" altLang="ko-KR" sz="1200" b="1" dirty="0">
+                <a:solidFill>
+                  <a:schemeClr val="tx1"/>
+                </a:solidFill>
+              </a:rPr>
+            </a:br>
+            <a:br>
+              <a:rPr lang="en-US" altLang="ko-KR" sz="1200" b="1" dirty="0">
+                <a:solidFill>
+                  <a:schemeClr val="tx1"/>
+                </a:solidFill>
+              </a:rPr>
+            </a:br>
+            <a:endParaRPr sz="1200" b="1" dirty="0">
+              <a:solidFill>
+                <a:srgbClr val="1C4587"/>
+              </a:solidFill>
+            </a:endParaRPr>
+          </a:p>
+        </p:txBody>
+      </p:sp>
+      <p:pic>
+        <p:nvPicPr>
+          <p:cNvPr id="1028" name="Picture 4" descr="Khronos Vulkan Ray Tracing API announced – GfxSpeak">
+            <a:extLst>
+              <a:ext uri="{FF2B5EF4-FFF2-40B4-BE49-F238E27FC236}">
+                <a16:creationId xmlns:a16="http://schemas.microsoft.com/office/drawing/2014/main" id="{25D47A94-B736-D5B9-F9BC-1B02B446AF17}"/>
+              </a:ext>
+            </a:extLst>
+          </p:cNvPr>
+          <p:cNvPicPr>
+            <a:picLocks noChangeAspect="1" noChangeArrowheads="1"/>
+          </p:cNvPicPr>
+          <p:nvPr/>
+        </p:nvPicPr>
+        <p:blipFill>
+          <a:blip r:embed="rId3">
+            <a:extLst>
+              <a:ext uri="{28A0092B-C50C-407E-A947-70E740481C1C}">
+                <a14:useLocalDpi xmlns:a14="http://schemas.microsoft.com/office/drawing/2010/main" val="0"/>
+              </a:ext>
+            </a:extLst>
+          </a:blip>
+          <a:srcRect/>
+          <a:stretch>
+            <a:fillRect/>
+          </a:stretch>
+        </p:blipFill>
+        <p:spPr bwMode="auto">
+          <a:xfrm>
+            <a:off x="2259625" y="2750400"/>
+            <a:ext cx="3984785" cy="2274950"/>
+          </a:xfrm>
+          <a:prstGeom prst="rect">
+            <a:avLst/>
+          </a:prstGeom>
+          <a:noFill/>
+          <a:ln w="38100">
+            <a:solidFill>
+              <a:schemeClr val="tx1"/>
+            </a:solidFill>
+          </a:ln>
+          <a:effectLst>
+            <a:softEdge rad="25400"/>
+          </a:effectLst>
+          <a:extLst>
+            <a:ext uri="{909E8E84-426E-40DD-AFC4-6F175D3DCCD1}">
+              <a14:hiddenFill xmlns:a14="http://schemas.microsoft.com/office/drawing/2010/main">
+                <a:solidFill>
+                  <a:srgbClr val="FFFFFF"/>
+                </a:solidFill>
+              </a14:hiddenFill>
+            </a:ext>
+          </a:extLst>
+        </p:spPr>
+      </p:pic>
+    </p:spTree>
+    <p:extLst>
+      <p:ext uri="{BB962C8B-B14F-4D97-AF65-F5344CB8AC3E}">
+        <p14:creationId xmlns:p14="http://schemas.microsoft.com/office/powerpoint/2010/main" val="3382291730"/>
+      </p:ext>
+    </p:extLst>
+  </p:cSld>
+  <p:clrMapOvr>
+    <a:masterClrMapping/>
+  </p:clrMapOvr>
+</p:sld>
+</file>
+
+<file path=ppt/slides/slide13.xml><?xml version="1.0" encoding="utf-8"?>
+<p:sld xmlns:a="http://schemas.openxmlformats.org/drawingml/2006/main" xmlns:r="http://schemas.openxmlformats.org/officeDocument/2006/relationships" xmlns:p="http://schemas.openxmlformats.org/presentationml/2006/main">
+  <p:cSld>
+    <p:spTree>
+      <p:nvGrpSpPr>
+        <p:cNvPr id="1" name="Shape 66"/>
+        <p:cNvGrpSpPr/>
+        <p:nvPr/>
+      </p:nvGrpSpPr>
+      <p:grpSpPr>
+        <a:xfrm>
+          <a:off x="0" y="0"/>
+          <a:ext cx="0" cy="0"/>
+          <a:chOff x="0" y="0"/>
+          <a:chExt cx="0" cy="0"/>
+        </a:xfrm>
+      </p:grpSpPr>
+      <p:sp>
+        <p:nvSpPr>
+          <p:cNvPr id="67" name="Google Shape;67;p15"/>
+          <p:cNvSpPr txBox="1">
+            <a:spLocks noGrp="1"/>
+          </p:cNvSpPr>
+          <p:nvPr>
+            <p:ph type="ctrTitle"/>
+          </p:nvPr>
+        </p:nvSpPr>
+        <p:spPr>
+          <a:xfrm>
+            <a:off x="294324" y="303775"/>
+            <a:ext cx="5057964" cy="429000"/>
+          </a:xfrm>
+          <a:prstGeom prst="rect">
+            <a:avLst/>
+          </a:prstGeom>
+        </p:spPr>
+        <p:txBody>
+          <a:bodyPr spcFirstLastPara="1" wrap="square" lIns="91425" tIns="91425" rIns="91425" bIns="91425" anchor="b" anchorCtr="0">
+            <a:noAutofit/>
+          </a:bodyPr>
+          <a:lstStyle/>
+          <a:p>
+            <a:pPr marL="0" lvl="0" indent="0" algn="ctr" rtl="0">
+              <a:spcBef>
+                <a:spcPts val="0"/>
+              </a:spcBef>
+              <a:spcAft>
+                <a:spcPts val="0"/>
+              </a:spcAft>
+              <a:buSzPts val="990"/>
+              <a:buNone/>
+            </a:pPr>
+            <a:r>
+              <a:rPr lang="en-US" sz="1679" b="1" dirty="0">
+                <a:solidFill>
+                  <a:srgbClr val="1C4587"/>
+                </a:solidFill>
+              </a:rPr>
+              <a:t>Hit Shader [ DXR SAMPLE : </a:t>
+            </a:r>
+            <a:r>
+              <a:rPr lang="en-US" sz="1679" b="1" dirty="0" err="1">
+                <a:solidFill>
+                  <a:srgbClr val="1C4587"/>
+                </a:solidFill>
+              </a:rPr>
+              <a:t>SimpleLighting</a:t>
+            </a:r>
+            <a:r>
+              <a:rPr lang="en-US" sz="1679" b="1" dirty="0">
+                <a:solidFill>
+                  <a:srgbClr val="1C4587"/>
+                </a:solidFill>
+              </a:rPr>
+              <a:t> ] </a:t>
+            </a:r>
+            <a:endParaRPr sz="1679" b="1" dirty="0">
+              <a:solidFill>
+                <a:srgbClr val="1C4587"/>
+              </a:solidFill>
+            </a:endParaRPr>
+          </a:p>
+        </p:txBody>
+      </p:sp>
+      <p:sp>
+        <p:nvSpPr>
+          <p:cNvPr id="69" name="Google Shape;69;p15"/>
+          <p:cNvSpPr txBox="1">
+            <a:spLocks noGrp="1"/>
+          </p:cNvSpPr>
+          <p:nvPr>
+            <p:ph type="ctrTitle"/>
+          </p:nvPr>
+        </p:nvSpPr>
+        <p:spPr>
+          <a:xfrm>
+            <a:off x="4025706" y="1004448"/>
+            <a:ext cx="4046507" cy="759469"/>
+          </a:xfrm>
+          <a:prstGeom prst="rect">
+            <a:avLst/>
+          </a:prstGeom>
+          <a:ln w="28575">
+            <a:solidFill>
+              <a:srgbClr val="00B050"/>
+            </a:solidFill>
+          </a:ln>
+        </p:spPr>
+        <p:txBody>
+          <a:bodyPr spcFirstLastPara="1" wrap="square" lIns="91425" tIns="91425" rIns="91425" bIns="91425" anchor="ctr" anchorCtr="0">
+            <a:noAutofit/>
+          </a:bodyPr>
+          <a:lstStyle/>
+          <a:p>
+            <a:pPr marL="139700" lvl="0" algn="l" rtl="0">
+              <a:spcBef>
+                <a:spcPts val="0"/>
+              </a:spcBef>
+              <a:spcAft>
+                <a:spcPts val="0"/>
+              </a:spcAft>
+              <a:buSzPts val="1400"/>
+            </a:pPr>
+            <a:r>
+              <a:rPr lang="ko-KR" altLang="en-US" sz="1100" b="1" dirty="0">
+                <a:solidFill>
+                  <a:schemeClr val="tx1"/>
+                </a:solidFill>
+              </a:rPr>
+              <a:t>검색되는 </a:t>
+            </a:r>
+            <a:r>
+              <a:rPr lang="ko-KR" altLang="en-US" sz="1100" b="1" dirty="0" err="1">
+                <a:solidFill>
+                  <a:schemeClr val="tx1"/>
+                </a:solidFill>
+              </a:rPr>
+              <a:t>히트쉐이더</a:t>
+            </a:r>
+            <a:r>
+              <a:rPr lang="ko-KR" altLang="en-US" sz="1100" b="1" dirty="0">
+                <a:solidFill>
+                  <a:schemeClr val="tx1"/>
+                </a:solidFill>
+              </a:rPr>
+              <a:t> </a:t>
+            </a:r>
+            <a:r>
+              <a:rPr lang="ko-KR" altLang="en-US" sz="1100" b="1" dirty="0" err="1">
+                <a:solidFill>
+                  <a:schemeClr val="tx1"/>
+                </a:solidFill>
+              </a:rPr>
+              <a:t>월드좌표계를</a:t>
+            </a:r>
+            <a:r>
+              <a:rPr lang="ko-KR" altLang="en-US" sz="1100" b="1" dirty="0">
+                <a:solidFill>
+                  <a:schemeClr val="tx1"/>
+                </a:solidFill>
+              </a:rPr>
+              <a:t> 반환한다</a:t>
+            </a:r>
+            <a:r>
+              <a:rPr lang="en-US" altLang="ko-KR" sz="1100" b="1" dirty="0">
+                <a:solidFill>
+                  <a:schemeClr val="tx1"/>
+                </a:solidFill>
+              </a:rPr>
+              <a:t>.</a:t>
+            </a:r>
+            <a:br>
+              <a:rPr lang="en-US" altLang="ko-KR" sz="1100" b="1" dirty="0">
+                <a:solidFill>
+                  <a:schemeClr val="tx1"/>
+                </a:solidFill>
+              </a:rPr>
+            </a:br>
+            <a:r>
+              <a:rPr lang="ko-KR" altLang="en-US" sz="1100" b="1" dirty="0">
+                <a:solidFill>
+                  <a:schemeClr val="tx1"/>
+                </a:solidFill>
+              </a:rPr>
+              <a:t>광선 월드 좌표 </a:t>
+            </a:r>
+            <a:r>
+              <a:rPr lang="en-US" altLang="ko-KR" sz="1100" b="1" dirty="0">
+                <a:solidFill>
+                  <a:schemeClr val="tx1"/>
+                </a:solidFill>
+              </a:rPr>
+              <a:t>+ </a:t>
+            </a:r>
+            <a:r>
+              <a:rPr lang="ko-KR" altLang="en-US" sz="1100" b="1" dirty="0">
+                <a:solidFill>
+                  <a:schemeClr val="tx1"/>
+                </a:solidFill>
+              </a:rPr>
+              <a:t>광선의 현재 </a:t>
+            </a:r>
+            <a:br>
+              <a:rPr lang="en-US" altLang="ko-KR" sz="1100" b="1" dirty="0">
+                <a:solidFill>
+                  <a:schemeClr val="tx1"/>
+                </a:solidFill>
+              </a:rPr>
+            </a:br>
+            <a:r>
+              <a:rPr lang="en-US" altLang="ko-KR" sz="1100" b="1" dirty="0">
+                <a:solidFill>
+                  <a:schemeClr val="tx1"/>
+                </a:solidFill>
+              </a:rPr>
+              <a:t>T(</a:t>
+            </a:r>
+            <a:r>
+              <a:rPr lang="en-US" altLang="ko-KR" sz="1100" b="1" dirty="0" err="1">
+                <a:solidFill>
+                  <a:schemeClr val="tx1"/>
+                </a:solidFill>
+              </a:rPr>
+              <a:t>Tmax</a:t>
+            </a:r>
+            <a:r>
+              <a:rPr lang="en-US" altLang="ko-KR" sz="1100" b="1" dirty="0">
+                <a:solidFill>
+                  <a:schemeClr val="tx1"/>
+                </a:solidFill>
+              </a:rPr>
+              <a:t>) * </a:t>
+            </a:r>
+            <a:r>
+              <a:rPr lang="ko-KR" altLang="en-US" sz="1100" b="1" dirty="0" err="1">
+                <a:solidFill>
+                  <a:schemeClr val="tx1"/>
+                </a:solidFill>
+              </a:rPr>
+              <a:t>정규화되지않은</a:t>
+            </a:r>
+            <a:r>
+              <a:rPr lang="ko-KR" altLang="en-US" sz="1100" b="1" dirty="0">
+                <a:solidFill>
+                  <a:schemeClr val="tx1"/>
+                </a:solidFill>
+              </a:rPr>
+              <a:t> 방향을 반환한다</a:t>
+            </a:r>
+            <a:r>
+              <a:rPr lang="en-US" altLang="ko-KR" sz="1100" b="1" dirty="0">
+                <a:solidFill>
+                  <a:schemeClr val="tx1"/>
+                </a:solidFill>
+              </a:rPr>
+              <a:t>.</a:t>
+            </a:r>
+            <a:br>
+              <a:rPr lang="en-US" altLang="ko-KR" sz="1100" b="1" dirty="0">
+                <a:solidFill>
+                  <a:schemeClr val="tx1"/>
+                </a:solidFill>
+              </a:rPr>
+            </a:br>
+            <a:endParaRPr sz="1100" b="1" dirty="0">
+              <a:solidFill>
+                <a:srgbClr val="1C4587"/>
+              </a:solidFill>
+            </a:endParaRPr>
+          </a:p>
+        </p:txBody>
+      </p:sp>
+      <p:pic>
+        <p:nvPicPr>
+          <p:cNvPr id="7" name="그림 6">
+            <a:extLst>
+              <a:ext uri="{FF2B5EF4-FFF2-40B4-BE49-F238E27FC236}">
+                <a16:creationId xmlns:a16="http://schemas.microsoft.com/office/drawing/2014/main" id="{085E473D-145C-34FF-861B-BDB7AEC3BB4C}"/>
+              </a:ext>
+            </a:extLst>
+          </p:cNvPr>
+          <p:cNvPicPr>
+            <a:picLocks noChangeAspect="1"/>
+          </p:cNvPicPr>
+          <p:nvPr/>
+        </p:nvPicPr>
+        <p:blipFill>
+          <a:blip r:embed="rId3"/>
+          <a:stretch>
+            <a:fillRect/>
+          </a:stretch>
+        </p:blipFill>
+        <p:spPr>
+          <a:xfrm>
+            <a:off x="315233" y="890582"/>
+            <a:ext cx="3549632" cy="941146"/>
+          </a:xfrm>
+          <a:prstGeom prst="rect">
+            <a:avLst/>
+          </a:prstGeom>
+        </p:spPr>
+      </p:pic>
+      <p:pic>
+        <p:nvPicPr>
+          <p:cNvPr id="9" name="그림 8">
+            <a:extLst>
+              <a:ext uri="{FF2B5EF4-FFF2-40B4-BE49-F238E27FC236}">
+                <a16:creationId xmlns:a16="http://schemas.microsoft.com/office/drawing/2014/main" id="{B0366500-778A-6611-2057-38B7017ED88D}"/>
+              </a:ext>
+            </a:extLst>
+          </p:cNvPr>
+          <p:cNvPicPr>
+            <a:picLocks noChangeAspect="1"/>
+          </p:cNvPicPr>
+          <p:nvPr/>
+        </p:nvPicPr>
+        <p:blipFill>
+          <a:blip r:embed="rId4"/>
+          <a:stretch>
+            <a:fillRect/>
+          </a:stretch>
+        </p:blipFill>
+        <p:spPr>
+          <a:xfrm>
+            <a:off x="294325" y="1921724"/>
+            <a:ext cx="4155756" cy="984560"/>
+          </a:xfrm>
+          <a:prstGeom prst="rect">
+            <a:avLst/>
+          </a:prstGeom>
+        </p:spPr>
+      </p:pic>
+      <p:sp>
+        <p:nvSpPr>
+          <p:cNvPr id="10" name="Google Shape;69;p15">
+            <a:extLst>
+              <a:ext uri="{FF2B5EF4-FFF2-40B4-BE49-F238E27FC236}">
+                <a16:creationId xmlns:a16="http://schemas.microsoft.com/office/drawing/2014/main" id="{94E2A912-3A04-7C00-87F2-81257C75297E}"/>
+              </a:ext>
+            </a:extLst>
+          </p:cNvPr>
+          <p:cNvSpPr txBox="1">
+            <a:spLocks/>
+          </p:cNvSpPr>
+          <p:nvPr/>
+        </p:nvSpPr>
+        <p:spPr>
+          <a:xfrm>
+            <a:off x="4572000" y="2178059"/>
+            <a:ext cx="3783564" cy="471890"/>
+          </a:xfrm>
+          <a:prstGeom prst="rect">
+            <a:avLst/>
+          </a:prstGeom>
+          <a:noFill/>
+          <a:ln w="28575">
+            <a:solidFill>
+              <a:srgbClr val="00B050"/>
+            </a:solidFill>
+          </a:ln>
+        </p:spPr>
+        <p:txBody>
+          <a:bodyPr spcFirstLastPara="1" wrap="square" lIns="91425" tIns="91425" rIns="91425" bIns="91425" anchor="ctr" anchorCtr="0">
+            <a:noAutofit/>
+          </a:bodyPr>
+          <a:lstStyle>
+            <a:defPPr marR="0" lvl="0" algn="l" rtl="0">
+              <a:lnSpc>
+                <a:spcPct val="100000"/>
+              </a:lnSpc>
+              <a:spcBef>
+                <a:spcPts val="0"/>
+              </a:spcBef>
+              <a:spcAft>
+                <a:spcPts val="0"/>
+              </a:spcAft>
+            </a:defPPr>
+            <a:lvl1pPr marR="0" lvl="0" algn="ctr" rtl="0">
+              <a:lnSpc>
+                <a:spcPct val="100000"/>
+              </a:lnSpc>
+              <a:spcBef>
+                <a:spcPts val="0"/>
+              </a:spcBef>
+              <a:spcAft>
+                <a:spcPts val="0"/>
+              </a:spcAft>
+              <a:buClr>
+                <a:schemeClr val="dk1"/>
+              </a:buClr>
+              <a:buSzPts val="5200"/>
+              <a:buFont typeface="Arial"/>
+              <a:buNone/>
+              <a:defRPr sz="5200" b="0" i="0" u="none" strike="noStrike" cap="none">
+                <a:solidFill>
+                  <a:schemeClr val="dk1"/>
+                </a:solidFill>
+                <a:latin typeface="Arial"/>
+                <a:ea typeface="Arial"/>
+                <a:cs typeface="Arial"/>
+                <a:sym typeface="Arial"/>
+              </a:defRPr>
+            </a:lvl1pPr>
+            <a:lvl2pPr marR="0" lvl="1" algn="ctr" rtl="0">
+              <a:lnSpc>
+                <a:spcPct val="100000"/>
+              </a:lnSpc>
+              <a:spcBef>
+                <a:spcPts val="0"/>
+              </a:spcBef>
+              <a:spcAft>
+                <a:spcPts val="0"/>
+              </a:spcAft>
+              <a:buClr>
+                <a:schemeClr val="dk1"/>
+              </a:buClr>
+              <a:buSzPts val="5200"/>
+              <a:buFont typeface="Arial"/>
+              <a:buNone/>
+              <a:defRPr sz="5200" b="0" i="0" u="none" strike="noStrike" cap="none">
+                <a:solidFill>
+                  <a:schemeClr val="dk1"/>
+                </a:solidFill>
+                <a:latin typeface="Arial"/>
+                <a:ea typeface="Arial"/>
+                <a:cs typeface="Arial"/>
+                <a:sym typeface="Arial"/>
+              </a:defRPr>
+            </a:lvl2pPr>
+            <a:lvl3pPr marR="0" lvl="2" algn="ctr" rtl="0">
+              <a:lnSpc>
+                <a:spcPct val="100000"/>
+              </a:lnSpc>
+              <a:spcBef>
+                <a:spcPts val="0"/>
+              </a:spcBef>
+              <a:spcAft>
+                <a:spcPts val="0"/>
+              </a:spcAft>
+              <a:buClr>
+                <a:schemeClr val="dk1"/>
+              </a:buClr>
+              <a:buSzPts val="5200"/>
+              <a:buFont typeface="Arial"/>
+              <a:buNone/>
+              <a:defRPr sz="5200" b="0" i="0" u="none" strike="noStrike" cap="none">
+                <a:solidFill>
+                  <a:schemeClr val="dk1"/>
+                </a:solidFill>
+                <a:latin typeface="Arial"/>
+                <a:ea typeface="Arial"/>
+                <a:cs typeface="Arial"/>
+                <a:sym typeface="Arial"/>
+              </a:defRPr>
+            </a:lvl3pPr>
+            <a:lvl4pPr marR="0" lvl="3" algn="ctr" rtl="0">
+              <a:lnSpc>
+                <a:spcPct val="100000"/>
+              </a:lnSpc>
+              <a:spcBef>
+                <a:spcPts val="0"/>
+              </a:spcBef>
+              <a:spcAft>
+                <a:spcPts val="0"/>
+              </a:spcAft>
+              <a:buClr>
+                <a:schemeClr val="dk1"/>
+              </a:buClr>
+              <a:buSzPts val="5200"/>
+              <a:buFont typeface="Arial"/>
+              <a:buNone/>
+              <a:defRPr sz="5200" b="0" i="0" u="none" strike="noStrike" cap="none">
+                <a:solidFill>
+                  <a:schemeClr val="dk1"/>
+                </a:solidFill>
+                <a:latin typeface="Arial"/>
+                <a:ea typeface="Arial"/>
+                <a:cs typeface="Arial"/>
+                <a:sym typeface="Arial"/>
+              </a:defRPr>
+            </a:lvl4pPr>
+            <a:lvl5pPr marR="0" lvl="4" algn="ctr" rtl="0">
+              <a:lnSpc>
+                <a:spcPct val="100000"/>
+              </a:lnSpc>
+              <a:spcBef>
+                <a:spcPts val="0"/>
+              </a:spcBef>
+              <a:spcAft>
+                <a:spcPts val="0"/>
+              </a:spcAft>
+              <a:buClr>
+                <a:schemeClr val="dk1"/>
+              </a:buClr>
+              <a:buSzPts val="5200"/>
+              <a:buFont typeface="Arial"/>
+              <a:buNone/>
+              <a:defRPr sz="5200" b="0" i="0" u="none" strike="noStrike" cap="none">
+                <a:solidFill>
+                  <a:schemeClr val="dk1"/>
+                </a:solidFill>
+                <a:latin typeface="Arial"/>
+                <a:ea typeface="Arial"/>
+                <a:cs typeface="Arial"/>
+                <a:sym typeface="Arial"/>
+              </a:defRPr>
+            </a:lvl5pPr>
+            <a:lvl6pPr marR="0" lvl="5" algn="ctr" rtl="0">
+              <a:lnSpc>
+                <a:spcPct val="100000"/>
+              </a:lnSpc>
+              <a:spcBef>
+                <a:spcPts val="0"/>
+              </a:spcBef>
+              <a:spcAft>
+                <a:spcPts val="0"/>
+              </a:spcAft>
+              <a:buClr>
+                <a:schemeClr val="dk1"/>
+              </a:buClr>
+              <a:buSzPts val="5200"/>
+              <a:buFont typeface="Arial"/>
+              <a:buNone/>
+              <a:defRPr sz="5200" b="0" i="0" u="none" strike="noStrike" cap="none">
+                <a:solidFill>
+                  <a:schemeClr val="dk1"/>
+                </a:solidFill>
+                <a:latin typeface="Arial"/>
+                <a:ea typeface="Arial"/>
+                <a:cs typeface="Arial"/>
+                <a:sym typeface="Arial"/>
+              </a:defRPr>
+            </a:lvl6pPr>
+            <a:lvl7pPr marR="0" lvl="6" algn="ctr" rtl="0">
+              <a:lnSpc>
+                <a:spcPct val="100000"/>
+              </a:lnSpc>
+              <a:spcBef>
+                <a:spcPts val="0"/>
+              </a:spcBef>
+              <a:spcAft>
+                <a:spcPts val="0"/>
+              </a:spcAft>
+              <a:buClr>
+                <a:schemeClr val="dk1"/>
+              </a:buClr>
+              <a:buSzPts val="5200"/>
+              <a:buFont typeface="Arial"/>
+              <a:buNone/>
+              <a:defRPr sz="5200" b="0" i="0" u="none" strike="noStrike" cap="none">
+                <a:solidFill>
+                  <a:schemeClr val="dk1"/>
+                </a:solidFill>
+                <a:latin typeface="Arial"/>
+                <a:ea typeface="Arial"/>
+                <a:cs typeface="Arial"/>
+                <a:sym typeface="Arial"/>
+              </a:defRPr>
+            </a:lvl7pPr>
+            <a:lvl8pPr marR="0" lvl="7" algn="ctr" rtl="0">
+              <a:lnSpc>
+                <a:spcPct val="100000"/>
+              </a:lnSpc>
+              <a:spcBef>
+                <a:spcPts val="0"/>
+              </a:spcBef>
+              <a:spcAft>
+                <a:spcPts val="0"/>
+              </a:spcAft>
+              <a:buClr>
+                <a:schemeClr val="dk1"/>
+              </a:buClr>
+              <a:buSzPts val="5200"/>
+              <a:buFont typeface="Arial"/>
+              <a:buNone/>
+              <a:defRPr sz="5200" b="0" i="0" u="none" strike="noStrike" cap="none">
+                <a:solidFill>
+                  <a:schemeClr val="dk1"/>
+                </a:solidFill>
+                <a:latin typeface="Arial"/>
+                <a:ea typeface="Arial"/>
+                <a:cs typeface="Arial"/>
+                <a:sym typeface="Arial"/>
+              </a:defRPr>
+            </a:lvl8pPr>
+            <a:lvl9pPr marR="0" lvl="8" algn="ctr" rtl="0">
+              <a:lnSpc>
+                <a:spcPct val="100000"/>
+              </a:lnSpc>
+              <a:spcBef>
+                <a:spcPts val="0"/>
+              </a:spcBef>
+              <a:spcAft>
+                <a:spcPts val="0"/>
+              </a:spcAft>
+              <a:buClr>
+                <a:schemeClr val="dk1"/>
+              </a:buClr>
+              <a:buSzPts val="5200"/>
+              <a:buFont typeface="Arial"/>
+              <a:buNone/>
+              <a:defRPr sz="5200" b="0" i="0" u="none" strike="noStrike" cap="none">
+                <a:solidFill>
+                  <a:schemeClr val="dk1"/>
+                </a:solidFill>
+                <a:latin typeface="Arial"/>
+                <a:ea typeface="Arial"/>
+                <a:cs typeface="Arial"/>
+                <a:sym typeface="Arial"/>
+              </a:defRPr>
+            </a:lvl9pPr>
+          </a:lstStyle>
+          <a:p>
+            <a:pPr marL="139700" algn="l">
+              <a:buSzPts val="1400"/>
+            </a:pPr>
+            <a:r>
+              <a:rPr lang="ko-KR" altLang="en-US" sz="1100" b="1" dirty="0">
+                <a:solidFill>
+                  <a:schemeClr val="tx1"/>
+                </a:solidFill>
+              </a:rPr>
+              <a:t>적중된 위치의 중심축에서 사용되는 정점의 속성으로 </a:t>
+            </a:r>
+            <a:r>
+              <a:rPr lang="ko-KR" altLang="en-US" sz="1100" b="1" dirty="0" err="1">
+                <a:solidFill>
+                  <a:schemeClr val="tx1"/>
+                </a:solidFill>
+              </a:rPr>
+              <a:t>부터</a:t>
+            </a:r>
+            <a:r>
+              <a:rPr lang="ko-KR" altLang="en-US" sz="1100" b="1" dirty="0">
+                <a:solidFill>
+                  <a:schemeClr val="tx1"/>
+                </a:solidFill>
+              </a:rPr>
+              <a:t> </a:t>
+            </a:r>
+            <a:r>
+              <a:rPr lang="ko-KR" altLang="en-US" sz="1100" b="1" dirty="0" err="1">
+                <a:solidFill>
+                  <a:schemeClr val="tx1"/>
+                </a:solidFill>
+              </a:rPr>
+              <a:t>보간된</a:t>
+            </a:r>
+            <a:r>
+              <a:rPr lang="ko-KR" altLang="en-US" sz="1100" b="1" dirty="0">
+                <a:solidFill>
+                  <a:schemeClr val="tx1"/>
+                </a:solidFill>
+              </a:rPr>
+              <a:t> 적중 위치속성을 업데이트한다</a:t>
+            </a:r>
+            <a:r>
+              <a:rPr lang="en-US" altLang="ko-KR" sz="1400" b="1" dirty="0">
+                <a:solidFill>
+                  <a:schemeClr val="tx1"/>
+                </a:solidFill>
+              </a:rPr>
+              <a:t>.</a:t>
+            </a:r>
+            <a:endParaRPr lang="ko-KR" altLang="en-US" sz="1400" b="1" dirty="0">
+              <a:solidFill>
+                <a:schemeClr val="tx1"/>
+              </a:solidFill>
+            </a:endParaRPr>
+          </a:p>
+        </p:txBody>
+      </p:sp>
+      <p:sp>
+        <p:nvSpPr>
+          <p:cNvPr id="11" name="Google Shape;69;p15">
+            <a:extLst>
+              <a:ext uri="{FF2B5EF4-FFF2-40B4-BE49-F238E27FC236}">
+                <a16:creationId xmlns:a16="http://schemas.microsoft.com/office/drawing/2014/main" id="{599F8CFA-AD4A-13B7-A448-C3C271796526}"/>
+              </a:ext>
+            </a:extLst>
+          </p:cNvPr>
+          <p:cNvSpPr txBox="1">
+            <a:spLocks/>
+          </p:cNvSpPr>
+          <p:nvPr/>
+        </p:nvSpPr>
+        <p:spPr>
+          <a:xfrm>
+            <a:off x="4342081" y="3352877"/>
+            <a:ext cx="3563519" cy="1413971"/>
+          </a:xfrm>
+          <a:prstGeom prst="rect">
+            <a:avLst/>
+          </a:prstGeom>
+          <a:noFill/>
+          <a:ln w="38100">
+            <a:solidFill>
+              <a:srgbClr val="00B050"/>
+            </a:solidFill>
+          </a:ln>
+        </p:spPr>
+        <p:txBody>
+          <a:bodyPr spcFirstLastPara="1" wrap="square" lIns="91425" tIns="91425" rIns="91425" bIns="91425" anchor="ctr" anchorCtr="0">
+            <a:noAutofit/>
+          </a:bodyPr>
+          <a:lstStyle>
+            <a:defPPr marR="0" lvl="0" algn="l" rtl="0">
+              <a:lnSpc>
+                <a:spcPct val="100000"/>
+              </a:lnSpc>
+              <a:spcBef>
+                <a:spcPts val="0"/>
+              </a:spcBef>
+              <a:spcAft>
+                <a:spcPts val="0"/>
+              </a:spcAft>
+            </a:defPPr>
+            <a:lvl1pPr marR="0" lvl="0" algn="ctr" rtl="0">
+              <a:lnSpc>
+                <a:spcPct val="100000"/>
+              </a:lnSpc>
+              <a:spcBef>
+                <a:spcPts val="0"/>
+              </a:spcBef>
+              <a:spcAft>
+                <a:spcPts val="0"/>
+              </a:spcAft>
+              <a:buClr>
+                <a:schemeClr val="dk1"/>
+              </a:buClr>
+              <a:buSzPts val="5200"/>
+              <a:buFont typeface="Arial"/>
+              <a:buNone/>
+              <a:defRPr sz="5200" b="0" i="0" u="none" strike="noStrike" cap="none">
+                <a:solidFill>
+                  <a:schemeClr val="dk1"/>
+                </a:solidFill>
+                <a:latin typeface="Arial"/>
+                <a:ea typeface="Arial"/>
+                <a:cs typeface="Arial"/>
+                <a:sym typeface="Arial"/>
+              </a:defRPr>
+            </a:lvl1pPr>
+            <a:lvl2pPr marR="0" lvl="1" algn="ctr" rtl="0">
+              <a:lnSpc>
+                <a:spcPct val="100000"/>
+              </a:lnSpc>
+              <a:spcBef>
+                <a:spcPts val="0"/>
+              </a:spcBef>
+              <a:spcAft>
+                <a:spcPts val="0"/>
+              </a:spcAft>
+              <a:buClr>
+                <a:schemeClr val="dk1"/>
+              </a:buClr>
+              <a:buSzPts val="5200"/>
+              <a:buFont typeface="Arial"/>
+              <a:buNone/>
+              <a:defRPr sz="5200" b="0" i="0" u="none" strike="noStrike" cap="none">
+                <a:solidFill>
+                  <a:schemeClr val="dk1"/>
+                </a:solidFill>
+                <a:latin typeface="Arial"/>
+                <a:ea typeface="Arial"/>
+                <a:cs typeface="Arial"/>
+                <a:sym typeface="Arial"/>
+              </a:defRPr>
+            </a:lvl2pPr>
+            <a:lvl3pPr marR="0" lvl="2" algn="ctr" rtl="0">
+              <a:lnSpc>
+                <a:spcPct val="100000"/>
+              </a:lnSpc>
+              <a:spcBef>
+                <a:spcPts val="0"/>
+              </a:spcBef>
+              <a:spcAft>
+                <a:spcPts val="0"/>
+              </a:spcAft>
+              <a:buClr>
+                <a:schemeClr val="dk1"/>
+              </a:buClr>
+              <a:buSzPts val="5200"/>
+              <a:buFont typeface="Arial"/>
+              <a:buNone/>
+              <a:defRPr sz="5200" b="0" i="0" u="none" strike="noStrike" cap="none">
+                <a:solidFill>
+                  <a:schemeClr val="dk1"/>
+                </a:solidFill>
+                <a:latin typeface="Arial"/>
+                <a:ea typeface="Arial"/>
+                <a:cs typeface="Arial"/>
+                <a:sym typeface="Arial"/>
+              </a:defRPr>
+            </a:lvl3pPr>
+            <a:lvl4pPr marR="0" lvl="3" algn="ctr" rtl="0">
+              <a:lnSpc>
+                <a:spcPct val="100000"/>
+              </a:lnSpc>
+              <a:spcBef>
+                <a:spcPts val="0"/>
+              </a:spcBef>
+              <a:spcAft>
+                <a:spcPts val="0"/>
+              </a:spcAft>
+              <a:buClr>
+                <a:schemeClr val="dk1"/>
+              </a:buClr>
+              <a:buSzPts val="5200"/>
+              <a:buFont typeface="Arial"/>
+              <a:buNone/>
+              <a:defRPr sz="5200" b="0" i="0" u="none" strike="noStrike" cap="none">
+                <a:solidFill>
+                  <a:schemeClr val="dk1"/>
+                </a:solidFill>
+                <a:latin typeface="Arial"/>
+                <a:ea typeface="Arial"/>
+                <a:cs typeface="Arial"/>
+                <a:sym typeface="Arial"/>
+              </a:defRPr>
+            </a:lvl4pPr>
+            <a:lvl5pPr marR="0" lvl="4" algn="ctr" rtl="0">
+              <a:lnSpc>
+                <a:spcPct val="100000"/>
+              </a:lnSpc>
+              <a:spcBef>
+                <a:spcPts val="0"/>
+              </a:spcBef>
+              <a:spcAft>
+                <a:spcPts val="0"/>
+              </a:spcAft>
+              <a:buClr>
+                <a:schemeClr val="dk1"/>
+              </a:buClr>
+              <a:buSzPts val="5200"/>
+              <a:buFont typeface="Arial"/>
+              <a:buNone/>
+              <a:defRPr sz="5200" b="0" i="0" u="none" strike="noStrike" cap="none">
+                <a:solidFill>
+                  <a:schemeClr val="dk1"/>
+                </a:solidFill>
+                <a:latin typeface="Arial"/>
+                <a:ea typeface="Arial"/>
+                <a:cs typeface="Arial"/>
+                <a:sym typeface="Arial"/>
+              </a:defRPr>
+            </a:lvl5pPr>
+            <a:lvl6pPr marR="0" lvl="5" algn="ctr" rtl="0">
+              <a:lnSpc>
+                <a:spcPct val="100000"/>
+              </a:lnSpc>
+              <a:spcBef>
+                <a:spcPts val="0"/>
+              </a:spcBef>
+              <a:spcAft>
+                <a:spcPts val="0"/>
+              </a:spcAft>
+              <a:buClr>
+                <a:schemeClr val="dk1"/>
+              </a:buClr>
+              <a:buSzPts val="5200"/>
+              <a:buFont typeface="Arial"/>
+              <a:buNone/>
+              <a:defRPr sz="5200" b="0" i="0" u="none" strike="noStrike" cap="none">
+                <a:solidFill>
+                  <a:schemeClr val="dk1"/>
+                </a:solidFill>
+                <a:latin typeface="Arial"/>
+                <a:ea typeface="Arial"/>
+                <a:cs typeface="Arial"/>
+                <a:sym typeface="Arial"/>
+              </a:defRPr>
+            </a:lvl6pPr>
+            <a:lvl7pPr marR="0" lvl="6" algn="ctr" rtl="0">
+              <a:lnSpc>
+                <a:spcPct val="100000"/>
+              </a:lnSpc>
+              <a:spcBef>
+                <a:spcPts val="0"/>
+              </a:spcBef>
+              <a:spcAft>
+                <a:spcPts val="0"/>
+              </a:spcAft>
+              <a:buClr>
+                <a:schemeClr val="dk1"/>
+              </a:buClr>
+              <a:buSzPts val="5200"/>
+              <a:buFont typeface="Arial"/>
+              <a:buNone/>
+              <a:defRPr sz="5200" b="0" i="0" u="none" strike="noStrike" cap="none">
+                <a:solidFill>
+                  <a:schemeClr val="dk1"/>
+                </a:solidFill>
+                <a:latin typeface="Arial"/>
+                <a:ea typeface="Arial"/>
+                <a:cs typeface="Arial"/>
+                <a:sym typeface="Arial"/>
+              </a:defRPr>
+            </a:lvl7pPr>
+            <a:lvl8pPr marR="0" lvl="7" algn="ctr" rtl="0">
+              <a:lnSpc>
+                <a:spcPct val="100000"/>
+              </a:lnSpc>
+              <a:spcBef>
+                <a:spcPts val="0"/>
+              </a:spcBef>
+              <a:spcAft>
+                <a:spcPts val="0"/>
+              </a:spcAft>
+              <a:buClr>
+                <a:schemeClr val="dk1"/>
+              </a:buClr>
+              <a:buSzPts val="5200"/>
+              <a:buFont typeface="Arial"/>
+              <a:buNone/>
+              <a:defRPr sz="5200" b="0" i="0" u="none" strike="noStrike" cap="none">
+                <a:solidFill>
+                  <a:schemeClr val="dk1"/>
+                </a:solidFill>
+                <a:latin typeface="Arial"/>
+                <a:ea typeface="Arial"/>
+                <a:cs typeface="Arial"/>
+                <a:sym typeface="Arial"/>
+              </a:defRPr>
+            </a:lvl8pPr>
+            <a:lvl9pPr marR="0" lvl="8" algn="ctr" rtl="0">
+              <a:lnSpc>
+                <a:spcPct val="100000"/>
+              </a:lnSpc>
+              <a:spcBef>
+                <a:spcPts val="0"/>
+              </a:spcBef>
+              <a:spcAft>
+                <a:spcPts val="0"/>
+              </a:spcAft>
+              <a:buClr>
+                <a:schemeClr val="dk1"/>
+              </a:buClr>
+              <a:buSzPts val="5200"/>
+              <a:buFont typeface="Arial"/>
+              <a:buNone/>
+              <a:defRPr sz="5200" b="0" i="0" u="none" strike="noStrike" cap="none">
+                <a:solidFill>
+                  <a:schemeClr val="dk1"/>
+                </a:solidFill>
+                <a:latin typeface="Arial"/>
+                <a:ea typeface="Arial"/>
+                <a:cs typeface="Arial"/>
+                <a:sym typeface="Arial"/>
+              </a:defRPr>
+            </a:lvl9pPr>
+          </a:lstStyle>
+          <a:p>
+            <a:pPr marL="139700" algn="l">
+              <a:buSzPts val="1400"/>
+            </a:pPr>
+            <a:r>
+              <a:rPr lang="ko-KR" altLang="en-US" sz="1100" b="1" dirty="0">
+                <a:solidFill>
+                  <a:schemeClr val="tx1"/>
+                </a:solidFill>
+              </a:rPr>
+              <a:t>적중될 삼각형의 베이스 정보를 가져오고</a:t>
+            </a:r>
+            <a:r>
+              <a:rPr lang="en-US" altLang="ko-KR" sz="1100" b="1" dirty="0">
+                <a:solidFill>
+                  <a:schemeClr val="tx1"/>
+                </a:solidFill>
+              </a:rPr>
+              <a:t>, </a:t>
+            </a:r>
+            <a:r>
+              <a:rPr lang="ko-KR" altLang="en-US" sz="1100" b="1" dirty="0">
+                <a:solidFill>
+                  <a:schemeClr val="tx1"/>
+                </a:solidFill>
+              </a:rPr>
+              <a:t>삼각형 정점에 해당하는 정점 </a:t>
+            </a:r>
+            <a:r>
+              <a:rPr lang="ko-KR" altLang="en-US" sz="1100" b="1" dirty="0" err="1">
+                <a:solidFill>
+                  <a:schemeClr val="tx1"/>
+                </a:solidFill>
+              </a:rPr>
+              <a:t>법선을</a:t>
+            </a:r>
+            <a:r>
+              <a:rPr lang="ko-KR" altLang="en-US" sz="1100" b="1" dirty="0">
+                <a:solidFill>
+                  <a:schemeClr val="tx1"/>
+                </a:solidFill>
+              </a:rPr>
+              <a:t> 검색하고 </a:t>
+            </a:r>
+            <a:r>
+              <a:rPr lang="ko-KR" altLang="en-US" sz="1100" b="1" dirty="0" err="1">
+                <a:solidFill>
+                  <a:schemeClr val="tx1"/>
+                </a:solidFill>
+              </a:rPr>
+              <a:t>법선을</a:t>
+            </a:r>
+            <a:r>
+              <a:rPr lang="ko-KR" altLang="en-US" sz="1100" b="1" dirty="0">
+                <a:solidFill>
+                  <a:schemeClr val="tx1"/>
+                </a:solidFill>
+              </a:rPr>
+              <a:t> 계산한다</a:t>
+            </a:r>
+            <a:r>
+              <a:rPr lang="en-US" altLang="ko-KR" sz="1100" b="1" dirty="0">
+                <a:solidFill>
+                  <a:schemeClr val="tx1"/>
+                </a:solidFill>
+              </a:rPr>
+              <a:t>.</a:t>
+            </a:r>
+          </a:p>
+          <a:p>
+            <a:pPr marL="139700" algn="l">
+              <a:buSzPts val="1400"/>
+            </a:pPr>
+            <a:endParaRPr lang="en-US" altLang="ko-KR" sz="1100" b="1" dirty="0">
+              <a:solidFill>
+                <a:schemeClr val="tx1"/>
+              </a:solidFill>
+            </a:endParaRPr>
+          </a:p>
+          <a:p>
+            <a:pPr marL="139700" algn="l">
+              <a:buSzPts val="1400"/>
+            </a:pPr>
+            <a:r>
+              <a:rPr lang="ko-KR" altLang="en-US" sz="1100" b="1" dirty="0">
+                <a:solidFill>
+                  <a:schemeClr val="tx1"/>
+                </a:solidFill>
+              </a:rPr>
+              <a:t>계산된 </a:t>
+            </a:r>
+            <a:r>
+              <a:rPr lang="ko-KR" altLang="en-US" sz="1100" b="1" dirty="0" err="1">
+                <a:solidFill>
+                  <a:schemeClr val="tx1"/>
+                </a:solidFill>
+              </a:rPr>
+              <a:t>법선의</a:t>
+            </a:r>
+            <a:r>
+              <a:rPr lang="ko-KR" altLang="en-US" sz="1100" b="1" dirty="0">
+                <a:solidFill>
+                  <a:schemeClr val="tx1"/>
+                </a:solidFill>
+              </a:rPr>
+              <a:t> 정보를 </a:t>
+            </a:r>
+            <a:r>
+              <a:rPr lang="en-US" altLang="ko-KR" sz="1100" b="1" dirty="0">
+                <a:solidFill>
+                  <a:schemeClr val="tx1"/>
+                </a:solidFill>
+              </a:rPr>
+              <a:t>Diffuse </a:t>
+            </a:r>
+            <a:r>
+              <a:rPr lang="ko-KR" altLang="en-US" sz="1100" b="1" dirty="0">
+                <a:solidFill>
+                  <a:schemeClr val="tx1"/>
+                </a:solidFill>
+              </a:rPr>
+              <a:t>조명색상을 기입하는데 사용하여 최종색상을 도출한다</a:t>
+            </a:r>
+            <a:r>
+              <a:rPr lang="en-US" altLang="ko-KR" sz="1100" b="1" dirty="0">
+                <a:solidFill>
+                  <a:schemeClr val="tx1"/>
+                </a:solidFill>
+              </a:rPr>
+              <a:t>.</a:t>
+            </a:r>
+          </a:p>
+          <a:p>
+            <a:pPr marL="139700" algn="l">
+              <a:buSzPts val="1400"/>
+            </a:pPr>
+            <a:endParaRPr lang="en-US" altLang="ko-KR" sz="1100" b="1" dirty="0">
+              <a:solidFill>
+                <a:schemeClr val="tx1"/>
+              </a:solidFill>
+            </a:endParaRPr>
+          </a:p>
+          <a:p>
+            <a:pPr marL="139700" algn="l">
+              <a:buSzPts val="1400"/>
+            </a:pPr>
+            <a:r>
+              <a:rPr lang="ko-KR" altLang="en-US" sz="1100" b="1" dirty="0">
+                <a:solidFill>
+                  <a:schemeClr val="tx1"/>
+                </a:solidFill>
+              </a:rPr>
+              <a:t>최종색상을 색상 탑재량</a:t>
+            </a:r>
+            <a:r>
+              <a:rPr lang="en-US" altLang="ko-KR" sz="1100" b="1" dirty="0">
+                <a:solidFill>
+                  <a:schemeClr val="tx1"/>
+                </a:solidFill>
+              </a:rPr>
+              <a:t>(Payload)</a:t>
+            </a:r>
+            <a:r>
+              <a:rPr lang="ko-KR" altLang="en-US" sz="1100" b="1" dirty="0">
+                <a:solidFill>
+                  <a:schemeClr val="tx1"/>
+                </a:solidFill>
+              </a:rPr>
+              <a:t>에 저장한다</a:t>
+            </a:r>
+            <a:r>
+              <a:rPr lang="en-US" altLang="ko-KR" sz="1100" b="1" dirty="0">
+                <a:solidFill>
+                  <a:schemeClr val="tx1"/>
+                </a:solidFill>
+              </a:rPr>
+              <a:t>.</a:t>
+            </a:r>
+            <a:endParaRPr lang="ko-KR" altLang="en-US" sz="1100" b="1" dirty="0">
+              <a:solidFill>
+                <a:schemeClr val="tx1"/>
+              </a:solidFill>
+            </a:endParaRPr>
+          </a:p>
+        </p:txBody>
+      </p:sp>
+      <p:pic>
+        <p:nvPicPr>
+          <p:cNvPr id="15" name="그림 14">
+            <a:extLst>
+              <a:ext uri="{FF2B5EF4-FFF2-40B4-BE49-F238E27FC236}">
+                <a16:creationId xmlns:a16="http://schemas.microsoft.com/office/drawing/2014/main" id="{004A5589-A865-B549-E71E-72F6AE14A633}"/>
+              </a:ext>
+            </a:extLst>
+          </p:cNvPr>
+          <p:cNvPicPr>
+            <a:picLocks noChangeAspect="1"/>
+          </p:cNvPicPr>
+          <p:nvPr/>
+        </p:nvPicPr>
+        <p:blipFill rotWithShape="1">
+          <a:blip r:embed="rId5"/>
+          <a:srcRect t="28859"/>
+          <a:stretch/>
+        </p:blipFill>
+        <p:spPr>
+          <a:xfrm>
+            <a:off x="294324" y="3719890"/>
+            <a:ext cx="3729490" cy="1066056"/>
+          </a:xfrm>
+          <a:prstGeom prst="rect">
+            <a:avLst/>
+          </a:prstGeom>
+        </p:spPr>
+      </p:pic>
+      <p:pic>
+        <p:nvPicPr>
+          <p:cNvPr id="4" name="그림 3">
+            <a:extLst>
+              <a:ext uri="{FF2B5EF4-FFF2-40B4-BE49-F238E27FC236}">
+                <a16:creationId xmlns:a16="http://schemas.microsoft.com/office/drawing/2014/main" id="{0F29D9C6-8D52-D6F7-ACD0-1E6E2C21BD61}"/>
+              </a:ext>
+            </a:extLst>
+          </p:cNvPr>
+          <p:cNvPicPr>
+            <a:picLocks noChangeAspect="1"/>
+          </p:cNvPicPr>
+          <p:nvPr/>
+        </p:nvPicPr>
+        <p:blipFill>
+          <a:blip r:embed="rId6"/>
+          <a:stretch>
+            <a:fillRect/>
+          </a:stretch>
+        </p:blipFill>
+        <p:spPr>
+          <a:xfrm>
+            <a:off x="294324" y="3177957"/>
+            <a:ext cx="3729490" cy="439394"/>
+          </a:xfrm>
+          <a:prstGeom prst="rect">
+            <a:avLst/>
+          </a:prstGeom>
+        </p:spPr>
+      </p:pic>
+    </p:spTree>
+    <p:extLst>
+      <p:ext uri="{BB962C8B-B14F-4D97-AF65-F5344CB8AC3E}">
+        <p14:creationId xmlns:p14="http://schemas.microsoft.com/office/powerpoint/2010/main" val="863611653"/>
+      </p:ext>
+    </p:extLst>
+  </p:cSld>
+  <p:clrMapOvr>
+    <a:masterClrMapping/>
+  </p:clrMapOvr>
+</p:sld>
+</file>
+
+<file path=ppt/slides/slide14.xml><?xml version="1.0" encoding="utf-8"?>
+<p:sld xmlns:a="http://schemas.openxmlformats.org/drawingml/2006/main" xmlns:r="http://schemas.openxmlformats.org/officeDocument/2006/relationships" xmlns:p="http://schemas.openxmlformats.org/presentationml/2006/main">
+  <p:cSld>
+    <p:spTree>
+      <p:nvGrpSpPr>
+        <p:cNvPr id="1" name="Shape 66"/>
+        <p:cNvGrpSpPr/>
+        <p:nvPr/>
+      </p:nvGrpSpPr>
+      <p:grpSpPr>
+        <a:xfrm>
+          <a:off x="0" y="0"/>
+          <a:ext cx="0" cy="0"/>
+          <a:chOff x="0" y="0"/>
+          <a:chExt cx="0" cy="0"/>
+        </a:xfrm>
+      </p:grpSpPr>
+      <p:sp>
+        <p:nvSpPr>
+          <p:cNvPr id="67" name="Google Shape;67;p15"/>
+          <p:cNvSpPr txBox="1">
+            <a:spLocks noGrp="1"/>
+          </p:cNvSpPr>
+          <p:nvPr>
+            <p:ph type="ctrTitle"/>
+          </p:nvPr>
+        </p:nvSpPr>
+        <p:spPr>
+          <a:xfrm>
+            <a:off x="196788" y="451301"/>
+            <a:ext cx="2692715" cy="429000"/>
+          </a:xfrm>
+          <a:prstGeom prst="rect">
+            <a:avLst/>
+          </a:prstGeom>
+        </p:spPr>
+        <p:txBody>
+          <a:bodyPr spcFirstLastPara="1" wrap="square" lIns="91425" tIns="91425" rIns="91425" bIns="91425" anchor="b" anchorCtr="0">
+            <a:noAutofit/>
+          </a:bodyPr>
+          <a:lstStyle/>
+          <a:p>
+            <a:pPr marL="0" lvl="0" indent="0" algn="ctr" rtl="0">
+              <a:spcBef>
+                <a:spcPts val="0"/>
+              </a:spcBef>
+              <a:spcAft>
+                <a:spcPts val="0"/>
+              </a:spcAft>
+              <a:buSzPts val="990"/>
+              <a:buNone/>
+            </a:pPr>
+            <a:r>
+              <a:rPr lang="en-US" altLang="ko-KR" sz="1679" b="1" dirty="0">
+                <a:solidFill>
+                  <a:srgbClr val="1C4587"/>
+                </a:solidFill>
+              </a:rPr>
+              <a:t>Miss</a:t>
+            </a:r>
+            <a:r>
+              <a:rPr lang="ko-KR" altLang="en-US" sz="1679" b="1" dirty="0">
+                <a:solidFill>
+                  <a:srgbClr val="1C4587"/>
+                </a:solidFill>
+              </a:rPr>
+              <a:t> </a:t>
+            </a:r>
+            <a:r>
+              <a:rPr lang="en-US" altLang="ko-KR" sz="1679" b="1" dirty="0">
+                <a:solidFill>
+                  <a:srgbClr val="1C4587"/>
+                </a:solidFill>
+              </a:rPr>
+              <a:t>Shader</a:t>
+            </a:r>
+            <a:endParaRPr sz="1679" b="1" dirty="0">
+              <a:solidFill>
+                <a:srgbClr val="1C4587"/>
+              </a:solidFill>
+            </a:endParaRPr>
+          </a:p>
+        </p:txBody>
+      </p:sp>
+      <p:sp>
+        <p:nvSpPr>
+          <p:cNvPr id="69" name="Google Shape;69;p15"/>
+          <p:cNvSpPr txBox="1">
+            <a:spLocks noGrp="1"/>
+          </p:cNvSpPr>
+          <p:nvPr>
+            <p:ph type="ctrTitle"/>
+          </p:nvPr>
+        </p:nvSpPr>
+        <p:spPr>
+          <a:xfrm>
+            <a:off x="421300" y="908609"/>
+            <a:ext cx="7661434" cy="2274950"/>
+          </a:xfrm>
+          <a:prstGeom prst="rect">
+            <a:avLst/>
+          </a:prstGeom>
+        </p:spPr>
+        <p:txBody>
+          <a:bodyPr spcFirstLastPara="1" wrap="square" lIns="91425" tIns="91425" rIns="91425" bIns="91425" anchor="ctr" anchorCtr="0">
+            <a:noAutofit/>
+          </a:bodyPr>
+          <a:lstStyle/>
+          <a:p>
+            <a:pPr marL="139700" lvl="0" algn="l" rtl="0">
+              <a:spcBef>
+                <a:spcPts val="0"/>
+              </a:spcBef>
+              <a:spcAft>
+                <a:spcPts val="0"/>
+              </a:spcAft>
+              <a:buSzPts val="1400"/>
+            </a:pPr>
+            <a:br>
+              <a:rPr lang="en-US" altLang="ko-KR" sz="1200" b="1" dirty="0">
+                <a:solidFill>
+                  <a:schemeClr val="tx1"/>
+                </a:solidFill>
+              </a:rPr>
+            </a:br>
+            <a:endParaRPr sz="1200" b="1" dirty="0">
+              <a:solidFill>
+                <a:srgbClr val="1C4587"/>
+              </a:solidFill>
+            </a:endParaRPr>
+          </a:p>
+        </p:txBody>
+      </p:sp>
+      <p:sp>
+        <p:nvSpPr>
+          <p:cNvPr id="2" name="Google Shape;69;p15">
+            <a:extLst>
+              <a:ext uri="{FF2B5EF4-FFF2-40B4-BE49-F238E27FC236}">
+                <a16:creationId xmlns:a16="http://schemas.microsoft.com/office/drawing/2014/main" id="{C70932D0-5929-9480-36A6-01E3E350EE34}"/>
+              </a:ext>
+            </a:extLst>
+          </p:cNvPr>
+          <p:cNvSpPr txBox="1">
+            <a:spLocks/>
+          </p:cNvSpPr>
+          <p:nvPr/>
+        </p:nvSpPr>
+        <p:spPr>
+          <a:xfrm>
+            <a:off x="646852" y="880301"/>
+            <a:ext cx="6680540" cy="1165783"/>
+          </a:xfrm>
+          <a:prstGeom prst="rect">
+            <a:avLst/>
+          </a:prstGeom>
+          <a:noFill/>
+          <a:ln>
+            <a:noFill/>
+          </a:ln>
+        </p:spPr>
+        <p:txBody>
+          <a:bodyPr spcFirstLastPara="1" wrap="square" lIns="91425" tIns="91425" rIns="91425" bIns="91425" anchor="ctr" anchorCtr="0">
+            <a:noAutofit/>
+          </a:bodyPr>
+          <a:lstStyle>
+            <a:defPPr marR="0" lvl="0" algn="l" rtl="0">
+              <a:lnSpc>
+                <a:spcPct val="100000"/>
+              </a:lnSpc>
+              <a:spcBef>
+                <a:spcPts val="0"/>
+              </a:spcBef>
+              <a:spcAft>
+                <a:spcPts val="0"/>
+              </a:spcAft>
+            </a:defPPr>
+            <a:lvl1pPr marR="0" lvl="0" algn="ctr" rtl="0">
+              <a:lnSpc>
+                <a:spcPct val="100000"/>
+              </a:lnSpc>
+              <a:spcBef>
+                <a:spcPts val="0"/>
+              </a:spcBef>
+              <a:spcAft>
+                <a:spcPts val="0"/>
+              </a:spcAft>
+              <a:buClr>
+                <a:schemeClr val="dk1"/>
+              </a:buClr>
+              <a:buSzPts val="5200"/>
+              <a:buFont typeface="Arial"/>
+              <a:buNone/>
+              <a:defRPr sz="5200" b="0" i="0" u="none" strike="noStrike" cap="none">
+                <a:solidFill>
+                  <a:schemeClr val="dk1"/>
+                </a:solidFill>
+                <a:latin typeface="Arial"/>
+                <a:ea typeface="Arial"/>
+                <a:cs typeface="Arial"/>
+                <a:sym typeface="Arial"/>
+              </a:defRPr>
+            </a:lvl1pPr>
+            <a:lvl2pPr marR="0" lvl="1" algn="ctr" rtl="0">
+              <a:lnSpc>
+                <a:spcPct val="100000"/>
+              </a:lnSpc>
+              <a:spcBef>
+                <a:spcPts val="0"/>
+              </a:spcBef>
+              <a:spcAft>
+                <a:spcPts val="0"/>
+              </a:spcAft>
+              <a:buClr>
+                <a:schemeClr val="dk1"/>
+              </a:buClr>
+              <a:buSzPts val="5200"/>
+              <a:buFont typeface="Arial"/>
+              <a:buNone/>
+              <a:defRPr sz="5200" b="0" i="0" u="none" strike="noStrike" cap="none">
+                <a:solidFill>
+                  <a:schemeClr val="dk1"/>
+                </a:solidFill>
+                <a:latin typeface="Arial"/>
+                <a:ea typeface="Arial"/>
+                <a:cs typeface="Arial"/>
+                <a:sym typeface="Arial"/>
+              </a:defRPr>
+            </a:lvl2pPr>
+            <a:lvl3pPr marR="0" lvl="2" algn="ctr" rtl="0">
+              <a:lnSpc>
+                <a:spcPct val="100000"/>
+              </a:lnSpc>
+              <a:spcBef>
+                <a:spcPts val="0"/>
+              </a:spcBef>
+              <a:spcAft>
+                <a:spcPts val="0"/>
+              </a:spcAft>
+              <a:buClr>
+                <a:schemeClr val="dk1"/>
+              </a:buClr>
+              <a:buSzPts val="5200"/>
+              <a:buFont typeface="Arial"/>
+              <a:buNone/>
+              <a:defRPr sz="5200" b="0" i="0" u="none" strike="noStrike" cap="none">
+                <a:solidFill>
+                  <a:schemeClr val="dk1"/>
+                </a:solidFill>
+                <a:latin typeface="Arial"/>
+                <a:ea typeface="Arial"/>
+                <a:cs typeface="Arial"/>
+                <a:sym typeface="Arial"/>
+              </a:defRPr>
+            </a:lvl3pPr>
+            <a:lvl4pPr marR="0" lvl="3" algn="ctr" rtl="0">
+              <a:lnSpc>
+                <a:spcPct val="100000"/>
+              </a:lnSpc>
+              <a:spcBef>
+                <a:spcPts val="0"/>
+              </a:spcBef>
+              <a:spcAft>
+                <a:spcPts val="0"/>
+              </a:spcAft>
+              <a:buClr>
+                <a:schemeClr val="dk1"/>
+              </a:buClr>
+              <a:buSzPts val="5200"/>
+              <a:buFont typeface="Arial"/>
+              <a:buNone/>
+              <a:defRPr sz="5200" b="0" i="0" u="none" strike="noStrike" cap="none">
+                <a:solidFill>
+                  <a:schemeClr val="dk1"/>
+                </a:solidFill>
+                <a:latin typeface="Arial"/>
+                <a:ea typeface="Arial"/>
+                <a:cs typeface="Arial"/>
+                <a:sym typeface="Arial"/>
+              </a:defRPr>
+            </a:lvl4pPr>
+            <a:lvl5pPr marR="0" lvl="4" algn="ctr" rtl="0">
+              <a:lnSpc>
+                <a:spcPct val="100000"/>
+              </a:lnSpc>
+              <a:spcBef>
+                <a:spcPts val="0"/>
+              </a:spcBef>
+              <a:spcAft>
+                <a:spcPts val="0"/>
+              </a:spcAft>
+              <a:buClr>
+                <a:schemeClr val="dk1"/>
+              </a:buClr>
+              <a:buSzPts val="5200"/>
+              <a:buFont typeface="Arial"/>
+              <a:buNone/>
+              <a:defRPr sz="5200" b="0" i="0" u="none" strike="noStrike" cap="none">
+                <a:solidFill>
+                  <a:schemeClr val="dk1"/>
+                </a:solidFill>
+                <a:latin typeface="Arial"/>
+                <a:ea typeface="Arial"/>
+                <a:cs typeface="Arial"/>
+                <a:sym typeface="Arial"/>
+              </a:defRPr>
+            </a:lvl5pPr>
+            <a:lvl6pPr marR="0" lvl="5" algn="ctr" rtl="0">
+              <a:lnSpc>
+                <a:spcPct val="100000"/>
+              </a:lnSpc>
+              <a:spcBef>
+                <a:spcPts val="0"/>
+              </a:spcBef>
+              <a:spcAft>
+                <a:spcPts val="0"/>
+              </a:spcAft>
+              <a:buClr>
+                <a:schemeClr val="dk1"/>
+              </a:buClr>
+              <a:buSzPts val="5200"/>
+              <a:buFont typeface="Arial"/>
+              <a:buNone/>
+              <a:defRPr sz="5200" b="0" i="0" u="none" strike="noStrike" cap="none">
+                <a:solidFill>
+                  <a:schemeClr val="dk1"/>
+                </a:solidFill>
+                <a:latin typeface="Arial"/>
+                <a:ea typeface="Arial"/>
+                <a:cs typeface="Arial"/>
+                <a:sym typeface="Arial"/>
+              </a:defRPr>
+            </a:lvl6pPr>
+            <a:lvl7pPr marR="0" lvl="6" algn="ctr" rtl="0">
+              <a:lnSpc>
+                <a:spcPct val="100000"/>
+              </a:lnSpc>
+              <a:spcBef>
+                <a:spcPts val="0"/>
+              </a:spcBef>
+              <a:spcAft>
+                <a:spcPts val="0"/>
+              </a:spcAft>
+              <a:buClr>
+                <a:schemeClr val="dk1"/>
+              </a:buClr>
+              <a:buSzPts val="5200"/>
+              <a:buFont typeface="Arial"/>
+              <a:buNone/>
+              <a:defRPr sz="5200" b="0" i="0" u="none" strike="noStrike" cap="none">
+                <a:solidFill>
+                  <a:schemeClr val="dk1"/>
+                </a:solidFill>
+                <a:latin typeface="Arial"/>
+                <a:ea typeface="Arial"/>
+                <a:cs typeface="Arial"/>
+                <a:sym typeface="Arial"/>
+              </a:defRPr>
+            </a:lvl7pPr>
+            <a:lvl8pPr marR="0" lvl="7" algn="ctr" rtl="0">
+              <a:lnSpc>
+                <a:spcPct val="100000"/>
+              </a:lnSpc>
+              <a:spcBef>
+                <a:spcPts val="0"/>
+              </a:spcBef>
+              <a:spcAft>
+                <a:spcPts val="0"/>
+              </a:spcAft>
+              <a:buClr>
+                <a:schemeClr val="dk1"/>
+              </a:buClr>
+              <a:buSzPts val="5200"/>
+              <a:buFont typeface="Arial"/>
+              <a:buNone/>
+              <a:defRPr sz="5200" b="0" i="0" u="none" strike="noStrike" cap="none">
+                <a:solidFill>
+                  <a:schemeClr val="dk1"/>
+                </a:solidFill>
+                <a:latin typeface="Arial"/>
+                <a:ea typeface="Arial"/>
+                <a:cs typeface="Arial"/>
+                <a:sym typeface="Arial"/>
+              </a:defRPr>
+            </a:lvl8pPr>
+            <a:lvl9pPr marR="0" lvl="8" algn="ctr" rtl="0">
+              <a:lnSpc>
+                <a:spcPct val="100000"/>
+              </a:lnSpc>
+              <a:spcBef>
+                <a:spcPts val="0"/>
+              </a:spcBef>
+              <a:spcAft>
+                <a:spcPts val="0"/>
+              </a:spcAft>
+              <a:buClr>
+                <a:schemeClr val="dk1"/>
+              </a:buClr>
+              <a:buSzPts val="5200"/>
+              <a:buFont typeface="Arial"/>
+              <a:buNone/>
+              <a:defRPr sz="5200" b="0" i="0" u="none" strike="noStrike" cap="none">
+                <a:solidFill>
+                  <a:schemeClr val="dk1"/>
+                </a:solidFill>
+                <a:latin typeface="Arial"/>
+                <a:ea typeface="Arial"/>
+                <a:cs typeface="Arial"/>
+                <a:sym typeface="Arial"/>
+              </a:defRPr>
+            </a:lvl9pPr>
+          </a:lstStyle>
+          <a:p>
+            <a:pPr marL="139700" algn="l">
+              <a:buSzPts val="1400"/>
+            </a:pPr>
+            <a:br>
+              <a:rPr lang="ko-KR" altLang="en-US" sz="1200" b="1" dirty="0">
+                <a:solidFill>
+                  <a:schemeClr val="tx1"/>
+                </a:solidFill>
+              </a:rPr>
+            </a:br>
+            <a:r>
+              <a:rPr lang="ko-KR" altLang="en-US" sz="1200" b="1" dirty="0">
+                <a:solidFill>
+                  <a:schemeClr val="tx1"/>
+                </a:solidFill>
+              </a:rPr>
+              <a:t>형상과 </a:t>
+            </a:r>
+            <a:r>
+              <a:rPr lang="ko-KR" altLang="en-US" sz="1200" b="1" dirty="0" err="1">
+                <a:solidFill>
+                  <a:schemeClr val="tx1"/>
+                </a:solidFill>
+              </a:rPr>
+              <a:t>교차하지않는</a:t>
+            </a:r>
+            <a:r>
+              <a:rPr lang="ko-KR" altLang="en-US" sz="1200" b="1" dirty="0">
+                <a:solidFill>
+                  <a:schemeClr val="tx1"/>
+                </a:solidFill>
+              </a:rPr>
+              <a:t> 광선의 경우 지정된다</a:t>
+            </a:r>
+            <a:r>
+              <a:rPr lang="en-US" altLang="ko-KR" sz="1200" b="1" dirty="0">
+                <a:solidFill>
+                  <a:schemeClr val="tx1"/>
+                </a:solidFill>
+              </a:rPr>
+              <a:t>.</a:t>
+            </a:r>
+          </a:p>
+          <a:p>
+            <a:pPr marL="139700" algn="l">
+              <a:buSzPts val="1400"/>
+            </a:pPr>
+            <a:endParaRPr lang="en-US" altLang="ko-KR" sz="1200" b="1" dirty="0">
+              <a:solidFill>
+                <a:schemeClr val="tx1"/>
+              </a:solidFill>
+            </a:endParaRPr>
+          </a:p>
+          <a:p>
+            <a:pPr marL="139700" algn="l">
+              <a:buSzPts val="1400"/>
+            </a:pPr>
+            <a:r>
+              <a:rPr lang="ko-KR" altLang="en-US" sz="1200" b="1" dirty="0">
+                <a:solidFill>
+                  <a:schemeClr val="tx1"/>
+                </a:solidFill>
+              </a:rPr>
+              <a:t>광선 </a:t>
+            </a:r>
+            <a:r>
+              <a:rPr lang="en-US" altLang="ko-KR" sz="1200" b="1" dirty="0">
+                <a:solidFill>
+                  <a:schemeClr val="tx1"/>
+                </a:solidFill>
+              </a:rPr>
+              <a:t>Payload</a:t>
+            </a:r>
+            <a:r>
+              <a:rPr lang="ko-KR" altLang="en-US" sz="1200" b="1" dirty="0">
+                <a:solidFill>
+                  <a:schemeClr val="tx1"/>
+                </a:solidFill>
+              </a:rPr>
+              <a:t>를 수정하고 추가 광선을 </a:t>
+            </a:r>
+            <a:r>
+              <a:rPr lang="ko-KR" altLang="en-US" sz="1200" b="1" dirty="0" err="1">
+                <a:solidFill>
+                  <a:schemeClr val="tx1"/>
+                </a:solidFill>
+              </a:rPr>
+              <a:t>생설할</a:t>
+            </a:r>
+            <a:r>
+              <a:rPr lang="ko-KR" altLang="en-US" sz="1200" b="1" dirty="0">
+                <a:solidFill>
+                  <a:schemeClr val="tx1"/>
+                </a:solidFill>
+              </a:rPr>
+              <a:t> 수 있다</a:t>
+            </a:r>
+            <a:r>
+              <a:rPr lang="en-US" altLang="ko-KR" sz="1200" b="1" dirty="0">
+                <a:solidFill>
+                  <a:schemeClr val="tx1"/>
+                </a:solidFill>
+              </a:rPr>
+              <a:t>.</a:t>
+            </a:r>
+          </a:p>
+          <a:p>
+            <a:pPr marL="139700" algn="l">
+              <a:buSzPts val="1400"/>
+            </a:pPr>
+            <a:endParaRPr lang="en-US" altLang="ko-KR" sz="1200" b="1" dirty="0">
+              <a:solidFill>
+                <a:schemeClr val="tx1"/>
+              </a:solidFill>
+            </a:endParaRPr>
+          </a:p>
+          <a:p>
+            <a:pPr marL="139700" algn="l">
+              <a:buSzPts val="1400"/>
+            </a:pPr>
+            <a:r>
+              <a:rPr lang="ko-KR" altLang="en-US" sz="1200" b="1" dirty="0">
+                <a:solidFill>
+                  <a:schemeClr val="tx1"/>
+                </a:solidFill>
+              </a:rPr>
+              <a:t>사용가능한 교차 속성은 </a:t>
+            </a:r>
+            <a:r>
+              <a:rPr lang="ko-KR" altLang="en-US" sz="1200" b="1" dirty="0" err="1">
+                <a:solidFill>
+                  <a:schemeClr val="tx1"/>
+                </a:solidFill>
+              </a:rPr>
+              <a:t>존재하지않는다</a:t>
+            </a:r>
+            <a:r>
+              <a:rPr lang="en-US" altLang="ko-KR" sz="1200" b="1" dirty="0">
+                <a:solidFill>
+                  <a:schemeClr val="tx1"/>
+                </a:solidFill>
+              </a:rPr>
+              <a:t>.</a:t>
+            </a:r>
+            <a:endParaRPr lang="ko-KR" altLang="en-US" sz="1200" b="1" dirty="0">
+              <a:solidFill>
+                <a:srgbClr val="1C4587"/>
+              </a:solidFill>
+            </a:endParaRPr>
+          </a:p>
+        </p:txBody>
+      </p:sp>
+    </p:spTree>
+    <p:extLst>
+      <p:ext uri="{BB962C8B-B14F-4D97-AF65-F5344CB8AC3E}">
+        <p14:creationId xmlns:p14="http://schemas.microsoft.com/office/powerpoint/2010/main" val="201548399"/>
+      </p:ext>
+    </p:extLst>
+  </p:cSld>
+  <p:clrMapOvr>
+    <a:masterClrMapping/>
+  </p:clrMapOvr>
+</p:sld>
+</file>
+
 <file path=ppt/slides/slide2.xml><?xml version="1.0" encoding="utf-8"?>
+<p:sld xmlns:a="http://schemas.openxmlformats.org/drawingml/2006/main" xmlns:r="http://schemas.openxmlformats.org/officeDocument/2006/relationships" xmlns:p="http://schemas.openxmlformats.org/presentationml/2006/main">
+  <p:cSld>
+    <p:spTree>
+      <p:nvGrpSpPr>
+        <p:cNvPr id="1" name=""/>
+        <p:cNvGrpSpPr/>
+        <p:nvPr/>
+      </p:nvGrpSpPr>
+      <p:grpSpPr>
+        <a:xfrm>
+          <a:off x="0" y="0"/>
+          <a:ext cx="0" cy="0"/>
+          <a:chOff x="0" y="0"/>
+          <a:chExt cx="0" cy="0"/>
+        </a:xfrm>
+      </p:grpSpPr>
+      <p:pic>
+        <p:nvPicPr>
+          <p:cNvPr id="4" name="그림 3">
+            <a:extLst>
+              <a:ext uri="{FF2B5EF4-FFF2-40B4-BE49-F238E27FC236}">
+                <a16:creationId xmlns:a16="http://schemas.microsoft.com/office/drawing/2014/main" id="{A0591B35-32B9-51DD-5803-ADDAE17ABE24}"/>
+              </a:ext>
+            </a:extLst>
+          </p:cNvPr>
+          <p:cNvPicPr>
+            <a:picLocks noChangeAspect="1"/>
+          </p:cNvPicPr>
+          <p:nvPr/>
+        </p:nvPicPr>
+        <p:blipFill>
+          <a:blip r:embed="rId2"/>
+          <a:stretch>
+            <a:fillRect/>
+          </a:stretch>
+        </p:blipFill>
+        <p:spPr>
+          <a:xfrm>
+            <a:off x="1892632" y="0"/>
+            <a:ext cx="5041744" cy="2730945"/>
+          </a:xfrm>
+          <a:prstGeom prst="rect">
+            <a:avLst/>
+          </a:prstGeom>
+        </p:spPr>
+      </p:pic>
+      <p:sp>
+        <p:nvSpPr>
+          <p:cNvPr id="5" name="Google Shape;60;p14">
+            <a:extLst>
+              <a:ext uri="{FF2B5EF4-FFF2-40B4-BE49-F238E27FC236}">
+                <a16:creationId xmlns:a16="http://schemas.microsoft.com/office/drawing/2014/main" id="{3DD065BE-C7DF-740C-F792-5E5D56E362DA}"/>
+              </a:ext>
+            </a:extLst>
+          </p:cNvPr>
+          <p:cNvSpPr txBox="1">
+            <a:spLocks/>
+          </p:cNvSpPr>
+          <p:nvPr/>
+        </p:nvSpPr>
+        <p:spPr>
+          <a:xfrm>
+            <a:off x="316288" y="303775"/>
+            <a:ext cx="2597600" cy="464322"/>
+          </a:xfrm>
+          <a:prstGeom prst="rect">
+            <a:avLst/>
+          </a:prstGeom>
+          <a:noFill/>
+          <a:ln>
+            <a:noFill/>
+          </a:ln>
+        </p:spPr>
+        <p:txBody>
+          <a:bodyPr spcFirstLastPara="1" wrap="square" lIns="91425" tIns="91425" rIns="91425" bIns="91425" anchor="b" anchorCtr="0">
+            <a:noAutofit/>
+          </a:bodyPr>
+          <a:lstStyle>
+            <a:defPPr marR="0" lvl="0" algn="l" rtl="0">
+              <a:lnSpc>
+                <a:spcPct val="100000"/>
+              </a:lnSpc>
+              <a:spcBef>
+                <a:spcPts val="0"/>
+              </a:spcBef>
+              <a:spcAft>
+                <a:spcPts val="0"/>
+              </a:spcAft>
+            </a:defPPr>
+            <a:lvl1pPr marR="0" lvl="0" algn="ctr" rtl="0">
+              <a:lnSpc>
+                <a:spcPct val="100000"/>
+              </a:lnSpc>
+              <a:spcBef>
+                <a:spcPts val="0"/>
+              </a:spcBef>
+              <a:spcAft>
+                <a:spcPts val="0"/>
+              </a:spcAft>
+              <a:buClr>
+                <a:schemeClr val="dk1"/>
+              </a:buClr>
+              <a:buSzPts val="3600"/>
+              <a:buFont typeface="Arial"/>
+              <a:buNone/>
+              <a:defRPr sz="3600" b="0" i="0" u="none" strike="noStrike" cap="none">
+                <a:solidFill>
+                  <a:schemeClr val="dk1"/>
+                </a:solidFill>
+                <a:latin typeface="Arial"/>
+                <a:ea typeface="Arial"/>
+                <a:cs typeface="Arial"/>
+                <a:sym typeface="Arial"/>
+              </a:defRPr>
+            </a:lvl1pPr>
+            <a:lvl2pPr marR="0" lvl="1" algn="ctr" rtl="0">
+              <a:lnSpc>
+                <a:spcPct val="100000"/>
+              </a:lnSpc>
+              <a:spcBef>
+                <a:spcPts val="0"/>
+              </a:spcBef>
+              <a:spcAft>
+                <a:spcPts val="0"/>
+              </a:spcAft>
+              <a:buClr>
+                <a:schemeClr val="dk1"/>
+              </a:buClr>
+              <a:buSzPts val="3600"/>
+              <a:buFont typeface="Arial"/>
+              <a:buNone/>
+              <a:defRPr sz="3600" b="0" i="0" u="none" strike="noStrike" cap="none">
+                <a:solidFill>
+                  <a:schemeClr val="dk1"/>
+                </a:solidFill>
+                <a:latin typeface="Arial"/>
+                <a:ea typeface="Arial"/>
+                <a:cs typeface="Arial"/>
+                <a:sym typeface="Arial"/>
+              </a:defRPr>
+            </a:lvl2pPr>
+            <a:lvl3pPr marR="0" lvl="2" algn="ctr" rtl="0">
+              <a:lnSpc>
+                <a:spcPct val="100000"/>
+              </a:lnSpc>
+              <a:spcBef>
+                <a:spcPts val="0"/>
+              </a:spcBef>
+              <a:spcAft>
+                <a:spcPts val="0"/>
+              </a:spcAft>
+              <a:buClr>
+                <a:schemeClr val="dk1"/>
+              </a:buClr>
+              <a:buSzPts val="3600"/>
+              <a:buFont typeface="Arial"/>
+              <a:buNone/>
+              <a:defRPr sz="3600" b="0" i="0" u="none" strike="noStrike" cap="none">
+                <a:solidFill>
+                  <a:schemeClr val="dk1"/>
+                </a:solidFill>
+                <a:latin typeface="Arial"/>
+                <a:ea typeface="Arial"/>
+                <a:cs typeface="Arial"/>
+                <a:sym typeface="Arial"/>
+              </a:defRPr>
+            </a:lvl3pPr>
+            <a:lvl4pPr marR="0" lvl="3" algn="ctr" rtl="0">
+              <a:lnSpc>
+                <a:spcPct val="100000"/>
+              </a:lnSpc>
+              <a:spcBef>
+                <a:spcPts val="0"/>
+              </a:spcBef>
+              <a:spcAft>
+                <a:spcPts val="0"/>
+              </a:spcAft>
+              <a:buClr>
+                <a:schemeClr val="dk1"/>
+              </a:buClr>
+              <a:buSzPts val="3600"/>
+              <a:buFont typeface="Arial"/>
+              <a:buNone/>
+              <a:defRPr sz="3600" b="0" i="0" u="none" strike="noStrike" cap="none">
+                <a:solidFill>
+                  <a:schemeClr val="dk1"/>
+                </a:solidFill>
+                <a:latin typeface="Arial"/>
+                <a:ea typeface="Arial"/>
+                <a:cs typeface="Arial"/>
+                <a:sym typeface="Arial"/>
+              </a:defRPr>
+            </a:lvl4pPr>
+            <a:lvl5pPr marR="0" lvl="4" algn="ctr" rtl="0">
+              <a:lnSpc>
+                <a:spcPct val="100000"/>
+              </a:lnSpc>
+              <a:spcBef>
+                <a:spcPts val="0"/>
+              </a:spcBef>
+              <a:spcAft>
+                <a:spcPts val="0"/>
+              </a:spcAft>
+              <a:buClr>
+                <a:schemeClr val="dk1"/>
+              </a:buClr>
+              <a:buSzPts val="3600"/>
+              <a:buFont typeface="Arial"/>
+              <a:buNone/>
+              <a:defRPr sz="3600" b="0" i="0" u="none" strike="noStrike" cap="none">
+                <a:solidFill>
+                  <a:schemeClr val="dk1"/>
+                </a:solidFill>
+                <a:latin typeface="Arial"/>
+                <a:ea typeface="Arial"/>
+                <a:cs typeface="Arial"/>
+                <a:sym typeface="Arial"/>
+              </a:defRPr>
+            </a:lvl5pPr>
+            <a:lvl6pPr marR="0" lvl="5" algn="ctr" rtl="0">
+              <a:lnSpc>
+                <a:spcPct val="100000"/>
+              </a:lnSpc>
+              <a:spcBef>
+                <a:spcPts val="0"/>
+              </a:spcBef>
+              <a:spcAft>
+                <a:spcPts val="0"/>
+              </a:spcAft>
+              <a:buClr>
+                <a:schemeClr val="dk1"/>
+              </a:buClr>
+              <a:buSzPts val="3600"/>
+              <a:buFont typeface="Arial"/>
+              <a:buNone/>
+              <a:defRPr sz="3600" b="0" i="0" u="none" strike="noStrike" cap="none">
+                <a:solidFill>
+                  <a:schemeClr val="dk1"/>
+                </a:solidFill>
+                <a:latin typeface="Arial"/>
+                <a:ea typeface="Arial"/>
+                <a:cs typeface="Arial"/>
+                <a:sym typeface="Arial"/>
+              </a:defRPr>
+            </a:lvl6pPr>
+            <a:lvl7pPr marR="0" lvl="6" algn="ctr" rtl="0">
+              <a:lnSpc>
+                <a:spcPct val="100000"/>
+              </a:lnSpc>
+              <a:spcBef>
+                <a:spcPts val="0"/>
+              </a:spcBef>
+              <a:spcAft>
+                <a:spcPts val="0"/>
+              </a:spcAft>
+              <a:buClr>
+                <a:schemeClr val="dk1"/>
+              </a:buClr>
+              <a:buSzPts val="3600"/>
+              <a:buFont typeface="Arial"/>
+              <a:buNone/>
+              <a:defRPr sz="3600" b="0" i="0" u="none" strike="noStrike" cap="none">
+                <a:solidFill>
+                  <a:schemeClr val="dk1"/>
+                </a:solidFill>
+                <a:latin typeface="Arial"/>
+                <a:ea typeface="Arial"/>
+                <a:cs typeface="Arial"/>
+                <a:sym typeface="Arial"/>
+              </a:defRPr>
+            </a:lvl7pPr>
+            <a:lvl8pPr marR="0" lvl="7" algn="ctr" rtl="0">
+              <a:lnSpc>
+                <a:spcPct val="100000"/>
+              </a:lnSpc>
+              <a:spcBef>
+                <a:spcPts val="0"/>
+              </a:spcBef>
+              <a:spcAft>
+                <a:spcPts val="0"/>
+              </a:spcAft>
+              <a:buClr>
+                <a:schemeClr val="dk1"/>
+              </a:buClr>
+              <a:buSzPts val="3600"/>
+              <a:buFont typeface="Arial"/>
+              <a:buNone/>
+              <a:defRPr sz="3600" b="0" i="0" u="none" strike="noStrike" cap="none">
+                <a:solidFill>
+                  <a:schemeClr val="dk1"/>
+                </a:solidFill>
+                <a:latin typeface="Arial"/>
+                <a:ea typeface="Arial"/>
+                <a:cs typeface="Arial"/>
+                <a:sym typeface="Arial"/>
+              </a:defRPr>
+            </a:lvl8pPr>
+            <a:lvl9pPr marR="0" lvl="8" algn="ctr" rtl="0">
+              <a:lnSpc>
+                <a:spcPct val="100000"/>
+              </a:lnSpc>
+              <a:spcBef>
+                <a:spcPts val="0"/>
+              </a:spcBef>
+              <a:spcAft>
+                <a:spcPts val="0"/>
+              </a:spcAft>
+              <a:buClr>
+                <a:schemeClr val="dk1"/>
+              </a:buClr>
+              <a:buSzPts val="3600"/>
+              <a:buFont typeface="Arial"/>
+              <a:buNone/>
+              <a:defRPr sz="3600" b="0" i="0" u="none" strike="noStrike" cap="none">
+                <a:solidFill>
+                  <a:schemeClr val="dk1"/>
+                </a:solidFill>
+                <a:latin typeface="Arial"/>
+                <a:ea typeface="Arial"/>
+                <a:cs typeface="Arial"/>
+                <a:sym typeface="Arial"/>
+              </a:defRPr>
+            </a:lvl9pPr>
+          </a:lstStyle>
+          <a:p>
+            <a:pPr>
+              <a:buSzPts val="990"/>
+            </a:pPr>
+            <a:r>
+              <a:rPr lang="en-US" sz="1679" b="1" dirty="0">
+                <a:solidFill>
+                  <a:srgbClr val="1C4587"/>
+                </a:solidFill>
+              </a:rPr>
+              <a:t>RTX API </a:t>
+            </a:r>
+            <a:r>
+              <a:rPr lang="en-US" sz="1679" b="1" dirty="0" err="1">
+                <a:solidFill>
+                  <a:srgbClr val="1C4587"/>
+                </a:solidFill>
+              </a:rPr>
+              <a:t>PipeLine</a:t>
+            </a:r>
+            <a:endParaRPr lang="en-US" sz="1679" b="1" dirty="0">
+              <a:solidFill>
+                <a:srgbClr val="1C4587"/>
+              </a:solidFill>
+            </a:endParaRPr>
+          </a:p>
+        </p:txBody>
+      </p:sp>
+      <p:sp>
+        <p:nvSpPr>
+          <p:cNvPr id="7" name="Google Shape;69;p15">
+            <a:extLst>
+              <a:ext uri="{FF2B5EF4-FFF2-40B4-BE49-F238E27FC236}">
+                <a16:creationId xmlns:a16="http://schemas.microsoft.com/office/drawing/2014/main" id="{FD0D2A07-AB19-4E49-8023-FBB6CB2B04EF}"/>
+              </a:ext>
+            </a:extLst>
+          </p:cNvPr>
+          <p:cNvSpPr txBox="1">
+            <a:spLocks/>
+          </p:cNvSpPr>
+          <p:nvPr/>
+        </p:nvSpPr>
+        <p:spPr>
+          <a:xfrm>
+            <a:off x="744388" y="2730945"/>
+            <a:ext cx="6680540" cy="1987359"/>
+          </a:xfrm>
+          <a:prstGeom prst="rect">
+            <a:avLst/>
+          </a:prstGeom>
+          <a:noFill/>
+          <a:ln>
+            <a:noFill/>
+          </a:ln>
+        </p:spPr>
+        <p:txBody>
+          <a:bodyPr spcFirstLastPara="1" wrap="square" lIns="91425" tIns="91425" rIns="91425" bIns="91425" anchor="ctr" anchorCtr="0">
+            <a:noAutofit/>
+          </a:bodyPr>
+          <a:lstStyle>
+            <a:defPPr marR="0" lvl="0" algn="l" rtl="0">
+              <a:lnSpc>
+                <a:spcPct val="100000"/>
+              </a:lnSpc>
+              <a:spcBef>
+                <a:spcPts val="0"/>
+              </a:spcBef>
+              <a:spcAft>
+                <a:spcPts val="0"/>
+              </a:spcAft>
+            </a:defPPr>
+            <a:lvl1pPr marR="0" lvl="0" algn="ctr" rtl="0">
+              <a:lnSpc>
+                <a:spcPct val="100000"/>
+              </a:lnSpc>
+              <a:spcBef>
+                <a:spcPts val="0"/>
+              </a:spcBef>
+              <a:spcAft>
+                <a:spcPts val="0"/>
+              </a:spcAft>
+              <a:buClr>
+                <a:schemeClr val="dk1"/>
+              </a:buClr>
+              <a:buSzPts val="5200"/>
+              <a:buFont typeface="Arial"/>
+              <a:buNone/>
+              <a:defRPr sz="5200" b="0" i="0" u="none" strike="noStrike" cap="none">
+                <a:solidFill>
+                  <a:schemeClr val="dk1"/>
+                </a:solidFill>
+                <a:latin typeface="Arial"/>
+                <a:ea typeface="Arial"/>
+                <a:cs typeface="Arial"/>
+                <a:sym typeface="Arial"/>
+              </a:defRPr>
+            </a:lvl1pPr>
+            <a:lvl2pPr marR="0" lvl="1" algn="ctr" rtl="0">
+              <a:lnSpc>
+                <a:spcPct val="100000"/>
+              </a:lnSpc>
+              <a:spcBef>
+                <a:spcPts val="0"/>
+              </a:spcBef>
+              <a:spcAft>
+                <a:spcPts val="0"/>
+              </a:spcAft>
+              <a:buClr>
+                <a:schemeClr val="dk1"/>
+              </a:buClr>
+              <a:buSzPts val="5200"/>
+              <a:buFont typeface="Arial"/>
+              <a:buNone/>
+              <a:defRPr sz="5200" b="0" i="0" u="none" strike="noStrike" cap="none">
+                <a:solidFill>
+                  <a:schemeClr val="dk1"/>
+                </a:solidFill>
+                <a:latin typeface="Arial"/>
+                <a:ea typeface="Arial"/>
+                <a:cs typeface="Arial"/>
+                <a:sym typeface="Arial"/>
+              </a:defRPr>
+            </a:lvl2pPr>
+            <a:lvl3pPr marR="0" lvl="2" algn="ctr" rtl="0">
+              <a:lnSpc>
+                <a:spcPct val="100000"/>
+              </a:lnSpc>
+              <a:spcBef>
+                <a:spcPts val="0"/>
+              </a:spcBef>
+              <a:spcAft>
+                <a:spcPts val="0"/>
+              </a:spcAft>
+              <a:buClr>
+                <a:schemeClr val="dk1"/>
+              </a:buClr>
+              <a:buSzPts val="5200"/>
+              <a:buFont typeface="Arial"/>
+              <a:buNone/>
+              <a:defRPr sz="5200" b="0" i="0" u="none" strike="noStrike" cap="none">
+                <a:solidFill>
+                  <a:schemeClr val="dk1"/>
+                </a:solidFill>
+                <a:latin typeface="Arial"/>
+                <a:ea typeface="Arial"/>
+                <a:cs typeface="Arial"/>
+                <a:sym typeface="Arial"/>
+              </a:defRPr>
+            </a:lvl3pPr>
+            <a:lvl4pPr marR="0" lvl="3" algn="ctr" rtl="0">
+              <a:lnSpc>
+                <a:spcPct val="100000"/>
+              </a:lnSpc>
+              <a:spcBef>
+                <a:spcPts val="0"/>
+              </a:spcBef>
+              <a:spcAft>
+                <a:spcPts val="0"/>
+              </a:spcAft>
+              <a:buClr>
+                <a:schemeClr val="dk1"/>
+              </a:buClr>
+              <a:buSzPts val="5200"/>
+              <a:buFont typeface="Arial"/>
+              <a:buNone/>
+              <a:defRPr sz="5200" b="0" i="0" u="none" strike="noStrike" cap="none">
+                <a:solidFill>
+                  <a:schemeClr val="dk1"/>
+                </a:solidFill>
+                <a:latin typeface="Arial"/>
+                <a:ea typeface="Arial"/>
+                <a:cs typeface="Arial"/>
+                <a:sym typeface="Arial"/>
+              </a:defRPr>
+            </a:lvl4pPr>
+            <a:lvl5pPr marR="0" lvl="4" algn="ctr" rtl="0">
+              <a:lnSpc>
+                <a:spcPct val="100000"/>
+              </a:lnSpc>
+              <a:spcBef>
+                <a:spcPts val="0"/>
+              </a:spcBef>
+              <a:spcAft>
+                <a:spcPts val="0"/>
+              </a:spcAft>
+              <a:buClr>
+                <a:schemeClr val="dk1"/>
+              </a:buClr>
+              <a:buSzPts val="5200"/>
+              <a:buFont typeface="Arial"/>
+              <a:buNone/>
+              <a:defRPr sz="5200" b="0" i="0" u="none" strike="noStrike" cap="none">
+                <a:solidFill>
+                  <a:schemeClr val="dk1"/>
+                </a:solidFill>
+                <a:latin typeface="Arial"/>
+                <a:ea typeface="Arial"/>
+                <a:cs typeface="Arial"/>
+                <a:sym typeface="Arial"/>
+              </a:defRPr>
+            </a:lvl5pPr>
+            <a:lvl6pPr marR="0" lvl="5" algn="ctr" rtl="0">
+              <a:lnSpc>
+                <a:spcPct val="100000"/>
+              </a:lnSpc>
+              <a:spcBef>
+                <a:spcPts val="0"/>
+              </a:spcBef>
+              <a:spcAft>
+                <a:spcPts val="0"/>
+              </a:spcAft>
+              <a:buClr>
+                <a:schemeClr val="dk1"/>
+              </a:buClr>
+              <a:buSzPts val="5200"/>
+              <a:buFont typeface="Arial"/>
+              <a:buNone/>
+              <a:defRPr sz="5200" b="0" i="0" u="none" strike="noStrike" cap="none">
+                <a:solidFill>
+                  <a:schemeClr val="dk1"/>
+                </a:solidFill>
+                <a:latin typeface="Arial"/>
+                <a:ea typeface="Arial"/>
+                <a:cs typeface="Arial"/>
+                <a:sym typeface="Arial"/>
+              </a:defRPr>
+            </a:lvl6pPr>
+            <a:lvl7pPr marR="0" lvl="6" algn="ctr" rtl="0">
+              <a:lnSpc>
+                <a:spcPct val="100000"/>
+              </a:lnSpc>
+              <a:spcBef>
+                <a:spcPts val="0"/>
+              </a:spcBef>
+              <a:spcAft>
+                <a:spcPts val="0"/>
+              </a:spcAft>
+              <a:buClr>
+                <a:schemeClr val="dk1"/>
+              </a:buClr>
+              <a:buSzPts val="5200"/>
+              <a:buFont typeface="Arial"/>
+              <a:buNone/>
+              <a:defRPr sz="5200" b="0" i="0" u="none" strike="noStrike" cap="none">
+                <a:solidFill>
+                  <a:schemeClr val="dk1"/>
+                </a:solidFill>
+                <a:latin typeface="Arial"/>
+                <a:ea typeface="Arial"/>
+                <a:cs typeface="Arial"/>
+                <a:sym typeface="Arial"/>
+              </a:defRPr>
+            </a:lvl7pPr>
+            <a:lvl8pPr marR="0" lvl="7" algn="ctr" rtl="0">
+              <a:lnSpc>
+                <a:spcPct val="100000"/>
+              </a:lnSpc>
+              <a:spcBef>
+                <a:spcPts val="0"/>
+              </a:spcBef>
+              <a:spcAft>
+                <a:spcPts val="0"/>
+              </a:spcAft>
+              <a:buClr>
+                <a:schemeClr val="dk1"/>
+              </a:buClr>
+              <a:buSzPts val="5200"/>
+              <a:buFont typeface="Arial"/>
+              <a:buNone/>
+              <a:defRPr sz="5200" b="0" i="0" u="none" strike="noStrike" cap="none">
+                <a:solidFill>
+                  <a:schemeClr val="dk1"/>
+                </a:solidFill>
+                <a:latin typeface="Arial"/>
+                <a:ea typeface="Arial"/>
+                <a:cs typeface="Arial"/>
+                <a:sym typeface="Arial"/>
+              </a:defRPr>
+            </a:lvl8pPr>
+            <a:lvl9pPr marR="0" lvl="8" algn="ctr" rtl="0">
+              <a:lnSpc>
+                <a:spcPct val="100000"/>
+              </a:lnSpc>
+              <a:spcBef>
+                <a:spcPts val="0"/>
+              </a:spcBef>
+              <a:spcAft>
+                <a:spcPts val="0"/>
+              </a:spcAft>
+              <a:buClr>
+                <a:schemeClr val="dk1"/>
+              </a:buClr>
+              <a:buSzPts val="5200"/>
+              <a:buFont typeface="Arial"/>
+              <a:buNone/>
+              <a:defRPr sz="5200" b="0" i="0" u="none" strike="noStrike" cap="none">
+                <a:solidFill>
+                  <a:schemeClr val="dk1"/>
+                </a:solidFill>
+                <a:latin typeface="Arial"/>
+                <a:ea typeface="Arial"/>
+                <a:cs typeface="Arial"/>
+                <a:sym typeface="Arial"/>
+              </a:defRPr>
+            </a:lvl9pPr>
+          </a:lstStyle>
+          <a:p>
+            <a:pPr marL="368300" indent="-228600" algn="l">
+              <a:lnSpc>
+                <a:spcPct val="150000"/>
+              </a:lnSpc>
+              <a:buSzPts val="1400"/>
+              <a:buAutoNum type="alphaLcParenBoth"/>
+            </a:pPr>
+            <a:r>
+              <a:rPr lang="ko-KR" altLang="en-US" sz="1000" b="1" dirty="0">
+                <a:solidFill>
+                  <a:srgbClr val="1C4587"/>
+                </a:solidFill>
+              </a:rPr>
+              <a:t> 광선은 광선 생성 </a:t>
+            </a:r>
+            <a:r>
+              <a:rPr lang="ko-KR" altLang="en-US" sz="1000" b="1" dirty="0" err="1">
+                <a:solidFill>
+                  <a:srgbClr val="1C4587"/>
+                </a:solidFill>
+              </a:rPr>
+              <a:t>쉐이더에서</a:t>
+            </a:r>
+            <a:r>
+              <a:rPr lang="ko-KR" altLang="en-US" sz="1000" b="1" dirty="0">
+                <a:solidFill>
+                  <a:srgbClr val="1C4587"/>
+                </a:solidFill>
+              </a:rPr>
+              <a:t> 추적되고 가속구조를 통과한다</a:t>
+            </a:r>
+            <a:r>
+              <a:rPr lang="en-US" altLang="ko-KR" sz="1000" b="1" dirty="0">
+                <a:solidFill>
+                  <a:srgbClr val="1C4587"/>
+                </a:solidFill>
+              </a:rPr>
+              <a:t>.</a:t>
+            </a:r>
+          </a:p>
+          <a:p>
+            <a:pPr marL="368300" indent="-228600" algn="l">
+              <a:lnSpc>
+                <a:spcPct val="150000"/>
+              </a:lnSpc>
+              <a:buSzPts val="1400"/>
+              <a:buAutoNum type="alphaLcParenBoth"/>
+            </a:pPr>
+            <a:r>
+              <a:rPr lang="ko-KR" altLang="en-US" sz="1000" b="1" dirty="0">
+                <a:solidFill>
+                  <a:srgbClr val="1C4587"/>
+                </a:solidFill>
+              </a:rPr>
+              <a:t> 순회하는 동안 광선은 가속 구조의 </a:t>
+            </a:r>
+            <a:r>
+              <a:rPr lang="ko-KR" altLang="en-US" sz="1000" b="1" dirty="0" err="1">
+                <a:solidFill>
+                  <a:srgbClr val="1C4587"/>
+                </a:solidFill>
+              </a:rPr>
+              <a:t>리프노드에서</a:t>
+            </a:r>
+            <a:r>
+              <a:rPr lang="ko-KR" altLang="en-US" sz="1000" b="1" dirty="0">
+                <a:solidFill>
+                  <a:srgbClr val="1C4587"/>
+                </a:solidFill>
+              </a:rPr>
+              <a:t> </a:t>
+            </a:r>
+            <a:r>
+              <a:rPr lang="ko-KR" altLang="en-US" sz="1000" b="1" dirty="0" err="1">
+                <a:solidFill>
+                  <a:srgbClr val="1C4587"/>
+                </a:solidFill>
+              </a:rPr>
+              <a:t>프리미티브에</a:t>
+            </a:r>
+            <a:r>
+              <a:rPr lang="ko-KR" altLang="en-US" sz="1000" b="1" dirty="0">
+                <a:solidFill>
+                  <a:srgbClr val="1C4587"/>
+                </a:solidFill>
+              </a:rPr>
+              <a:t> 대해 테스트 되지만</a:t>
+            </a:r>
+            <a:r>
+              <a:rPr lang="en-US" altLang="ko-KR" sz="1000" b="1" dirty="0">
+                <a:solidFill>
+                  <a:srgbClr val="1C4587"/>
+                </a:solidFill>
+              </a:rPr>
+              <a:t>, </a:t>
+            </a:r>
+            <a:r>
+              <a:rPr lang="ko-KR" altLang="en-US" sz="1000" b="1" dirty="0">
+                <a:solidFill>
+                  <a:srgbClr val="1C4587"/>
+                </a:solidFill>
+              </a:rPr>
+              <a:t>삼각형의 경우 교차 </a:t>
+            </a:r>
+            <a:r>
+              <a:rPr lang="ko-KR" altLang="en-US" sz="1000" b="1" dirty="0" err="1">
+                <a:solidFill>
+                  <a:srgbClr val="1C4587"/>
+                </a:solidFill>
+              </a:rPr>
+              <a:t>쉐이더는</a:t>
+            </a:r>
+            <a:r>
+              <a:rPr lang="ko-KR" altLang="en-US" sz="1000" b="1" dirty="0">
+                <a:solidFill>
+                  <a:srgbClr val="1C4587"/>
+                </a:solidFill>
+              </a:rPr>
+              <a:t> 하드웨어에서 수행되므로 테스트의 필요가 없다</a:t>
+            </a:r>
+            <a:r>
+              <a:rPr lang="en-US" altLang="ko-KR" sz="1000" b="1" dirty="0">
+                <a:solidFill>
+                  <a:srgbClr val="1C4587"/>
+                </a:solidFill>
+              </a:rPr>
+              <a:t>.</a:t>
+            </a:r>
+          </a:p>
+          <a:p>
+            <a:pPr marL="368300" indent="-228600" algn="l">
+              <a:lnSpc>
+                <a:spcPct val="150000"/>
+              </a:lnSpc>
+              <a:buSzPts val="1400"/>
+              <a:buAutoNum type="alphaLcParenBoth"/>
+            </a:pPr>
+            <a:r>
+              <a:rPr lang="en-US" altLang="ko-KR" sz="1000" b="1" dirty="0">
+                <a:solidFill>
+                  <a:srgbClr val="1C4587"/>
+                </a:solidFill>
+              </a:rPr>
+              <a:t> </a:t>
+            </a:r>
+            <a:r>
+              <a:rPr lang="ko-KR" altLang="en-US" sz="1000" b="1" dirty="0">
+                <a:solidFill>
+                  <a:srgbClr val="1C4587"/>
+                </a:solidFill>
+              </a:rPr>
+              <a:t>교차점이 발견되면 </a:t>
+            </a:r>
+            <a:r>
+              <a:rPr lang="en-US" altLang="ko-KR" sz="1000" b="1" dirty="0">
+                <a:solidFill>
+                  <a:srgbClr val="1C4587"/>
+                </a:solidFill>
+              </a:rPr>
+              <a:t>“</a:t>
+            </a:r>
+            <a:r>
+              <a:rPr lang="ko-KR" altLang="en-US" sz="1000" b="1" dirty="0">
+                <a:solidFill>
+                  <a:srgbClr val="1C4587"/>
+                </a:solidFill>
+              </a:rPr>
+              <a:t>모든 히트 </a:t>
+            </a:r>
+            <a:r>
+              <a:rPr lang="ko-KR" altLang="en-US" sz="1000" b="1" dirty="0" err="1">
+                <a:solidFill>
+                  <a:srgbClr val="1C4587"/>
+                </a:solidFill>
+              </a:rPr>
+              <a:t>쉐이더</a:t>
+            </a:r>
+            <a:r>
+              <a:rPr lang="en-US" altLang="ko-KR" sz="1000" b="1" dirty="0">
+                <a:solidFill>
+                  <a:srgbClr val="1C4587"/>
+                </a:solidFill>
+              </a:rPr>
+              <a:t>” </a:t>
+            </a:r>
+            <a:r>
+              <a:rPr lang="ko-KR" altLang="en-US" sz="1000" b="1" dirty="0">
+                <a:solidFill>
+                  <a:srgbClr val="1C4587"/>
+                </a:solidFill>
+              </a:rPr>
+              <a:t>가 호출된다</a:t>
+            </a:r>
+            <a:r>
+              <a:rPr lang="en-US" altLang="ko-KR" sz="1000" b="1" dirty="0">
+                <a:solidFill>
+                  <a:srgbClr val="1C4587"/>
+                </a:solidFill>
+              </a:rPr>
+              <a:t>.</a:t>
+            </a:r>
+          </a:p>
+          <a:p>
+            <a:pPr marL="368300" indent="-228600" algn="l">
+              <a:lnSpc>
+                <a:spcPct val="150000"/>
+              </a:lnSpc>
+              <a:buSzPts val="1400"/>
+              <a:buAutoNum type="alphaLcParenBoth"/>
+            </a:pPr>
+            <a:r>
+              <a:rPr lang="ko-KR" altLang="en-US" sz="1000" b="1" dirty="0">
+                <a:solidFill>
+                  <a:srgbClr val="1C4587"/>
+                </a:solidFill>
+              </a:rPr>
+              <a:t> 순회가 완료되고</a:t>
+            </a:r>
+            <a:r>
+              <a:rPr lang="en-US" altLang="ko-KR" sz="1000" b="1" dirty="0">
+                <a:solidFill>
+                  <a:srgbClr val="1C4587"/>
+                </a:solidFill>
+              </a:rPr>
+              <a:t>, </a:t>
+            </a:r>
+            <a:r>
+              <a:rPr lang="ko-KR" altLang="en-US" sz="1000" b="1" dirty="0">
+                <a:solidFill>
+                  <a:srgbClr val="1C4587"/>
+                </a:solidFill>
+              </a:rPr>
+              <a:t>히트가 발견되면 히트 기하학의 </a:t>
+            </a:r>
+            <a:r>
+              <a:rPr lang="en-US" altLang="ko-KR" sz="1000" b="1" dirty="0">
+                <a:solidFill>
+                  <a:srgbClr val="1C4587"/>
+                </a:solidFill>
+              </a:rPr>
+              <a:t>“ </a:t>
+            </a:r>
+            <a:r>
+              <a:rPr lang="ko-KR" altLang="en-US" sz="1000" b="1" dirty="0">
+                <a:solidFill>
+                  <a:srgbClr val="1C4587"/>
+                </a:solidFill>
+              </a:rPr>
+              <a:t>최근접 히트 </a:t>
+            </a:r>
+            <a:r>
+              <a:rPr lang="ko-KR" altLang="en-US" sz="1000" b="1" dirty="0" err="1">
+                <a:solidFill>
+                  <a:srgbClr val="1C4587"/>
+                </a:solidFill>
+              </a:rPr>
+              <a:t>쉐이더</a:t>
+            </a:r>
+            <a:r>
+              <a:rPr lang="en-US" altLang="ko-KR" sz="1000" b="1" dirty="0">
+                <a:solidFill>
+                  <a:srgbClr val="1C4587"/>
+                </a:solidFill>
+              </a:rPr>
+              <a:t>“ </a:t>
+            </a:r>
+            <a:r>
+              <a:rPr lang="ko-KR" altLang="en-US" sz="1000" b="1" dirty="0">
+                <a:solidFill>
+                  <a:srgbClr val="1C4587"/>
+                </a:solidFill>
+              </a:rPr>
+              <a:t>가 호출된다</a:t>
+            </a:r>
+            <a:r>
+              <a:rPr lang="en-US" altLang="ko-KR" sz="1000" b="1" dirty="0">
+                <a:solidFill>
+                  <a:srgbClr val="1C4587"/>
+                </a:solidFill>
+              </a:rPr>
+              <a:t>.</a:t>
+            </a:r>
+          </a:p>
+          <a:p>
+            <a:pPr marL="368300" indent="-228600" algn="l">
+              <a:lnSpc>
+                <a:spcPct val="150000"/>
+              </a:lnSpc>
+              <a:buSzPts val="1400"/>
+              <a:buAutoNum type="alphaLcParenBoth"/>
+            </a:pPr>
+            <a:r>
+              <a:rPr lang="ko-KR" altLang="en-US" sz="1000" b="1" dirty="0">
+                <a:solidFill>
+                  <a:srgbClr val="1C4587"/>
+                </a:solidFill>
+              </a:rPr>
+              <a:t> 그렇지 않을 경우</a:t>
+            </a:r>
+            <a:r>
+              <a:rPr lang="en-US" altLang="ko-KR" sz="1000" b="1" dirty="0">
+                <a:solidFill>
+                  <a:srgbClr val="1C4587"/>
+                </a:solidFill>
+              </a:rPr>
+              <a:t>, “</a:t>
+            </a:r>
+            <a:r>
+              <a:rPr lang="ko-KR" altLang="en-US" sz="1000" b="1" dirty="0">
+                <a:solidFill>
+                  <a:srgbClr val="1C4587"/>
+                </a:solidFill>
+              </a:rPr>
+              <a:t>미스 </a:t>
+            </a:r>
+            <a:r>
+              <a:rPr lang="ko-KR" altLang="en-US" sz="1000" b="1" dirty="0" err="1">
+                <a:solidFill>
+                  <a:srgbClr val="1C4587"/>
+                </a:solidFill>
+              </a:rPr>
+              <a:t>쉐이더</a:t>
+            </a:r>
+            <a:r>
+              <a:rPr lang="en-US" altLang="ko-KR" sz="1000" b="1" dirty="0">
+                <a:solidFill>
+                  <a:srgbClr val="1C4587"/>
+                </a:solidFill>
+              </a:rPr>
+              <a:t>”</a:t>
+            </a:r>
+            <a:r>
+              <a:rPr lang="ko-KR" altLang="en-US" sz="1000" b="1" dirty="0">
+                <a:solidFill>
+                  <a:srgbClr val="1C4587"/>
+                </a:solidFill>
+              </a:rPr>
+              <a:t>가 호출된다</a:t>
+            </a:r>
+            <a:r>
+              <a:rPr lang="en-US" altLang="ko-KR" sz="1000" b="1" dirty="0">
+                <a:solidFill>
+                  <a:srgbClr val="1C4587"/>
+                </a:solidFill>
+              </a:rPr>
+              <a:t>. </a:t>
+            </a:r>
+          </a:p>
+          <a:p>
+            <a:pPr marL="139700" algn="l">
+              <a:lnSpc>
+                <a:spcPct val="150000"/>
+              </a:lnSpc>
+              <a:buSzPts val="1400"/>
+            </a:pPr>
+            <a:r>
+              <a:rPr lang="ko-KR" altLang="en-US" sz="1000" b="1" dirty="0">
+                <a:solidFill>
+                  <a:srgbClr val="1C4587"/>
+                </a:solidFill>
+              </a:rPr>
+              <a:t>그 다음 </a:t>
+            </a:r>
+            <a:r>
+              <a:rPr lang="ko-KR" altLang="en-US" sz="1000" b="1" dirty="0" err="1">
+                <a:solidFill>
+                  <a:srgbClr val="1C4587"/>
+                </a:solidFill>
+              </a:rPr>
+              <a:t>쉐이더는</a:t>
+            </a:r>
+            <a:r>
+              <a:rPr lang="ko-KR" altLang="en-US" sz="1000" b="1" dirty="0">
+                <a:solidFill>
+                  <a:srgbClr val="1C4587"/>
+                </a:solidFill>
+              </a:rPr>
+              <a:t> </a:t>
+            </a:r>
+            <a:r>
+              <a:rPr lang="en-US" altLang="ko-KR" sz="1000" b="1" dirty="0" err="1">
+                <a:solidFill>
+                  <a:srgbClr val="1C4587"/>
+                </a:solidFill>
+              </a:rPr>
+              <a:t>TraceRay</a:t>
+            </a:r>
+            <a:r>
+              <a:rPr lang="en-US" altLang="ko-KR" sz="1000" b="1" dirty="0">
+                <a:solidFill>
+                  <a:srgbClr val="1C4587"/>
+                </a:solidFill>
+              </a:rPr>
+              <a:t>() </a:t>
+            </a:r>
+            <a:r>
+              <a:rPr lang="ko-KR" altLang="en-US" sz="1000" b="1" dirty="0">
+                <a:solidFill>
+                  <a:srgbClr val="1C4587"/>
+                </a:solidFill>
+              </a:rPr>
+              <a:t>호출자에게 제어를 반환하거나 재귀 추적 호출을 수행할 수 있다</a:t>
+            </a:r>
+            <a:r>
+              <a:rPr lang="en-US" altLang="ko-KR" sz="1000" b="1" dirty="0">
+                <a:solidFill>
+                  <a:srgbClr val="1C4587"/>
+                </a:solidFill>
+              </a:rPr>
+              <a:t>.</a:t>
+            </a:r>
+            <a:endParaRPr lang="ko-KR" altLang="en-US" sz="1000" b="1" dirty="0">
+              <a:solidFill>
+                <a:srgbClr val="1C4587"/>
+              </a:solidFill>
+            </a:endParaRPr>
+          </a:p>
+        </p:txBody>
+      </p:sp>
+    </p:spTree>
+    <p:extLst>
+      <p:ext uri="{BB962C8B-B14F-4D97-AF65-F5344CB8AC3E}">
+        <p14:creationId xmlns:p14="http://schemas.microsoft.com/office/powerpoint/2010/main" val="4161134421"/>
+      </p:ext>
+    </p:extLst>
+  </p:cSld>
+  <p:clrMapOvr>
+    <a:masterClrMapping/>
+  </p:clrMapOvr>
+</p:sld>
+</file>
+
+<file path=ppt/slides/slide3.xml><?xml version="1.0" encoding="utf-8"?>
 <p:sld xmlns:a="http://schemas.openxmlformats.org/drawingml/2006/main" xmlns:r="http://schemas.openxmlformats.org/officeDocument/2006/relationships" xmlns:p="http://schemas.openxmlformats.org/presentationml/2006/main">
   <p:cSld>
     <p:spTree>
@@ -6296,7 +12014,7 @@
               <a:buSzPts val="990"/>
               <a:buNone/>
             </a:pPr>
-            <a:endParaRPr sz="1679" b="1">
+            <a:endParaRPr sz="1679" b="1" dirty="0">
               <a:solidFill>
                 <a:srgbClr val="1C4587"/>
               </a:solidFill>
@@ -6313,7 +12031,7 @@
               <a:buSzPts val="990"/>
               <a:buNone/>
             </a:pPr>
-            <a:endParaRPr sz="1679" b="1">
+            <a:endParaRPr sz="1679" b="1" dirty="0">
               <a:solidFill>
                 <a:srgbClr val="1C4587"/>
               </a:solidFill>
@@ -6330,7 +12048,7 @@
               <a:buSzPts val="990"/>
               <a:buNone/>
             </a:pPr>
-            <a:endParaRPr sz="1679" b="1"/>
+            <a:endParaRPr sz="1679" b="1" dirty="0"/>
           </a:p>
           <a:p>
             <a:pPr marL="457200" lvl="0" indent="-317500" algn="l" rtl="0">
@@ -6347,10 +12065,10 @@
               <a:buChar char="●"/>
             </a:pPr>
             <a:r>
-              <a:rPr lang="ko" sz="1400" b="1"/>
+              <a:rPr lang="ko" sz="1400" b="1" dirty="0"/>
               <a:t>Cpu의 자원배정을 적절히 하기위함을 목표로 한다.</a:t>
             </a:r>
-            <a:endParaRPr sz="1400" b="1"/>
+            <a:endParaRPr sz="1400" b="1" dirty="0"/>
           </a:p>
           <a:p>
             <a:pPr marL="457200" lvl="0" indent="-317500" algn="l" rtl="0">
@@ -6367,10 +12085,10 @@
               <a:buChar char="●"/>
             </a:pPr>
             <a:r>
-              <a:rPr lang="ko" sz="1400" b="1"/>
+              <a:rPr lang="ko" sz="1400" b="1" dirty="0"/>
               <a:t>작업은 고정기능 작업과 부분 혹은 완전히 프로그래밍이 가능한 작업의 조합이다.</a:t>
             </a:r>
-            <a:endParaRPr sz="1400" b="1"/>
+            <a:endParaRPr sz="1400" b="1" dirty="0"/>
           </a:p>
           <a:p>
             <a:pPr marL="457200" lvl="0" indent="-317500" algn="l" rtl="0">
@@ -6387,10 +12105,10 @@
               <a:buChar char="●"/>
             </a:pPr>
             <a:r>
-              <a:rPr lang="ko" sz="1400" b="1"/>
+              <a:rPr lang="ko" sz="1400" b="1" dirty="0"/>
               <a:t>가장 큰 고정기능 작업인 가속구조를 형성하여 광선 교차점을 효율적으로 찾는 것을 목표로한다. </a:t>
             </a:r>
-            <a:endParaRPr sz="1400" b="1"/>
+            <a:endParaRPr sz="1400" b="1" dirty="0"/>
           </a:p>
           <a:p>
             <a:pPr marL="457200" lvl="0" indent="-317500" algn="l" rtl="0">
@@ -6407,10 +12125,10 @@
               <a:buChar char="●"/>
             </a:pPr>
             <a:r>
-              <a:rPr lang="ko" sz="1400" b="1"/>
+              <a:rPr lang="ko" sz="1400" b="1" dirty="0"/>
               <a:t>셰이더의 영역에서 프로그래밍 가능한 작업</a:t>
             </a:r>
-            <a:endParaRPr sz="1400" b="1"/>
+            <a:endParaRPr sz="1400" b="1" dirty="0"/>
           </a:p>
           <a:p>
             <a:pPr marL="914400" lvl="1" indent="-317500" algn="l" rtl="0">
@@ -6427,10 +12145,10 @@
               <a:buChar char="○"/>
             </a:pPr>
             <a:r>
-              <a:rPr lang="ko" sz="1400" b="1"/>
+              <a:rPr lang="ko" sz="1400" b="1" dirty="0"/>
               <a:t>광선 생성</a:t>
             </a:r>
-            <a:endParaRPr sz="1400" b="1"/>
+            <a:endParaRPr sz="1400" b="1" dirty="0"/>
           </a:p>
           <a:p>
             <a:pPr marL="914400" lvl="1" indent="-317500" algn="l" rtl="0">
@@ -6447,10 +12165,10 @@
               <a:buChar char="○"/>
             </a:pPr>
             <a:r>
-              <a:rPr lang="ko" sz="1400" b="1"/>
+              <a:rPr lang="ko" sz="1400" b="1" dirty="0"/>
               <a:t>기하학에 대한 교차 결정</a:t>
             </a:r>
-            <a:endParaRPr sz="1400" b="1"/>
+            <a:endParaRPr sz="1400" b="1" dirty="0"/>
           </a:p>
           <a:p>
             <a:pPr marL="914400" lvl="1" indent="-317500" algn="l" rtl="0">
@@ -6470,18 +12188,18 @@
               <a:buChar char="○"/>
             </a:pPr>
             <a:r>
-              <a:rPr lang="ko" sz="1400" b="1"/>
+              <a:rPr lang="ko" sz="1400" b="1" dirty="0"/>
               <a:t>광선 교차처리(히트) 및 교차 미스</a:t>
             </a:r>
             <a:r>
-              <a:rPr lang="ko" sz="1400" b="1">
+              <a:rPr lang="ko" sz="1400" b="1" dirty="0">
                 <a:solidFill>
                   <a:srgbClr val="1C4587"/>
                 </a:solidFill>
               </a:rPr>
               <a:t>  </a:t>
             </a:r>
-            <a:endParaRPr sz="1400" b="1">
+            <a:endParaRPr sz="1400" b="1" dirty="0">
               <a:solidFill>
                 <a:srgbClr val="1C4587"/>
               </a:solidFill>
@@ -6497,7 +12215,7 @@
               </a:spcAft>
               <a:buNone/>
             </a:pPr>
-            <a:endParaRPr sz="1400" b="1">
+            <a:endParaRPr sz="1400" b="1" dirty="0">
               <a:solidFill>
                 <a:srgbClr val="1C4587"/>
               </a:solidFill>
@@ -6514,7 +12232,7 @@
               <a:buSzPts val="990"/>
               <a:buNone/>
             </a:pPr>
-            <a:endParaRPr sz="1679" b="1">
+            <a:endParaRPr sz="1679" b="1" dirty="0">
               <a:solidFill>
                 <a:srgbClr val="1C4587"/>
               </a:solidFill>
@@ -6530,7 +12248,7 @@
 </p:sld>
 </file>
 
-<file path=ppt/slides/slide3.xml><?xml version="1.0" encoding="utf-8"?>
+<file path=ppt/slides/slide4.xml><?xml version="1.0" encoding="utf-8"?>
 <p:sld xmlns:a="http://schemas.openxmlformats.org/drawingml/2006/main" xmlns:r="http://schemas.openxmlformats.org/officeDocument/2006/relationships" xmlns:p="http://schemas.openxmlformats.org/presentationml/2006/main">
   <p:cSld>
     <p:spTree>
@@ -6649,7 +12367,7 @@
             <a:r>
               <a:rPr lang="en-US" altLang="ko" sz="1100" b="1" dirty="0">
                 <a:solidFill>
-                  <a:srgbClr val="1C4587"/>
+                  <a:schemeClr val="tx1"/>
                 </a:solidFill>
               </a:rPr>
               <a:t>* </a:t>
@@ -6657,7 +12375,7 @@
             <a:r>
               <a:rPr lang="ko-KR" altLang="en-US" sz="1100" b="1" dirty="0">
                 <a:solidFill>
-                  <a:srgbClr val="1C4587"/>
+                  <a:schemeClr val="tx1"/>
                 </a:solidFill>
               </a:rPr>
               <a:t>광선은 간격을 따라 </a:t>
@@ -6665,7 +12383,7 @@
             <a:r>
               <a:rPr lang="en-US" altLang="ko-KR" sz="1100" b="1" dirty="0">
                 <a:solidFill>
-                  <a:srgbClr val="1C4587"/>
+                  <a:schemeClr val="tx1"/>
                 </a:solidFill>
               </a:rPr>
               <a:t>T</a:t>
@@ -6673,7 +12391,7 @@
             <a:r>
               <a:rPr lang="ko-KR" altLang="en-US" sz="1100" b="1" dirty="0">
                 <a:solidFill>
-                  <a:srgbClr val="1C4587"/>
+                  <a:schemeClr val="tx1"/>
                 </a:solidFill>
               </a:rPr>
               <a:t>위치에서 교차가 발생할 수 있는 원점</a:t>
@@ -6681,7 +12399,7 @@
             <a:r>
               <a:rPr lang="en-US" altLang="ko-KR" sz="1100" b="1" dirty="0">
                 <a:solidFill>
-                  <a:srgbClr val="1C4587"/>
+                  <a:schemeClr val="tx1"/>
                 </a:solidFill>
               </a:rPr>
               <a:t>, </a:t>
@@ -6689,14 +12407,14 @@
             <a:br>
               <a:rPr lang="en-US" altLang="ko-KR" sz="1100" b="1" dirty="0">
                 <a:solidFill>
-                  <a:srgbClr val="1C4587"/>
+                  <a:schemeClr val="tx1"/>
                 </a:solidFill>
               </a:rPr>
             </a:br>
             <a:r>
               <a:rPr lang="ko-KR" altLang="en-US" sz="1100" b="1" dirty="0">
                 <a:solidFill>
-                  <a:srgbClr val="1C4587"/>
+                  <a:schemeClr val="tx1"/>
                 </a:solidFill>
               </a:rPr>
               <a:t>방향 및 간격</a:t>
@@ -6704,7 +12422,7 @@
             <a:r>
               <a:rPr lang="en-US" altLang="ko-KR" sz="1100" b="1" dirty="0">
                 <a:solidFill>
-                  <a:srgbClr val="1C4587"/>
+                  <a:schemeClr val="tx1"/>
                 </a:solidFill>
               </a:rPr>
               <a:t>[ </a:t>
@@ -6712,7 +12430,7 @@
             <a:r>
               <a:rPr lang="en-US" altLang="ko-KR" sz="1100" b="1" dirty="0" err="1">
                 <a:solidFill>
-                  <a:srgbClr val="1C4587"/>
+                  <a:schemeClr val="tx1"/>
                 </a:solidFill>
               </a:rPr>
               <a:t>Tmin</a:t>
@@ -6720,7 +12438,7 @@
             <a:r>
               <a:rPr lang="en-US" altLang="ko-KR" sz="1100" b="1" dirty="0">
                 <a:solidFill>
-                  <a:srgbClr val="1C4587"/>
+                  <a:schemeClr val="tx1"/>
                 </a:solidFill>
               </a:rPr>
               <a:t> – </a:t>
@@ -6728,7 +12446,7 @@
             <a:r>
               <a:rPr lang="en-US" altLang="ko-KR" sz="1100" b="1" dirty="0" err="1">
                 <a:solidFill>
-                  <a:srgbClr val="1C4587"/>
+                  <a:schemeClr val="tx1"/>
                 </a:solidFill>
               </a:rPr>
               <a:t>Tmax</a:t>
@@ -6736,7 +12454,7 @@
             <a:r>
               <a:rPr lang="en-US" altLang="ko-KR" sz="1100" b="1" dirty="0">
                 <a:solidFill>
-                  <a:srgbClr val="1C4587"/>
+                  <a:schemeClr val="tx1"/>
                 </a:solidFill>
               </a:rPr>
               <a:t> ]</a:t>
@@ -6744,7 +12462,7 @@
             <a:r>
               <a:rPr lang="ko-KR" altLang="en-US" sz="1100" b="1" dirty="0">
                 <a:solidFill>
-                  <a:srgbClr val="1C4587"/>
+                  <a:schemeClr val="tx1"/>
                 </a:solidFill>
               </a:rPr>
               <a:t>이다</a:t>
@@ -6752,7 +12470,7 @@
             <a:r>
               <a:rPr lang="en-US" altLang="ko-KR" sz="1100" b="1" dirty="0">
                 <a:solidFill>
-                  <a:srgbClr val="1C4587"/>
+                  <a:schemeClr val="tx1"/>
                 </a:solidFill>
               </a:rPr>
               <a:t>.</a:t>
@@ -6760,21 +12478,21 @@
             <a:br>
               <a:rPr lang="en-US" altLang="ko" sz="1100" b="1" dirty="0">
                 <a:solidFill>
-                  <a:srgbClr val="1C4587"/>
+                  <a:schemeClr val="tx1"/>
                 </a:solidFill>
               </a:rPr>
             </a:br>
             <a:br>
               <a:rPr lang="en-US" altLang="ko" sz="1100" b="1" dirty="0">
                 <a:solidFill>
-                  <a:srgbClr val="1C4587"/>
+                  <a:schemeClr val="tx1"/>
                 </a:solidFill>
               </a:rPr>
             </a:br>
             <a:r>
               <a:rPr lang="en-US" altLang="ko" sz="1100" b="1" dirty="0">
                 <a:solidFill>
-                  <a:srgbClr val="1C4587"/>
+                  <a:schemeClr val="tx1"/>
                 </a:solidFill>
               </a:rPr>
               <a:t>* </a:t>
@@ -6782,7 +12500,7 @@
             <a:r>
               <a:rPr lang="en-US" altLang="ko" sz="1100" b="1" dirty="0" err="1">
                 <a:solidFill>
-                  <a:srgbClr val="1C4587"/>
+                  <a:schemeClr val="tx1"/>
                 </a:solidFill>
               </a:rPr>
               <a:t>TraceRay</a:t>
@@ -6790,7 +12508,7 @@
             <a:r>
               <a:rPr lang="en-US" altLang="ko" sz="1100" b="1" dirty="0">
                 <a:solidFill>
-                  <a:srgbClr val="1C4587"/>
+                  <a:schemeClr val="tx1"/>
                 </a:solidFill>
               </a:rPr>
               <a:t>() </a:t>
@@ -6798,7 +12516,7 @@
             <a:r>
               <a:rPr lang="ko-KR" altLang="en-US" sz="1100" b="1" dirty="0">
                 <a:solidFill>
-                  <a:srgbClr val="1C4587"/>
+                  <a:schemeClr val="tx1"/>
                 </a:solidFill>
               </a:rPr>
               <a:t>호출자에게 표시되는 사용자 정의 </a:t>
@@ -6806,14 +12524,14 @@
             <a:br>
               <a:rPr lang="en-US" altLang="ko-KR" sz="1100" b="1" dirty="0">
                 <a:solidFill>
-                  <a:srgbClr val="1C4587"/>
+                  <a:schemeClr val="tx1"/>
                 </a:solidFill>
               </a:rPr>
             </a:br>
             <a:r>
               <a:rPr lang="en-US" altLang="ko-KR" sz="1100" b="1" dirty="0">
                 <a:solidFill>
-                  <a:srgbClr val="1C4587"/>
+                  <a:schemeClr val="tx1"/>
                 </a:solidFill>
               </a:rPr>
               <a:t>Payload</a:t>
@@ -6821,7 +12539,7 @@
             <a:r>
               <a:rPr lang="ko-KR" altLang="en-US" sz="1100" b="1" dirty="0">
                 <a:solidFill>
-                  <a:srgbClr val="1C4587"/>
+                  <a:schemeClr val="tx1"/>
                 </a:solidFill>
               </a:rPr>
               <a:t>와 함께 제공된다</a:t>
@@ -6829,7 +12547,7 @@
             <a:r>
               <a:rPr lang="en-US" altLang="ko-KR" sz="1100" b="1" dirty="0">
                 <a:solidFill>
-                  <a:srgbClr val="1C4587"/>
+                  <a:schemeClr val="tx1"/>
                 </a:solidFill>
               </a:rPr>
               <a:t>. </a:t>
@@ -6837,21 +12555,21 @@
             <a:br>
               <a:rPr lang="en-US" altLang="ko-KR" sz="1100" b="1" dirty="0">
                 <a:solidFill>
-                  <a:srgbClr val="1C4587"/>
+                  <a:schemeClr val="tx1"/>
                 </a:solidFill>
               </a:rPr>
             </a:br>
             <a:br>
               <a:rPr lang="en-US" altLang="ko-KR" sz="1100" b="1" dirty="0">
                 <a:solidFill>
-                  <a:srgbClr val="1C4587"/>
+                  <a:schemeClr val="tx1"/>
                 </a:solidFill>
               </a:rPr>
             </a:br>
             <a:r>
               <a:rPr lang="en-US" altLang="ko-KR" sz="1100" b="1" dirty="0">
                 <a:solidFill>
-                  <a:srgbClr val="1C4587"/>
+                  <a:schemeClr val="tx1"/>
                 </a:solidFill>
               </a:rPr>
               <a:t>* </a:t>
@@ -6859,7 +12577,7 @@
             <a:r>
               <a:rPr lang="en-US" altLang="ko-KR" sz="1100" b="1" dirty="0" err="1">
                 <a:solidFill>
-                  <a:srgbClr val="1C4587"/>
+                  <a:schemeClr val="tx1"/>
                 </a:solidFill>
               </a:rPr>
               <a:t>Tmin</a:t>
@@ -6867,7 +12585,7 @@
             <a:r>
               <a:rPr lang="ko-KR" altLang="en-US" sz="1100" b="1" dirty="0">
                 <a:solidFill>
-                  <a:srgbClr val="1C4587"/>
+                  <a:schemeClr val="tx1"/>
                 </a:solidFill>
               </a:rPr>
               <a:t>의 값은 광선의 수명이 </a:t>
@@ -6875,7 +12593,7 @@
             <a:r>
               <a:rPr lang="ko-KR" altLang="en-US" sz="1100" b="1" dirty="0" err="1">
                 <a:solidFill>
-                  <a:srgbClr val="1C4587"/>
+                  <a:schemeClr val="tx1"/>
                 </a:solidFill>
               </a:rPr>
               <a:t>있는한</a:t>
@@ -6883,7 +12601,7 @@
             <a:r>
               <a:rPr lang="ko-KR" altLang="en-US" sz="1100" b="1" dirty="0">
                 <a:solidFill>
-                  <a:srgbClr val="1C4587"/>
+                  <a:schemeClr val="tx1"/>
                 </a:solidFill>
               </a:rPr>
               <a:t> 고정적이며</a:t>
@@ -6891,7 +12609,7 @@
             <a:r>
               <a:rPr lang="en-US" altLang="ko-KR" sz="1100" b="1" dirty="0">
                 <a:solidFill>
-                  <a:srgbClr val="1C4587"/>
+                  <a:schemeClr val="tx1"/>
                 </a:solidFill>
               </a:rPr>
               <a:t>, </a:t>
@@ -6899,14 +12617,14 @@
             <a:br>
               <a:rPr lang="en-US" altLang="ko-KR" sz="1100" b="1" dirty="0">
                 <a:solidFill>
-                  <a:srgbClr val="1C4587"/>
+                  <a:schemeClr val="tx1"/>
                 </a:solidFill>
               </a:rPr>
             </a:br>
             <a:r>
               <a:rPr lang="ko-KR" altLang="en-US" sz="1100" b="1" dirty="0">
                 <a:solidFill>
-                  <a:srgbClr val="1C4587"/>
+                  <a:schemeClr val="tx1"/>
                 </a:solidFill>
               </a:rPr>
               <a:t>교차점이 발생될 경우에 </a:t>
@@ -6914,7 +12632,7 @@
             <a:r>
               <a:rPr lang="en-US" altLang="ko-KR" sz="1100" b="1" dirty="0" err="1">
                 <a:solidFill>
-                  <a:srgbClr val="1C4587"/>
+                  <a:schemeClr val="tx1"/>
                 </a:solidFill>
               </a:rPr>
               <a:t>Tmax</a:t>
@@ -6922,7 +12640,7 @@
             <a:r>
               <a:rPr lang="ko-KR" altLang="en-US" sz="1100" b="1" dirty="0">
                 <a:solidFill>
-                  <a:srgbClr val="1C4587"/>
+                  <a:schemeClr val="tx1"/>
                 </a:solidFill>
               </a:rPr>
               <a:t>를 줄인다</a:t>
@@ -6930,7 +12648,7 @@
             <a:r>
               <a:rPr lang="en-US" altLang="ko-KR" sz="1100" b="1" dirty="0">
                 <a:solidFill>
-                  <a:srgbClr val="1C4587"/>
+                  <a:schemeClr val="tx1"/>
                 </a:solidFill>
               </a:rPr>
               <a:t>. </a:t>
@@ -6938,21 +12656,21 @@
             <a:br>
               <a:rPr lang="en-US" altLang="ko-KR" sz="1100" b="1" dirty="0">
                 <a:solidFill>
-                  <a:srgbClr val="1C4587"/>
+                  <a:schemeClr val="tx1"/>
                 </a:solidFill>
               </a:rPr>
             </a:br>
             <a:br>
               <a:rPr lang="en-US" altLang="ko-KR" sz="1100" b="1" dirty="0">
                 <a:solidFill>
-                  <a:srgbClr val="1C4587"/>
+                  <a:schemeClr val="tx1"/>
                 </a:solidFill>
               </a:rPr>
             </a:br>
             <a:r>
               <a:rPr lang="en-US" altLang="ko-KR" sz="1100" b="1" dirty="0">
                 <a:solidFill>
-                  <a:srgbClr val="1C4587"/>
+                  <a:schemeClr val="tx1"/>
                 </a:solidFill>
               </a:rPr>
               <a:t>* </a:t>
@@ -6960,7 +12678,7 @@
             <a:r>
               <a:rPr lang="ko-KR" altLang="en-US" sz="1100" b="1" dirty="0">
                 <a:solidFill>
-                  <a:srgbClr val="1C4587"/>
+                  <a:schemeClr val="tx1"/>
                 </a:solidFill>
               </a:rPr>
               <a:t>즉 </a:t>
@@ -6968,7 +12686,7 @@
             <a:r>
               <a:rPr lang="en-US" altLang="ko-KR" sz="1100" b="1" dirty="0" err="1">
                 <a:solidFill>
-                  <a:srgbClr val="1C4587"/>
+                  <a:schemeClr val="tx1"/>
                 </a:solidFill>
               </a:rPr>
               <a:t>Tmax</a:t>
@@ -6976,7 +12694,7 @@
             <a:r>
               <a:rPr lang="ko-KR" altLang="en-US" sz="1100" b="1" dirty="0">
                 <a:solidFill>
-                  <a:srgbClr val="1C4587"/>
+                  <a:schemeClr val="tx1"/>
                 </a:solidFill>
               </a:rPr>
               <a:t>는 광선이 현재 </a:t>
@@ -6984,7 +12702,7 @@
             <a:r>
               <a:rPr lang="ko-KR" altLang="en-US" sz="1100" b="1" dirty="0" err="1">
                 <a:solidFill>
-                  <a:srgbClr val="1C4587"/>
+                  <a:schemeClr val="tx1"/>
                 </a:solidFill>
               </a:rPr>
               <a:t>가장가까웠던</a:t>
@@ -6992,7 +12710,7 @@
             <a:r>
               <a:rPr lang="ko-KR" altLang="en-US" sz="1100" b="1" dirty="0">
                 <a:solidFill>
-                  <a:srgbClr val="1C4587"/>
+                  <a:schemeClr val="tx1"/>
                 </a:solidFill>
               </a:rPr>
               <a:t> 교차지점을 </a:t>
@@ -7000,14 +12718,14 @@
             <a:br>
               <a:rPr lang="en-US" altLang="ko-KR" sz="1100" b="1" dirty="0">
                 <a:solidFill>
-                  <a:srgbClr val="1C4587"/>
+                  <a:schemeClr val="tx1"/>
                 </a:solidFill>
               </a:rPr>
             </a:br>
             <a:r>
               <a:rPr lang="ko-KR" altLang="en-US" sz="1100" b="1" dirty="0">
                 <a:solidFill>
-                  <a:srgbClr val="1C4587"/>
+                  <a:schemeClr val="tx1"/>
                 </a:solidFill>
               </a:rPr>
               <a:t>나타내는 지표이기도 하다</a:t>
@@ -7015,7 +12733,7 @@
             <a:r>
               <a:rPr lang="en-US" altLang="ko-KR" sz="1100" b="1" dirty="0">
                 <a:solidFill>
-                  <a:srgbClr val="1C4587"/>
+                  <a:schemeClr val="tx1"/>
                 </a:solidFill>
               </a:rPr>
               <a:t>.</a:t>
@@ -7023,7 +12741,7 @@
             <a:br>
               <a:rPr lang="en-US" altLang="ko-KR" sz="1100" b="1" dirty="0">
                 <a:solidFill>
-                  <a:srgbClr val="1C4587"/>
+                  <a:schemeClr val="tx1"/>
                 </a:solidFill>
               </a:rPr>
             </a:br>
@@ -7460,377 +13178,6 @@
 </p:sld>
 </file>
 
-<file path=ppt/slides/slide4.xml><?xml version="1.0" encoding="utf-8"?>
-<p:sld xmlns:a="http://schemas.openxmlformats.org/drawingml/2006/main" xmlns:r="http://schemas.openxmlformats.org/officeDocument/2006/relationships" xmlns:p="http://schemas.openxmlformats.org/presentationml/2006/main">
-  <p:cSld>
-    <p:spTree>
-      <p:nvGrpSpPr>
-        <p:cNvPr id="1" name="Shape 66"/>
-        <p:cNvGrpSpPr/>
-        <p:nvPr/>
-      </p:nvGrpSpPr>
-      <p:grpSpPr>
-        <a:xfrm>
-          <a:off x="0" y="0"/>
-          <a:ext cx="0" cy="0"/>
-          <a:chOff x="0" y="0"/>
-          <a:chExt cx="0" cy="0"/>
-        </a:xfrm>
-      </p:grpSpPr>
-      <p:sp>
-        <p:nvSpPr>
-          <p:cNvPr id="67" name="Google Shape;67;p15"/>
-          <p:cNvSpPr txBox="1">
-            <a:spLocks noGrp="1"/>
-          </p:cNvSpPr>
-          <p:nvPr>
-            <p:ph type="ctrTitle"/>
-          </p:nvPr>
-        </p:nvSpPr>
-        <p:spPr>
-          <a:xfrm>
-            <a:off x="294325" y="303775"/>
-            <a:ext cx="1907700" cy="429000"/>
-          </a:xfrm>
-          <a:prstGeom prst="rect">
-            <a:avLst/>
-          </a:prstGeom>
-        </p:spPr>
-        <p:txBody>
-          <a:bodyPr spcFirstLastPara="1" wrap="square" lIns="91425" tIns="91425" rIns="91425" bIns="91425" anchor="b" anchorCtr="0">
-            <a:noAutofit/>
-          </a:bodyPr>
-          <a:lstStyle/>
-          <a:p>
-            <a:pPr marL="0" lvl="0" indent="0" algn="ctr" rtl="0">
-              <a:spcBef>
-                <a:spcPts val="0"/>
-              </a:spcBef>
-              <a:spcAft>
-                <a:spcPts val="0"/>
-              </a:spcAft>
-              <a:buSzPts val="990"/>
-              <a:buNone/>
-            </a:pPr>
-            <a:r>
-              <a:rPr lang="en-US" altLang="ko" sz="1679" b="1" dirty="0">
-                <a:solidFill>
-                  <a:srgbClr val="1C4587"/>
-                </a:solidFill>
-              </a:rPr>
-              <a:t>Stream</a:t>
-            </a:r>
-            <a:endParaRPr sz="1679" b="1" dirty="0">
-              <a:solidFill>
-                <a:srgbClr val="1C4587"/>
-              </a:solidFill>
-            </a:endParaRPr>
-          </a:p>
-        </p:txBody>
-      </p:sp>
-      <p:sp>
-        <p:nvSpPr>
-          <p:cNvPr id="69" name="Google Shape;69;p15"/>
-          <p:cNvSpPr txBox="1">
-            <a:spLocks noGrp="1"/>
-          </p:cNvSpPr>
-          <p:nvPr>
-            <p:ph type="ctrTitle"/>
-          </p:nvPr>
-        </p:nvSpPr>
-        <p:spPr>
-          <a:xfrm>
-            <a:off x="294325" y="637914"/>
-            <a:ext cx="7661434" cy="2409324"/>
-          </a:xfrm>
-          <a:prstGeom prst="rect">
-            <a:avLst/>
-          </a:prstGeom>
-        </p:spPr>
-        <p:txBody>
-          <a:bodyPr spcFirstLastPara="1" wrap="square" lIns="91425" tIns="91425" rIns="91425" bIns="91425" anchor="ctr" anchorCtr="0">
-            <a:noAutofit/>
-          </a:bodyPr>
-          <a:lstStyle/>
-          <a:p>
-            <a:pPr marL="139700" lvl="0" algn="l" rtl="0">
-              <a:spcBef>
-                <a:spcPts val="0"/>
-              </a:spcBef>
-              <a:spcAft>
-                <a:spcPts val="0"/>
-              </a:spcAft>
-              <a:buSzPts val="1400"/>
-            </a:pPr>
-            <a:br>
-              <a:rPr lang="en-US" altLang="ko" sz="1400" b="1" dirty="0">
-                <a:solidFill>
-                  <a:srgbClr val="1C4587"/>
-                </a:solidFill>
-              </a:rPr>
-            </a:br>
-            <a:r>
-              <a:rPr lang="en-US" altLang="ko" sz="1100" b="1" dirty="0">
-                <a:solidFill>
-                  <a:srgbClr val="1C4587"/>
-                </a:solidFill>
-              </a:rPr>
-              <a:t>		</a:t>
-            </a:r>
-            <a:r>
-              <a:rPr lang="ko-KR" altLang="en-US" sz="1400" b="1" dirty="0" err="1">
-                <a:solidFill>
-                  <a:srgbClr val="1C4587"/>
-                </a:solidFill>
-              </a:rPr>
-              <a:t>쉐이더</a:t>
-            </a:r>
-            <a:r>
-              <a:rPr lang="ko-KR" altLang="en-US" sz="1400" b="1" dirty="0">
-                <a:solidFill>
-                  <a:srgbClr val="1C4587"/>
-                </a:solidFill>
-              </a:rPr>
-              <a:t> 출력은 </a:t>
-            </a:r>
-            <a:r>
-              <a:rPr lang="en-US" altLang="ko-KR" sz="1400" b="1" dirty="0">
-                <a:solidFill>
-                  <a:srgbClr val="1C4587"/>
-                </a:solidFill>
-              </a:rPr>
-              <a:t>UAV(</a:t>
-            </a:r>
-            <a:r>
-              <a:rPr lang="ko-KR" altLang="en-US" sz="1400" b="1" dirty="0" err="1">
-                <a:solidFill>
-                  <a:srgbClr val="1C4587"/>
-                </a:solidFill>
-              </a:rPr>
-              <a:t>순서없는</a:t>
-            </a:r>
-            <a:r>
-              <a:rPr lang="ko-KR" altLang="en-US" sz="1400" b="1" dirty="0">
-                <a:solidFill>
-                  <a:srgbClr val="1C4587"/>
-                </a:solidFill>
-              </a:rPr>
-              <a:t> 접근 뷰</a:t>
-            </a:r>
-            <a:r>
-              <a:rPr lang="en-US" altLang="ko-KR" sz="1400" b="1" dirty="0">
-                <a:solidFill>
-                  <a:srgbClr val="1C4587"/>
-                </a:solidFill>
-              </a:rPr>
-              <a:t>)</a:t>
-            </a:r>
-            <a:r>
-              <a:rPr lang="ko-KR" altLang="en-US" sz="1400" b="1" dirty="0">
-                <a:solidFill>
-                  <a:srgbClr val="1C4587"/>
-                </a:solidFill>
-              </a:rPr>
-              <a:t>를 통해 색상 결과를 출력한다</a:t>
-            </a:r>
-            <a:r>
-              <a:rPr lang="en-US" altLang="ko-KR" sz="1400" b="1" dirty="0">
-                <a:solidFill>
-                  <a:srgbClr val="1C4587"/>
-                </a:solidFill>
-              </a:rPr>
-              <a:t>.</a:t>
-            </a:r>
-            <a:r>
-              <a:rPr lang="ko-KR" altLang="en-US" sz="1400" b="1" dirty="0">
-                <a:solidFill>
-                  <a:srgbClr val="1C4587"/>
-                </a:solidFill>
-              </a:rPr>
-              <a:t> </a:t>
-            </a:r>
-            <a:br>
-              <a:rPr lang="en-US" altLang="ko-KR" sz="1400" b="1" dirty="0">
-                <a:solidFill>
-                  <a:srgbClr val="1C4587"/>
-                </a:solidFill>
-              </a:rPr>
-            </a:br>
-            <a:br>
-              <a:rPr lang="ko-KR" altLang="en-US" sz="1400" b="1" dirty="0">
-                <a:solidFill>
-                  <a:srgbClr val="1C4587"/>
-                </a:solidFill>
-              </a:rPr>
-            </a:br>
-            <a:br>
-              <a:rPr lang="en-US" altLang="ko-KR" sz="1400" b="1" dirty="0">
-                <a:solidFill>
-                  <a:srgbClr val="1C4587"/>
-                </a:solidFill>
-              </a:rPr>
-            </a:br>
-            <a:r>
-              <a:rPr lang="en-US" altLang="ko" sz="1400" b="1" dirty="0">
-                <a:solidFill>
-                  <a:srgbClr val="1C4587"/>
-                </a:solidFill>
-              </a:rPr>
-              <a:t>- </a:t>
-            </a:r>
-            <a:r>
-              <a:rPr lang="en-US" altLang="ko" sz="1400" b="1" dirty="0">
-                <a:solidFill>
-                  <a:schemeClr val="accent6">
-                    <a:lumMod val="50000"/>
-                  </a:schemeClr>
-                </a:solidFill>
-              </a:rPr>
-              <a:t>D3D12_CPU_DESCRIPTOR_HANDLE </a:t>
-            </a:r>
-            <a:r>
-              <a:rPr lang="en-US" altLang="ko" sz="1400" b="1" dirty="0" err="1">
-                <a:solidFill>
-                  <a:srgbClr val="1C4587"/>
-                </a:solidFill>
-              </a:rPr>
-              <a:t>uavDes</a:t>
-            </a:r>
-            <a:r>
-              <a:rPr lang="en-US" altLang="ko" sz="1400" b="1" dirty="0">
-                <a:solidFill>
-                  <a:srgbClr val="1C4587"/>
-                </a:solidFill>
-              </a:rPr>
-              <a:t>..</a:t>
-            </a:r>
-            <a:br>
-              <a:rPr lang="en-US" altLang="ko" sz="1400" b="1" dirty="0">
-                <a:solidFill>
-                  <a:srgbClr val="1C4587"/>
-                </a:solidFill>
-              </a:rPr>
-            </a:br>
-            <a:br>
-              <a:rPr lang="en-US" altLang="ko" sz="1400" b="1" dirty="0">
-                <a:solidFill>
-                  <a:srgbClr val="1C4587"/>
-                </a:solidFill>
-              </a:rPr>
-            </a:br>
-            <a:r>
-              <a:rPr lang="en-US" altLang="ko" sz="1400" b="1" dirty="0">
-                <a:solidFill>
-                  <a:srgbClr val="1C4587"/>
-                </a:solidFill>
-              </a:rPr>
-              <a:t>- </a:t>
-            </a:r>
-            <a:r>
-              <a:rPr lang="en-US" altLang="ko" sz="1400" b="1" dirty="0">
-                <a:solidFill>
-                  <a:schemeClr val="accent6">
-                    <a:lumMod val="50000"/>
-                  </a:schemeClr>
-                </a:solidFill>
-              </a:rPr>
-              <a:t>D3D12_DESCRIPTOR_HEAP_TYPE_CBV_SRV_UAV</a:t>
-            </a:r>
-            <a:br>
-              <a:rPr lang="en-US" altLang="ko" sz="1400" b="1" dirty="0">
-                <a:solidFill>
-                  <a:srgbClr val="1C4587"/>
-                </a:solidFill>
-              </a:rPr>
-            </a:br>
-            <a:br>
-              <a:rPr lang="en-US" altLang="ko" sz="1400" b="1" dirty="0">
-                <a:solidFill>
-                  <a:srgbClr val="1C4587"/>
-                </a:solidFill>
-              </a:rPr>
-            </a:br>
-            <a:r>
-              <a:rPr lang="en-US" altLang="ko" sz="1400" b="1" dirty="0">
-                <a:solidFill>
-                  <a:schemeClr val="accent6">
-                    <a:lumMod val="50000"/>
-                  </a:schemeClr>
-                </a:solidFill>
-              </a:rPr>
-              <a:t>- inline void </a:t>
-            </a:r>
-            <a:r>
-              <a:rPr lang="en-US" altLang="ko" sz="1400" b="1" dirty="0" err="1">
-                <a:solidFill>
-                  <a:schemeClr val="accent6">
-                    <a:lumMod val="50000"/>
-                  </a:schemeClr>
-                </a:solidFill>
-              </a:rPr>
-              <a:t>AllocateUAVBuffer</a:t>
-            </a:r>
-            <a:r>
-              <a:rPr lang="en-US" altLang="ko" sz="1400" b="1" dirty="0">
-                <a:solidFill>
-                  <a:srgbClr val="1C4587"/>
-                </a:solidFill>
-              </a:rPr>
-              <a:t>(*device, </a:t>
-            </a:r>
-            <a:r>
-              <a:rPr lang="en-US" altLang="ko" sz="1400" b="1" dirty="0" err="1">
-                <a:solidFill>
-                  <a:srgbClr val="1C4587"/>
-                </a:solidFill>
-              </a:rPr>
-              <a:t>buffersize</a:t>
-            </a:r>
-            <a:r>
-              <a:rPr lang="en-US" altLang="ko" sz="1400" b="1" dirty="0">
-                <a:solidFill>
-                  <a:srgbClr val="1C4587"/>
-                </a:solidFill>
-              </a:rPr>
-              <a:t>,**</a:t>
-            </a:r>
-            <a:r>
-              <a:rPr lang="en-US" altLang="ko" sz="1400" b="1" dirty="0" err="1">
-                <a:solidFill>
-                  <a:srgbClr val="1C4587"/>
-                </a:solidFill>
-              </a:rPr>
-              <a:t>resourse,resource</a:t>
-            </a:r>
-            <a:r>
-              <a:rPr lang="en-US" altLang="ko" sz="1400" b="1" dirty="0">
-                <a:solidFill>
-                  <a:srgbClr val="1C4587"/>
-                </a:solidFill>
-              </a:rPr>
-              <a:t> state, name)</a:t>
-            </a:r>
-            <a:endParaRPr sz="1400" b="1" dirty="0">
-              <a:solidFill>
-                <a:srgbClr val="1C4587"/>
-              </a:solidFill>
-            </a:endParaRPr>
-          </a:p>
-        </p:txBody>
-      </p:sp>
-    </p:spTree>
-    <p:extLst>
-      <p:ext uri="{BB962C8B-B14F-4D97-AF65-F5344CB8AC3E}">
-        <p14:creationId xmlns:p14="http://schemas.microsoft.com/office/powerpoint/2010/main" val="2543860595"/>
-      </p:ext>
-    </p:extLst>
-  </p:cSld>
-  <p:clrMapOvr>
-    <a:masterClrMapping/>
-  </p:clrMapOvr>
-</p:sld>
-</file>
-
 <file path=ppt/slides/slide5.xml><?xml version="1.0" encoding="utf-8"?>
 <p:sld xmlns:a="http://schemas.openxmlformats.org/drawingml/2006/main" xmlns:r="http://schemas.openxmlformats.org/officeDocument/2006/relationships" xmlns:p="http://schemas.openxmlformats.org/presentationml/2006/main">
   <p:cSld>
@@ -7934,24 +13281,16 @@
               <a:buSzPts val="1400"/>
             </a:pPr>
             <a:br>
-              <a:rPr lang="en-US" altLang="ko" sz="1400" b="1" dirty="0">
+              <a:rPr lang="en-US" altLang="ko" sz="1100" b="1" dirty="0">
                 <a:solidFill>
                   <a:srgbClr val="1C4587"/>
                 </a:solidFill>
               </a:rPr>
             </a:br>
             <a:r>
-              <a:rPr lang="en-US" altLang="ko" sz="1100" b="1" dirty="0">
-                <a:solidFill>
-                  <a:srgbClr val="1C4587"/>
-                </a:solidFill>
-              </a:rPr>
-              <a:t>		</a:t>
-            </a:r>
-            <a:r>
               <a:rPr lang="ko-KR" altLang="en-US" sz="1400" b="1" dirty="0" err="1">
                 <a:solidFill>
-                  <a:srgbClr val="1C4587"/>
+                  <a:schemeClr val="tx1"/>
                 </a:solidFill>
               </a:rPr>
               <a:t>쉐이더</a:t>
@@ -7959,7 +13298,7 @@
             <a:r>
               <a:rPr lang="ko-KR" altLang="en-US" sz="1400" b="1" dirty="0">
                 <a:solidFill>
-                  <a:srgbClr val="1C4587"/>
+                  <a:schemeClr val="tx1"/>
                 </a:solidFill>
               </a:rPr>
               <a:t> 출력은 </a:t>
@@ -7967,7 +13306,7 @@
             <a:r>
               <a:rPr lang="en-US" altLang="ko-KR" sz="1400" b="1" dirty="0">
                 <a:solidFill>
-                  <a:srgbClr val="1C4587"/>
+                  <a:schemeClr val="tx1"/>
                 </a:solidFill>
               </a:rPr>
               <a:t>UAV(</a:t>
@@ -7975,7 +13314,7 @@
             <a:r>
               <a:rPr lang="ko-KR" altLang="en-US" sz="1400" b="1" dirty="0" err="1">
                 <a:solidFill>
-                  <a:srgbClr val="1C4587"/>
+                  <a:schemeClr val="tx1"/>
                 </a:solidFill>
               </a:rPr>
               <a:t>순서없는</a:t>
@@ -7983,7 +13322,7 @@
             <a:r>
               <a:rPr lang="ko-KR" altLang="en-US" sz="1400" b="1" dirty="0">
                 <a:solidFill>
-                  <a:srgbClr val="1C4587"/>
+                  <a:schemeClr val="tx1"/>
                 </a:solidFill>
               </a:rPr>
               <a:t> 접근 뷰</a:t>
@@ -7991,7 +13330,7 @@
             <a:r>
               <a:rPr lang="en-US" altLang="ko-KR" sz="1400" b="1" dirty="0">
                 <a:solidFill>
-                  <a:srgbClr val="1C4587"/>
+                  <a:schemeClr val="tx1"/>
                 </a:solidFill>
               </a:rPr>
               <a:t>)</a:t>
@@ -7999,7 +13338,7 @@
             <a:r>
               <a:rPr lang="ko-KR" altLang="en-US" sz="1400" b="1" dirty="0">
                 <a:solidFill>
-                  <a:srgbClr val="1C4587"/>
+                  <a:schemeClr val="tx1"/>
                 </a:solidFill>
               </a:rPr>
               <a:t>를 통해 색상 결과를 출력한다</a:t>
@@ -8007,7 +13346,7 @@
             <a:r>
               <a:rPr lang="en-US" altLang="ko-KR" sz="1400" b="1" dirty="0">
                 <a:solidFill>
-                  <a:srgbClr val="1C4587"/>
+                  <a:schemeClr val="tx1"/>
                 </a:solidFill>
               </a:rPr>
               <a:t>.</a:t>
@@ -8015,7 +13354,7 @@
             <a:r>
               <a:rPr lang="ko-KR" altLang="en-US" sz="1400" b="1" dirty="0">
                 <a:solidFill>
-                  <a:srgbClr val="1C4587"/>
+                  <a:schemeClr val="tx1"/>
                 </a:solidFill>
               </a:rPr>
               <a:t> </a:t>
@@ -8023,14 +13362,14 @@
             <a:br>
               <a:rPr lang="en-US" altLang="ko-KR" sz="1400" b="1" dirty="0">
                 <a:solidFill>
-                  <a:srgbClr val="1C4587"/>
+                  <a:schemeClr val="tx1"/>
                 </a:solidFill>
               </a:rPr>
             </a:br>
             <a:br>
               <a:rPr lang="ko-KR" altLang="en-US" sz="1400" b="1" dirty="0">
                 <a:solidFill>
-                  <a:srgbClr val="1C4587"/>
+                  <a:schemeClr val="tx1"/>
                 </a:solidFill>
               </a:rPr>
             </a:br>
@@ -8192,7 +13531,2514 @@
     </p:spTree>
     <p:extLst>
       <p:ext uri="{BB962C8B-B14F-4D97-AF65-F5344CB8AC3E}">
+        <p14:creationId xmlns:p14="http://schemas.microsoft.com/office/powerpoint/2010/main" val="2543860595"/>
+      </p:ext>
+    </p:extLst>
+  </p:cSld>
+  <p:clrMapOvr>
+    <a:masterClrMapping/>
+  </p:clrMapOvr>
+</p:sld>
+</file>
+
+<file path=ppt/slides/slide6.xml><?xml version="1.0" encoding="utf-8"?>
+<p:sld xmlns:a="http://schemas.openxmlformats.org/drawingml/2006/main" xmlns:r="http://schemas.openxmlformats.org/officeDocument/2006/relationships" xmlns:p="http://schemas.openxmlformats.org/presentationml/2006/main">
+  <p:cSld>
+    <p:spTree>
+      <p:nvGrpSpPr>
+        <p:cNvPr id="1" name="Shape 66"/>
+        <p:cNvGrpSpPr/>
+        <p:nvPr/>
+      </p:nvGrpSpPr>
+      <p:grpSpPr>
+        <a:xfrm>
+          <a:off x="0" y="0"/>
+          <a:ext cx="0" cy="0"/>
+          <a:chOff x="0" y="0"/>
+          <a:chExt cx="0" cy="0"/>
+        </a:xfrm>
+      </p:grpSpPr>
+      <p:sp>
+        <p:nvSpPr>
+          <p:cNvPr id="67" name="Google Shape;67;p15"/>
+          <p:cNvSpPr txBox="1">
+            <a:spLocks noGrp="1"/>
+          </p:cNvSpPr>
+          <p:nvPr>
+            <p:ph type="ctrTitle"/>
+          </p:nvPr>
+        </p:nvSpPr>
+        <p:spPr>
+          <a:xfrm>
+            <a:off x="250495" y="201536"/>
+            <a:ext cx="3473004" cy="429000"/>
+          </a:xfrm>
+          <a:prstGeom prst="rect">
+            <a:avLst/>
+          </a:prstGeom>
+        </p:spPr>
+        <p:txBody>
+          <a:bodyPr spcFirstLastPara="1" wrap="square" lIns="91425" tIns="91425" rIns="91425" bIns="91425" anchor="b" anchorCtr="0">
+            <a:noAutofit/>
+          </a:bodyPr>
+          <a:lstStyle/>
+          <a:p>
+            <a:pPr marL="0" lvl="0" indent="0" algn="ctr" rtl="0">
+              <a:spcBef>
+                <a:spcPts val="0"/>
+              </a:spcBef>
+              <a:spcAft>
+                <a:spcPts val="0"/>
+              </a:spcAft>
+              <a:buSzPts val="990"/>
+              <a:buNone/>
+            </a:pPr>
+            <a:r>
+              <a:rPr lang="en-US" altLang="ko" sz="1679" b="1" dirty="0">
+                <a:solidFill>
+                  <a:srgbClr val="1C4587"/>
+                </a:solidFill>
+              </a:rPr>
+              <a:t>AS ( Acceleration structure )</a:t>
+            </a:r>
+            <a:endParaRPr sz="1679" b="1" dirty="0">
+              <a:solidFill>
+                <a:srgbClr val="1C4587"/>
+              </a:solidFill>
+            </a:endParaRPr>
+          </a:p>
+        </p:txBody>
+      </p:sp>
+      <p:sp>
+        <p:nvSpPr>
+          <p:cNvPr id="6" name="Google Shape;69;p15">
+            <a:extLst>
+              <a:ext uri="{FF2B5EF4-FFF2-40B4-BE49-F238E27FC236}">
+                <a16:creationId xmlns:a16="http://schemas.microsoft.com/office/drawing/2014/main" id="{1E234A87-C96B-849C-742C-F15B8FF347FD}"/>
+              </a:ext>
+            </a:extLst>
+          </p:cNvPr>
+          <p:cNvSpPr txBox="1">
+            <a:spLocks/>
+          </p:cNvSpPr>
+          <p:nvPr/>
+        </p:nvSpPr>
+        <p:spPr>
+          <a:xfrm>
+            <a:off x="0" y="1473414"/>
+            <a:ext cx="6663376" cy="3400985"/>
+          </a:xfrm>
+          <a:prstGeom prst="rect">
+            <a:avLst/>
+          </a:prstGeom>
+          <a:noFill/>
+          <a:ln>
+            <a:noFill/>
+          </a:ln>
+        </p:spPr>
+        <p:txBody>
+          <a:bodyPr spcFirstLastPara="1" wrap="square" lIns="91425" tIns="91425" rIns="91425" bIns="91425" anchor="ctr" anchorCtr="0">
+            <a:noAutofit/>
+          </a:bodyPr>
+          <a:lstStyle>
+            <a:defPPr marR="0" lvl="0" algn="l" rtl="0">
+              <a:lnSpc>
+                <a:spcPct val="100000"/>
+              </a:lnSpc>
+              <a:spcBef>
+                <a:spcPts val="0"/>
+              </a:spcBef>
+              <a:spcAft>
+                <a:spcPts val="0"/>
+              </a:spcAft>
+            </a:defPPr>
+            <a:lvl1pPr marR="0" lvl="0" algn="ctr" rtl="0">
+              <a:lnSpc>
+                <a:spcPct val="100000"/>
+              </a:lnSpc>
+              <a:spcBef>
+                <a:spcPts val="0"/>
+              </a:spcBef>
+              <a:spcAft>
+                <a:spcPts val="0"/>
+              </a:spcAft>
+              <a:buClr>
+                <a:schemeClr val="dk1"/>
+              </a:buClr>
+              <a:buSzPts val="5200"/>
+              <a:buFont typeface="Arial"/>
+              <a:buNone/>
+              <a:defRPr sz="5200" b="0" i="0" u="none" strike="noStrike" cap="none">
+                <a:solidFill>
+                  <a:schemeClr val="dk1"/>
+                </a:solidFill>
+                <a:latin typeface="Arial"/>
+                <a:ea typeface="Arial"/>
+                <a:cs typeface="Arial"/>
+                <a:sym typeface="Arial"/>
+              </a:defRPr>
+            </a:lvl1pPr>
+            <a:lvl2pPr marR="0" lvl="1" algn="ctr" rtl="0">
+              <a:lnSpc>
+                <a:spcPct val="100000"/>
+              </a:lnSpc>
+              <a:spcBef>
+                <a:spcPts val="0"/>
+              </a:spcBef>
+              <a:spcAft>
+                <a:spcPts val="0"/>
+              </a:spcAft>
+              <a:buClr>
+                <a:schemeClr val="dk1"/>
+              </a:buClr>
+              <a:buSzPts val="5200"/>
+              <a:buFont typeface="Arial"/>
+              <a:buNone/>
+              <a:defRPr sz="5200" b="0" i="0" u="none" strike="noStrike" cap="none">
+                <a:solidFill>
+                  <a:schemeClr val="dk1"/>
+                </a:solidFill>
+                <a:latin typeface="Arial"/>
+                <a:ea typeface="Arial"/>
+                <a:cs typeface="Arial"/>
+                <a:sym typeface="Arial"/>
+              </a:defRPr>
+            </a:lvl2pPr>
+            <a:lvl3pPr marR="0" lvl="2" algn="ctr" rtl="0">
+              <a:lnSpc>
+                <a:spcPct val="100000"/>
+              </a:lnSpc>
+              <a:spcBef>
+                <a:spcPts val="0"/>
+              </a:spcBef>
+              <a:spcAft>
+                <a:spcPts val="0"/>
+              </a:spcAft>
+              <a:buClr>
+                <a:schemeClr val="dk1"/>
+              </a:buClr>
+              <a:buSzPts val="5200"/>
+              <a:buFont typeface="Arial"/>
+              <a:buNone/>
+              <a:defRPr sz="5200" b="0" i="0" u="none" strike="noStrike" cap="none">
+                <a:solidFill>
+                  <a:schemeClr val="dk1"/>
+                </a:solidFill>
+                <a:latin typeface="Arial"/>
+                <a:ea typeface="Arial"/>
+                <a:cs typeface="Arial"/>
+                <a:sym typeface="Arial"/>
+              </a:defRPr>
+            </a:lvl3pPr>
+            <a:lvl4pPr marR="0" lvl="3" algn="ctr" rtl="0">
+              <a:lnSpc>
+                <a:spcPct val="100000"/>
+              </a:lnSpc>
+              <a:spcBef>
+                <a:spcPts val="0"/>
+              </a:spcBef>
+              <a:spcAft>
+                <a:spcPts val="0"/>
+              </a:spcAft>
+              <a:buClr>
+                <a:schemeClr val="dk1"/>
+              </a:buClr>
+              <a:buSzPts val="5200"/>
+              <a:buFont typeface="Arial"/>
+              <a:buNone/>
+              <a:defRPr sz="5200" b="0" i="0" u="none" strike="noStrike" cap="none">
+                <a:solidFill>
+                  <a:schemeClr val="dk1"/>
+                </a:solidFill>
+                <a:latin typeface="Arial"/>
+                <a:ea typeface="Arial"/>
+                <a:cs typeface="Arial"/>
+                <a:sym typeface="Arial"/>
+              </a:defRPr>
+            </a:lvl4pPr>
+            <a:lvl5pPr marR="0" lvl="4" algn="ctr" rtl="0">
+              <a:lnSpc>
+                <a:spcPct val="100000"/>
+              </a:lnSpc>
+              <a:spcBef>
+                <a:spcPts val="0"/>
+              </a:spcBef>
+              <a:spcAft>
+                <a:spcPts val="0"/>
+              </a:spcAft>
+              <a:buClr>
+                <a:schemeClr val="dk1"/>
+              </a:buClr>
+              <a:buSzPts val="5200"/>
+              <a:buFont typeface="Arial"/>
+              <a:buNone/>
+              <a:defRPr sz="5200" b="0" i="0" u="none" strike="noStrike" cap="none">
+                <a:solidFill>
+                  <a:schemeClr val="dk1"/>
+                </a:solidFill>
+                <a:latin typeface="Arial"/>
+                <a:ea typeface="Arial"/>
+                <a:cs typeface="Arial"/>
+                <a:sym typeface="Arial"/>
+              </a:defRPr>
+            </a:lvl5pPr>
+            <a:lvl6pPr marR="0" lvl="5" algn="ctr" rtl="0">
+              <a:lnSpc>
+                <a:spcPct val="100000"/>
+              </a:lnSpc>
+              <a:spcBef>
+                <a:spcPts val="0"/>
+              </a:spcBef>
+              <a:spcAft>
+                <a:spcPts val="0"/>
+              </a:spcAft>
+              <a:buClr>
+                <a:schemeClr val="dk1"/>
+              </a:buClr>
+              <a:buSzPts val="5200"/>
+              <a:buFont typeface="Arial"/>
+              <a:buNone/>
+              <a:defRPr sz="5200" b="0" i="0" u="none" strike="noStrike" cap="none">
+                <a:solidFill>
+                  <a:schemeClr val="dk1"/>
+                </a:solidFill>
+                <a:latin typeface="Arial"/>
+                <a:ea typeface="Arial"/>
+                <a:cs typeface="Arial"/>
+                <a:sym typeface="Arial"/>
+              </a:defRPr>
+            </a:lvl6pPr>
+            <a:lvl7pPr marR="0" lvl="6" algn="ctr" rtl="0">
+              <a:lnSpc>
+                <a:spcPct val="100000"/>
+              </a:lnSpc>
+              <a:spcBef>
+                <a:spcPts val="0"/>
+              </a:spcBef>
+              <a:spcAft>
+                <a:spcPts val="0"/>
+              </a:spcAft>
+              <a:buClr>
+                <a:schemeClr val="dk1"/>
+              </a:buClr>
+              <a:buSzPts val="5200"/>
+              <a:buFont typeface="Arial"/>
+              <a:buNone/>
+              <a:defRPr sz="5200" b="0" i="0" u="none" strike="noStrike" cap="none">
+                <a:solidFill>
+                  <a:schemeClr val="dk1"/>
+                </a:solidFill>
+                <a:latin typeface="Arial"/>
+                <a:ea typeface="Arial"/>
+                <a:cs typeface="Arial"/>
+                <a:sym typeface="Arial"/>
+              </a:defRPr>
+            </a:lvl7pPr>
+            <a:lvl8pPr marR="0" lvl="7" algn="ctr" rtl="0">
+              <a:lnSpc>
+                <a:spcPct val="100000"/>
+              </a:lnSpc>
+              <a:spcBef>
+                <a:spcPts val="0"/>
+              </a:spcBef>
+              <a:spcAft>
+                <a:spcPts val="0"/>
+              </a:spcAft>
+              <a:buClr>
+                <a:schemeClr val="dk1"/>
+              </a:buClr>
+              <a:buSzPts val="5200"/>
+              <a:buFont typeface="Arial"/>
+              <a:buNone/>
+              <a:defRPr sz="5200" b="0" i="0" u="none" strike="noStrike" cap="none">
+                <a:solidFill>
+                  <a:schemeClr val="dk1"/>
+                </a:solidFill>
+                <a:latin typeface="Arial"/>
+                <a:ea typeface="Arial"/>
+                <a:cs typeface="Arial"/>
+                <a:sym typeface="Arial"/>
+              </a:defRPr>
+            </a:lvl8pPr>
+            <a:lvl9pPr marR="0" lvl="8" algn="ctr" rtl="0">
+              <a:lnSpc>
+                <a:spcPct val="100000"/>
+              </a:lnSpc>
+              <a:spcBef>
+                <a:spcPts val="0"/>
+              </a:spcBef>
+              <a:spcAft>
+                <a:spcPts val="0"/>
+              </a:spcAft>
+              <a:buClr>
+                <a:schemeClr val="dk1"/>
+              </a:buClr>
+              <a:buSzPts val="5200"/>
+              <a:buFont typeface="Arial"/>
+              <a:buNone/>
+              <a:defRPr sz="5200" b="0" i="0" u="none" strike="noStrike" cap="none">
+                <a:solidFill>
+                  <a:schemeClr val="dk1"/>
+                </a:solidFill>
+                <a:latin typeface="Arial"/>
+                <a:ea typeface="Arial"/>
+                <a:cs typeface="Arial"/>
+                <a:sym typeface="Arial"/>
+              </a:defRPr>
+            </a:lvl9pPr>
+          </a:lstStyle>
+          <a:p>
+            <a:pPr marL="139700" algn="l">
+              <a:buSzPts val="1400"/>
+            </a:pPr>
+            <a:br>
+              <a:rPr lang="ko-KR" altLang="en-US" sz="1100" b="1" dirty="0">
+                <a:solidFill>
+                  <a:srgbClr val="1C4587"/>
+                </a:solidFill>
+              </a:rPr>
+            </a:br>
+            <a:r>
+              <a:rPr lang="en-US" altLang="ko-KR" sz="1100" b="1" dirty="0">
+                <a:solidFill>
+                  <a:srgbClr val="1C4587"/>
+                </a:solidFill>
+              </a:rPr>
+              <a:t>* </a:t>
+            </a:r>
+            <a:r>
+              <a:rPr lang="en-US" altLang="ko-KR" sz="1100" b="1" dirty="0">
+                <a:solidFill>
+                  <a:schemeClr val="tx1"/>
+                </a:solidFill>
+              </a:rPr>
+              <a:t>Bottom Level AS</a:t>
+            </a:r>
+            <a:r>
+              <a:rPr lang="ko-KR" altLang="en-US" sz="1100" b="1" dirty="0">
+                <a:solidFill>
+                  <a:schemeClr val="tx1"/>
+                </a:solidFill>
+              </a:rPr>
+              <a:t>단계 에서는</a:t>
+            </a:r>
+            <a:endParaRPr lang="en-US" altLang="ko-KR" sz="1100" b="1" dirty="0">
+              <a:solidFill>
+                <a:schemeClr val="tx1"/>
+              </a:solidFill>
+            </a:endParaRPr>
+          </a:p>
+          <a:p>
+            <a:pPr marL="139700" algn="l">
+              <a:buSzPts val="1400"/>
+            </a:pPr>
+            <a:r>
+              <a:rPr lang="ko-KR" altLang="en-US" sz="1100" b="1" dirty="0">
+                <a:solidFill>
+                  <a:schemeClr val="tx1"/>
+                </a:solidFill>
+              </a:rPr>
+              <a:t>단일 </a:t>
+            </a:r>
+            <a:r>
+              <a:rPr lang="ko-KR" altLang="en-US" sz="1100" b="1" dirty="0" err="1">
+                <a:solidFill>
+                  <a:schemeClr val="tx1"/>
+                </a:solidFill>
+              </a:rPr>
+              <a:t>지오메트리</a:t>
+            </a:r>
+            <a:r>
+              <a:rPr lang="ko-KR" altLang="en-US" sz="1100" b="1" dirty="0">
+                <a:solidFill>
+                  <a:schemeClr val="tx1"/>
+                </a:solidFill>
+              </a:rPr>
+              <a:t> 유형만 포함할 수 있다</a:t>
+            </a:r>
+            <a:r>
+              <a:rPr lang="en-US" altLang="ko-KR" sz="1100" b="1" dirty="0">
+                <a:solidFill>
+                  <a:schemeClr val="tx1"/>
+                </a:solidFill>
+              </a:rPr>
+              <a:t>.</a:t>
+            </a:r>
+            <a:br>
+              <a:rPr lang="en-US" altLang="ko-KR" sz="1100" b="1" dirty="0">
+                <a:solidFill>
+                  <a:schemeClr val="tx1"/>
+                </a:solidFill>
+              </a:rPr>
+            </a:br>
+            <a:br>
+              <a:rPr lang="en-US" altLang="ko-KR" sz="1100" b="1" dirty="0">
+                <a:solidFill>
+                  <a:schemeClr val="tx1"/>
+                </a:solidFill>
+              </a:rPr>
+            </a:br>
+            <a:r>
+              <a:rPr lang="en-US" altLang="ko-KR" sz="1100" b="1" dirty="0">
+                <a:solidFill>
+                  <a:schemeClr val="tx1"/>
+                </a:solidFill>
+              </a:rPr>
+              <a:t>* </a:t>
+            </a:r>
+            <a:r>
+              <a:rPr lang="ko-KR" altLang="en-US" sz="1100" b="1" dirty="0">
+                <a:solidFill>
+                  <a:schemeClr val="tx1"/>
+                </a:solidFill>
+              </a:rPr>
+              <a:t>각 </a:t>
+            </a:r>
+            <a:r>
+              <a:rPr lang="en-US" altLang="ko-KR" sz="1100" b="1" dirty="0">
+                <a:solidFill>
+                  <a:schemeClr val="tx1"/>
+                </a:solidFill>
+              </a:rPr>
+              <a:t>Level</a:t>
+            </a:r>
+            <a:r>
+              <a:rPr lang="ko-KR" altLang="en-US" sz="1100" b="1" dirty="0">
+                <a:solidFill>
+                  <a:schemeClr val="tx1"/>
+                </a:solidFill>
+              </a:rPr>
+              <a:t>에서 </a:t>
+            </a:r>
+            <a:r>
+              <a:rPr lang="ko-KR" altLang="en-US" sz="1100" b="1" dirty="0" err="1">
+                <a:solidFill>
+                  <a:schemeClr val="tx1"/>
+                </a:solidFill>
+              </a:rPr>
+              <a:t>지오메트리에</a:t>
+            </a:r>
+            <a:r>
+              <a:rPr lang="ko-KR" altLang="en-US" sz="1100" b="1" dirty="0">
+                <a:solidFill>
+                  <a:schemeClr val="tx1"/>
+                </a:solidFill>
+              </a:rPr>
+              <a:t> 대한 집합의 정의가 주어지면 </a:t>
+            </a:r>
+            <a:endParaRPr lang="en-US" altLang="ko-KR" sz="1100" b="1" dirty="0">
+              <a:solidFill>
+                <a:schemeClr val="tx1"/>
+              </a:solidFill>
+            </a:endParaRPr>
+          </a:p>
+          <a:p>
+            <a:pPr marL="139700" algn="l">
+              <a:buSzPts val="1400"/>
+            </a:pPr>
+            <a:r>
+              <a:rPr lang="en-US" altLang="ko-KR" sz="1100" b="1" dirty="0" err="1">
+                <a:solidFill>
+                  <a:schemeClr val="tx1"/>
+                </a:solidFill>
+              </a:rPr>
+              <a:t>CommandList</a:t>
+            </a:r>
+            <a:r>
+              <a:rPr lang="ko-KR" altLang="en-US" sz="1100" b="1" dirty="0">
+                <a:solidFill>
+                  <a:schemeClr val="tx1"/>
+                </a:solidFill>
+              </a:rPr>
+              <a:t>에서는</a:t>
+            </a:r>
+            <a:r>
+              <a:rPr lang="en-US" altLang="ko-KR" sz="1100" b="1" dirty="0">
+                <a:solidFill>
+                  <a:schemeClr val="tx1"/>
+                </a:solidFill>
+              </a:rPr>
+              <a:t> </a:t>
+            </a:r>
+            <a:r>
+              <a:rPr lang="en-US" altLang="ko-KR" sz="1100" b="1" dirty="0" err="1">
+                <a:solidFill>
+                  <a:schemeClr val="tx1"/>
+                </a:solidFill>
+              </a:rPr>
+              <a:t>BuildRayTracingAS</a:t>
+            </a:r>
+            <a:r>
+              <a:rPr lang="en-US" altLang="ko-KR" sz="1100" b="1" dirty="0">
+                <a:solidFill>
+                  <a:schemeClr val="tx1"/>
+                </a:solidFill>
+              </a:rPr>
+              <a:t>()</a:t>
+            </a:r>
+            <a:r>
+              <a:rPr lang="ko-KR" altLang="en-US" sz="1100" b="1" dirty="0">
+                <a:solidFill>
+                  <a:schemeClr val="tx1"/>
+                </a:solidFill>
+              </a:rPr>
+              <a:t>를 호출하여 가속구조</a:t>
+            </a:r>
+            <a:endParaRPr lang="en-US" altLang="ko-KR" sz="1100" b="1" dirty="0">
+              <a:solidFill>
+                <a:schemeClr val="tx1"/>
+              </a:solidFill>
+            </a:endParaRPr>
+          </a:p>
+          <a:p>
+            <a:pPr marL="139700" algn="l">
+              <a:buSzPts val="1400"/>
+            </a:pPr>
+            <a:r>
+              <a:rPr lang="ko-KR" altLang="en-US" sz="1100" b="1" dirty="0" err="1">
+                <a:solidFill>
+                  <a:schemeClr val="tx1"/>
+                </a:solidFill>
+              </a:rPr>
+              <a:t>를</a:t>
+            </a:r>
+            <a:r>
+              <a:rPr lang="ko-KR" altLang="en-US" sz="1100" b="1" dirty="0">
+                <a:solidFill>
+                  <a:schemeClr val="tx1"/>
+                </a:solidFill>
+              </a:rPr>
+              <a:t> 빌드하도록 시스템에 요청하여</a:t>
+            </a:r>
+            <a:r>
+              <a:rPr lang="en-US" altLang="ko-KR" sz="1100" b="1" dirty="0">
+                <a:solidFill>
+                  <a:schemeClr val="tx1"/>
+                </a:solidFill>
+              </a:rPr>
+              <a:t>, </a:t>
+            </a:r>
+            <a:r>
+              <a:rPr lang="ko-KR" altLang="en-US" sz="1100" b="1" dirty="0">
+                <a:solidFill>
+                  <a:schemeClr val="tx1"/>
+                </a:solidFill>
+              </a:rPr>
+              <a:t>광선이 </a:t>
+            </a:r>
+            <a:r>
+              <a:rPr lang="ko-KR" altLang="en-US" sz="1100" b="1" dirty="0" err="1">
+                <a:solidFill>
+                  <a:schemeClr val="tx1"/>
+                </a:solidFill>
+              </a:rPr>
+              <a:t>지오메트리와</a:t>
+            </a:r>
+            <a:r>
+              <a:rPr lang="ko-KR" altLang="en-US" sz="1100" b="1" dirty="0">
+                <a:solidFill>
+                  <a:schemeClr val="tx1"/>
+                </a:solidFill>
+              </a:rPr>
+              <a:t> 교차하는데</a:t>
+            </a:r>
+            <a:endParaRPr lang="en-US" altLang="ko-KR" sz="1100" b="1" dirty="0">
+              <a:solidFill>
+                <a:schemeClr val="tx1"/>
+              </a:solidFill>
+            </a:endParaRPr>
+          </a:p>
+          <a:p>
+            <a:pPr marL="139700" algn="l">
+              <a:buSzPts val="1400"/>
+            </a:pPr>
+            <a:r>
+              <a:rPr lang="ko-KR" altLang="en-US" sz="1100" b="1" dirty="0">
+                <a:solidFill>
+                  <a:schemeClr val="tx1"/>
+                </a:solidFill>
+              </a:rPr>
+              <a:t>사용된다</a:t>
+            </a:r>
+            <a:r>
+              <a:rPr lang="en-US" altLang="ko-KR" sz="1100" b="1" dirty="0">
+                <a:solidFill>
+                  <a:schemeClr val="tx1"/>
+                </a:solidFill>
+              </a:rPr>
+              <a:t>.</a:t>
+            </a:r>
+          </a:p>
+          <a:p>
+            <a:pPr marL="139700" algn="l">
+              <a:buSzPts val="1400"/>
+            </a:pPr>
+            <a:endParaRPr lang="en-US" altLang="ko-KR" sz="1679" b="1" dirty="0">
+              <a:solidFill>
+                <a:srgbClr val="1C4587"/>
+              </a:solidFill>
+            </a:endParaRPr>
+          </a:p>
+          <a:p>
+            <a:pPr marL="311150" indent="-171450" algn="l">
+              <a:buSzPts val="1400"/>
+              <a:buFont typeface="Arial" panose="020B0604020202020204" pitchFamily="34" charset="0"/>
+              <a:buChar char="•"/>
+            </a:pPr>
+            <a:r>
+              <a:rPr lang="en-US" altLang="ko-KR" sz="1100" b="1" dirty="0">
+                <a:solidFill>
+                  <a:schemeClr val="tx1"/>
+                </a:solidFill>
+              </a:rPr>
+              <a:t>Top Level AS </a:t>
+            </a:r>
+            <a:r>
+              <a:rPr lang="ko-KR" altLang="en-US" sz="1100" b="1" dirty="0">
+                <a:solidFill>
+                  <a:schemeClr val="tx1"/>
+                </a:solidFill>
+              </a:rPr>
+              <a:t>는 시스템이 광선을 추적하는 대상을 나타내며</a:t>
+            </a:r>
+            <a:r>
+              <a:rPr lang="en-US" altLang="ko-KR" sz="1100" b="1" dirty="0">
+                <a:solidFill>
+                  <a:schemeClr val="tx1"/>
+                </a:solidFill>
+              </a:rPr>
+              <a:t>,</a:t>
+            </a:r>
+          </a:p>
+          <a:p>
+            <a:pPr marL="139700" algn="l">
+              <a:buSzPts val="1400"/>
+            </a:pPr>
+            <a:r>
+              <a:rPr lang="ko-KR" altLang="en-US" sz="1100" b="1" dirty="0">
+                <a:solidFill>
+                  <a:schemeClr val="tx1"/>
+                </a:solidFill>
+              </a:rPr>
+              <a:t>애플리케이션은 </a:t>
+            </a:r>
+            <a:r>
+              <a:rPr lang="en-US" altLang="ko-KR" sz="1100" b="1" dirty="0" err="1">
+                <a:solidFill>
+                  <a:schemeClr val="tx1"/>
+                </a:solidFill>
+              </a:rPr>
+              <a:t>toplevelAS</a:t>
+            </a:r>
+            <a:r>
+              <a:rPr lang="ko-KR" altLang="en-US" sz="1100" b="1" dirty="0">
+                <a:solidFill>
+                  <a:schemeClr val="tx1"/>
+                </a:solidFill>
+              </a:rPr>
+              <a:t>를 동시에 사용하여 </a:t>
+            </a:r>
+            <a:r>
+              <a:rPr lang="ko-KR" altLang="en-US" sz="1100" b="1" dirty="0" err="1">
+                <a:solidFill>
+                  <a:schemeClr val="tx1"/>
+                </a:solidFill>
+              </a:rPr>
+              <a:t>관련쉐이더에</a:t>
+            </a:r>
+            <a:r>
+              <a:rPr lang="ko-KR" altLang="en-US" sz="1100" b="1" dirty="0">
+                <a:solidFill>
+                  <a:schemeClr val="tx1"/>
+                </a:solidFill>
+              </a:rPr>
+              <a:t> </a:t>
+            </a:r>
+            <a:endParaRPr lang="en-US" altLang="ko-KR" sz="1100" b="1" dirty="0">
+              <a:solidFill>
+                <a:schemeClr val="tx1"/>
+              </a:solidFill>
+            </a:endParaRPr>
+          </a:p>
+          <a:p>
+            <a:pPr marL="139700" algn="l">
+              <a:buSzPts val="1400"/>
+            </a:pPr>
+            <a:r>
+              <a:rPr lang="ko-KR" altLang="en-US" sz="1100" b="1" dirty="0">
+                <a:solidFill>
+                  <a:schemeClr val="tx1"/>
+                </a:solidFill>
+              </a:rPr>
+              <a:t>입력 리소스로 바인딩할 수 있다</a:t>
+            </a:r>
+            <a:r>
+              <a:rPr lang="en-US" altLang="ko-KR" sz="1100" b="1" dirty="0">
+                <a:solidFill>
+                  <a:schemeClr val="tx1"/>
+                </a:solidFill>
+              </a:rPr>
+              <a:t>.</a:t>
+            </a:r>
+          </a:p>
+          <a:p>
+            <a:pPr marL="139700" algn="l">
+              <a:buSzPts val="1400"/>
+            </a:pPr>
+            <a:endParaRPr lang="en-US" altLang="ko-KR" sz="900" b="1" dirty="0">
+              <a:solidFill>
+                <a:schemeClr val="accent6">
+                  <a:lumMod val="50000"/>
+                </a:schemeClr>
+              </a:solidFill>
+              <a:latin typeface="+mj-lt"/>
+            </a:endParaRPr>
+          </a:p>
+          <a:p>
+            <a:pPr marL="139700" algn="l">
+              <a:buSzPts val="1400"/>
+            </a:pPr>
+            <a:r>
+              <a:rPr lang="en-US" altLang="ko-KR" sz="900" b="1" dirty="0">
+                <a:solidFill>
+                  <a:schemeClr val="accent6">
+                    <a:lumMod val="50000"/>
+                  </a:schemeClr>
+                </a:solidFill>
+                <a:latin typeface="+mj-lt"/>
+                <a:ea typeface="돋움체" panose="020B0609000101010101" pitchFamily="49" charset="-127"/>
+              </a:rPr>
+              <a:t>- D3D12_RAYTRACING_ACCELERATION_STRUCTURE_BUILD_FLAGS</a:t>
+            </a:r>
+          </a:p>
+          <a:p>
+            <a:pPr marL="139700" algn="l">
+              <a:buSzPts val="1400"/>
+            </a:pPr>
+            <a:r>
+              <a:rPr lang="en-US" altLang="ko-KR" sz="900" b="1" dirty="0">
+                <a:solidFill>
+                  <a:schemeClr val="accent6">
+                    <a:lumMod val="50000"/>
+                  </a:schemeClr>
+                </a:solidFill>
+                <a:latin typeface="+mj-lt"/>
+                <a:ea typeface="돋움체" panose="020B0609000101010101" pitchFamily="49" charset="-127"/>
+              </a:rPr>
+              <a:t>- D3D12_BUILD_RAYTRACING_ACCELERATION_STRUCTURE_INPUT</a:t>
+            </a:r>
+          </a:p>
+          <a:p>
+            <a:pPr marL="139700" algn="l">
+              <a:buSzPts val="1400"/>
+            </a:pPr>
+            <a:r>
+              <a:rPr lang="en-US" altLang="ko-KR" sz="900" b="1" dirty="0">
+                <a:solidFill>
+                  <a:schemeClr val="accent6">
+                    <a:lumMod val="50000"/>
+                  </a:schemeClr>
+                </a:solidFill>
+                <a:latin typeface="+mj-lt"/>
+                <a:ea typeface="돋움체" panose="020B0609000101010101" pitchFamily="49" charset="-127"/>
+              </a:rPr>
+              <a:t>- D3D12_RAYTRACING_ACCELERATION_STRUCTURE_PREBUILD_INFOS</a:t>
+            </a:r>
+          </a:p>
+        </p:txBody>
+      </p:sp>
+      <p:pic>
+        <p:nvPicPr>
+          <p:cNvPr id="8" name="그림 7">
+            <a:extLst>
+              <a:ext uri="{FF2B5EF4-FFF2-40B4-BE49-F238E27FC236}">
+                <a16:creationId xmlns:a16="http://schemas.microsoft.com/office/drawing/2014/main" id="{5AABE709-CB7F-B309-D623-6D4C2C1F43D9}"/>
+              </a:ext>
+            </a:extLst>
+          </p:cNvPr>
+          <p:cNvPicPr>
+            <a:picLocks noChangeAspect="1"/>
+          </p:cNvPicPr>
+          <p:nvPr/>
+        </p:nvPicPr>
+        <p:blipFill>
+          <a:blip r:embed="rId3"/>
+          <a:stretch>
+            <a:fillRect/>
+          </a:stretch>
+        </p:blipFill>
+        <p:spPr>
+          <a:xfrm>
+            <a:off x="120895" y="650574"/>
+            <a:ext cx="4833392" cy="895512"/>
+          </a:xfrm>
+          <a:prstGeom prst="rect">
+            <a:avLst/>
+          </a:prstGeom>
+        </p:spPr>
+      </p:pic>
+      <p:pic>
+        <p:nvPicPr>
+          <p:cNvPr id="5" name="그림 4">
+            <a:extLst>
+              <a:ext uri="{FF2B5EF4-FFF2-40B4-BE49-F238E27FC236}">
+                <a16:creationId xmlns:a16="http://schemas.microsoft.com/office/drawing/2014/main" id="{1C3017C3-E447-E44D-3F0D-6E2E65A5DEE9}"/>
+              </a:ext>
+            </a:extLst>
+          </p:cNvPr>
+          <p:cNvPicPr>
+            <a:picLocks noChangeAspect="1"/>
+          </p:cNvPicPr>
+          <p:nvPr/>
+        </p:nvPicPr>
+        <p:blipFill>
+          <a:blip r:embed="rId4"/>
+          <a:stretch>
+            <a:fillRect/>
+          </a:stretch>
+        </p:blipFill>
+        <p:spPr>
+          <a:xfrm>
+            <a:off x="4370400" y="0"/>
+            <a:ext cx="4558475" cy="5006700"/>
+          </a:xfrm>
+          <a:prstGeom prst="rect">
+            <a:avLst/>
+          </a:prstGeom>
+        </p:spPr>
+      </p:pic>
+    </p:spTree>
+    <p:extLst>
+      <p:ext uri="{BB962C8B-B14F-4D97-AF65-F5344CB8AC3E}">
         <p14:creationId xmlns:p14="http://schemas.microsoft.com/office/powerpoint/2010/main" val="1727463522"/>
+      </p:ext>
+    </p:extLst>
+  </p:cSld>
+  <p:clrMapOvr>
+    <a:masterClrMapping/>
+  </p:clrMapOvr>
+</p:sld>
+</file>
+
+<file path=ppt/slides/slide7.xml><?xml version="1.0" encoding="utf-8"?>
+<p:sld xmlns:a="http://schemas.openxmlformats.org/drawingml/2006/main" xmlns:r="http://schemas.openxmlformats.org/officeDocument/2006/relationships" xmlns:p="http://schemas.openxmlformats.org/presentationml/2006/main">
+  <p:cSld>
+    <p:spTree>
+      <p:nvGrpSpPr>
+        <p:cNvPr id="1" name="Shape 53"/>
+        <p:cNvGrpSpPr/>
+        <p:nvPr/>
+      </p:nvGrpSpPr>
+      <p:grpSpPr>
+        <a:xfrm>
+          <a:off x="0" y="0"/>
+          <a:ext cx="0" cy="0"/>
+          <a:chOff x="0" y="0"/>
+          <a:chExt cx="0" cy="0"/>
+        </a:xfrm>
+      </p:grpSpPr>
+      <p:sp>
+        <p:nvSpPr>
+          <p:cNvPr id="54" name="Google Shape;54;p13"/>
+          <p:cNvSpPr txBox="1">
+            <a:spLocks noGrp="1"/>
+          </p:cNvSpPr>
+          <p:nvPr>
+            <p:ph type="ctrTitle"/>
+          </p:nvPr>
+        </p:nvSpPr>
+        <p:spPr>
+          <a:xfrm>
+            <a:off x="311708" y="1545450"/>
+            <a:ext cx="8520600" cy="2052600"/>
+          </a:xfrm>
+          <a:prstGeom prst="rect">
+            <a:avLst/>
+          </a:prstGeom>
+        </p:spPr>
+        <p:txBody>
+          <a:bodyPr spcFirstLastPara="1" wrap="square" lIns="91425" tIns="91425" rIns="91425" bIns="91425" anchor="b" anchorCtr="0">
+            <a:noAutofit/>
+          </a:bodyPr>
+          <a:lstStyle/>
+          <a:p>
+            <a:pPr marL="0" lvl="0" indent="0" algn="ctr" rtl="0">
+              <a:spcBef>
+                <a:spcPts val="0"/>
+              </a:spcBef>
+              <a:spcAft>
+                <a:spcPts val="0"/>
+              </a:spcAft>
+              <a:buSzPts val="990"/>
+              <a:buNone/>
+            </a:pPr>
+            <a:r>
+              <a:rPr lang="ko" sz="3380" b="1" dirty="0">
+                <a:solidFill>
+                  <a:srgbClr val="E73277"/>
+                </a:solidFill>
+              </a:rPr>
+              <a:t>RayTracing with DirectX 12</a:t>
+            </a:r>
+            <a:endParaRPr sz="3380" b="1" dirty="0">
+              <a:solidFill>
+                <a:srgbClr val="E73277"/>
+              </a:solidFill>
+            </a:endParaRPr>
+          </a:p>
+          <a:p>
+            <a:pPr marL="0" lvl="0" indent="0" algn="ctr" rtl="0">
+              <a:spcBef>
+                <a:spcPts val="0"/>
+              </a:spcBef>
+              <a:spcAft>
+                <a:spcPts val="0"/>
+              </a:spcAft>
+              <a:buSzPts val="990"/>
+              <a:buNone/>
+            </a:pPr>
+            <a:endParaRPr sz="3480" dirty="0"/>
+          </a:p>
+          <a:p>
+            <a:pPr marL="0" lvl="0" indent="0" algn="ctr" rtl="0">
+              <a:spcBef>
+                <a:spcPts val="0"/>
+              </a:spcBef>
+              <a:spcAft>
+                <a:spcPts val="0"/>
+              </a:spcAft>
+              <a:buSzPts val="990"/>
+              <a:buNone/>
+            </a:pPr>
+            <a:r>
+              <a:rPr lang="ko" sz="2980" b="1" dirty="0">
+                <a:solidFill>
+                  <a:srgbClr val="1C4587"/>
+                </a:solidFill>
+              </a:rPr>
+              <a:t>XD</a:t>
+            </a:r>
+            <a:endParaRPr sz="2980" b="1" dirty="0">
+              <a:solidFill>
+                <a:srgbClr val="1C4587"/>
+              </a:solidFill>
+            </a:endParaRPr>
+          </a:p>
+          <a:p>
+            <a:pPr marL="0" lvl="0" indent="0" algn="ctr" rtl="0">
+              <a:spcBef>
+                <a:spcPts val="0"/>
+              </a:spcBef>
+              <a:spcAft>
+                <a:spcPts val="0"/>
+              </a:spcAft>
+              <a:buSzPts val="990"/>
+              <a:buNone/>
+            </a:pPr>
+            <a:r>
+              <a:rPr lang="en-US" altLang="ko" sz="2980" b="1" dirty="0">
+                <a:solidFill>
+                  <a:srgbClr val="FF9900"/>
+                </a:solidFill>
+              </a:rPr>
+              <a:t>Shader</a:t>
+            </a:r>
+            <a:endParaRPr sz="2980" b="1" dirty="0">
+              <a:solidFill>
+                <a:srgbClr val="FF9900"/>
+              </a:solidFill>
+            </a:endParaRPr>
+          </a:p>
+        </p:txBody>
+      </p:sp>
+      <p:sp>
+        <p:nvSpPr>
+          <p:cNvPr id="55" name="Google Shape;55;p13"/>
+          <p:cNvSpPr txBox="1">
+            <a:spLocks noGrp="1"/>
+          </p:cNvSpPr>
+          <p:nvPr>
+            <p:ph type="subTitle" idx="1"/>
+          </p:nvPr>
+        </p:nvSpPr>
+        <p:spPr>
+          <a:xfrm>
+            <a:off x="5902750" y="4452375"/>
+            <a:ext cx="3132300" cy="618000"/>
+          </a:xfrm>
+          <a:prstGeom prst="rect">
+            <a:avLst/>
+          </a:prstGeom>
+        </p:spPr>
+        <p:txBody>
+          <a:bodyPr spcFirstLastPara="1" wrap="square" lIns="91425" tIns="91425" rIns="91425" bIns="91425" anchor="t" anchorCtr="0">
+            <a:normAutofit/>
+          </a:bodyPr>
+          <a:lstStyle/>
+          <a:p>
+            <a:pPr marL="0" lvl="0" indent="0" algn="ctr" rtl="0">
+              <a:spcBef>
+                <a:spcPts val="0"/>
+              </a:spcBef>
+              <a:spcAft>
+                <a:spcPts val="0"/>
+              </a:spcAft>
+              <a:buNone/>
+            </a:pPr>
+            <a:r>
+              <a:rPr lang="ko" sz="1900" b="1" dirty="0"/>
+              <a:t>작성자 : 허재성</a:t>
+            </a:r>
+            <a:endParaRPr sz="1900" b="1" dirty="0"/>
+          </a:p>
+        </p:txBody>
+      </p:sp>
+    </p:spTree>
+    <p:extLst>
+      <p:ext uri="{BB962C8B-B14F-4D97-AF65-F5344CB8AC3E}">
+        <p14:creationId xmlns:p14="http://schemas.microsoft.com/office/powerpoint/2010/main" val="4218132462"/>
+      </p:ext>
+    </p:extLst>
+  </p:cSld>
+  <p:clrMapOvr>
+    <a:masterClrMapping/>
+  </p:clrMapOvr>
+</p:sld>
+</file>
+
+<file path=ppt/slides/slide8.xml><?xml version="1.0" encoding="utf-8"?>
+<p:sld xmlns:a="http://schemas.openxmlformats.org/drawingml/2006/main" xmlns:r="http://schemas.openxmlformats.org/officeDocument/2006/relationships" xmlns:p="http://schemas.openxmlformats.org/presentationml/2006/main">
+  <p:cSld>
+    <p:spTree>
+      <p:nvGrpSpPr>
+        <p:cNvPr id="1" name="Shape 66"/>
+        <p:cNvGrpSpPr/>
+        <p:nvPr/>
+      </p:nvGrpSpPr>
+      <p:grpSpPr>
+        <a:xfrm>
+          <a:off x="0" y="0"/>
+          <a:ext cx="0" cy="0"/>
+          <a:chOff x="0" y="0"/>
+          <a:chExt cx="0" cy="0"/>
+        </a:xfrm>
+      </p:grpSpPr>
+      <p:sp>
+        <p:nvSpPr>
+          <p:cNvPr id="67" name="Google Shape;67;p15"/>
+          <p:cNvSpPr txBox="1">
+            <a:spLocks noGrp="1"/>
+          </p:cNvSpPr>
+          <p:nvPr>
+            <p:ph type="ctrTitle"/>
+          </p:nvPr>
+        </p:nvSpPr>
+        <p:spPr>
+          <a:xfrm>
+            <a:off x="0" y="296575"/>
+            <a:ext cx="2692715" cy="429000"/>
+          </a:xfrm>
+          <a:prstGeom prst="rect">
+            <a:avLst/>
+          </a:prstGeom>
+        </p:spPr>
+        <p:txBody>
+          <a:bodyPr spcFirstLastPara="1" wrap="square" lIns="91425" tIns="91425" rIns="91425" bIns="91425" anchor="b" anchorCtr="0">
+            <a:noAutofit/>
+          </a:bodyPr>
+          <a:lstStyle/>
+          <a:p>
+            <a:pPr marL="0" lvl="0" indent="0" algn="ctr" rtl="0">
+              <a:spcBef>
+                <a:spcPts val="0"/>
+              </a:spcBef>
+              <a:spcAft>
+                <a:spcPts val="0"/>
+              </a:spcAft>
+              <a:buSzPts val="990"/>
+              <a:buNone/>
+            </a:pPr>
+            <a:r>
+              <a:rPr lang="en-US" altLang="ko-KR" sz="1679" b="1" dirty="0">
+                <a:solidFill>
+                  <a:srgbClr val="1C4587"/>
+                </a:solidFill>
+              </a:rPr>
+              <a:t>Shader Variety</a:t>
+            </a:r>
+            <a:endParaRPr sz="1679" b="1" dirty="0">
+              <a:solidFill>
+                <a:srgbClr val="1C4587"/>
+              </a:solidFill>
+            </a:endParaRPr>
+          </a:p>
+        </p:txBody>
+      </p:sp>
+      <p:sp>
+        <p:nvSpPr>
+          <p:cNvPr id="69" name="Google Shape;69;p15"/>
+          <p:cNvSpPr txBox="1">
+            <a:spLocks noGrp="1"/>
+          </p:cNvSpPr>
+          <p:nvPr>
+            <p:ph type="ctrTitle"/>
+          </p:nvPr>
+        </p:nvSpPr>
+        <p:spPr>
+          <a:xfrm>
+            <a:off x="421300" y="908608"/>
+            <a:ext cx="8576396" cy="3200095"/>
+          </a:xfrm>
+          <a:prstGeom prst="rect">
+            <a:avLst/>
+          </a:prstGeom>
+        </p:spPr>
+        <p:txBody>
+          <a:bodyPr spcFirstLastPara="1" wrap="square" lIns="91425" tIns="91425" rIns="91425" bIns="91425" anchor="ctr" anchorCtr="0">
+            <a:noAutofit/>
+          </a:bodyPr>
+          <a:lstStyle/>
+          <a:p>
+            <a:pPr marL="139700" lvl="0" algn="l" rtl="0">
+              <a:lnSpc>
+                <a:spcPct val="150000"/>
+              </a:lnSpc>
+              <a:spcBef>
+                <a:spcPts val="0"/>
+              </a:spcBef>
+              <a:spcAft>
+                <a:spcPts val="0"/>
+              </a:spcAft>
+              <a:buSzPts val="1400"/>
+            </a:pPr>
+            <a:r>
+              <a:rPr lang="en-US" sz="1200" b="1" dirty="0">
+                <a:solidFill>
+                  <a:schemeClr val="tx1"/>
+                </a:solidFill>
+              </a:rPr>
+              <a:t>1. </a:t>
+            </a:r>
+            <a:r>
+              <a:rPr lang="ko-KR" altLang="en-US" sz="1200" b="1" dirty="0">
+                <a:solidFill>
+                  <a:schemeClr val="tx1"/>
+                </a:solidFill>
+              </a:rPr>
+              <a:t>광선</a:t>
+            </a:r>
+            <a:r>
+              <a:rPr lang="en-US" sz="1200" b="1" dirty="0">
+                <a:solidFill>
+                  <a:schemeClr val="tx1"/>
+                </a:solidFill>
+              </a:rPr>
+              <a:t> </a:t>
+            </a:r>
+            <a:r>
+              <a:rPr lang="ko-KR" altLang="en-US" sz="1200" b="1" dirty="0">
+                <a:solidFill>
+                  <a:schemeClr val="tx1"/>
+                </a:solidFill>
+              </a:rPr>
+              <a:t>생성 </a:t>
+            </a:r>
+            <a:r>
+              <a:rPr lang="ko-KR" altLang="en-US" sz="1200" b="1" dirty="0" err="1">
+                <a:solidFill>
+                  <a:schemeClr val="tx1"/>
+                </a:solidFill>
+              </a:rPr>
+              <a:t>쉐이더</a:t>
+            </a:r>
+            <a:r>
+              <a:rPr lang="ko-KR" altLang="en-US" sz="1200" b="1" dirty="0">
+                <a:solidFill>
+                  <a:schemeClr val="tx1"/>
+                </a:solidFill>
+              </a:rPr>
+              <a:t> </a:t>
+            </a:r>
+            <a:r>
+              <a:rPr lang="en-US" altLang="ko-KR" sz="1200" b="1" dirty="0">
+                <a:solidFill>
+                  <a:schemeClr val="tx1"/>
+                </a:solidFill>
+              </a:rPr>
+              <a:t>: </a:t>
+            </a:r>
+            <a:r>
+              <a:rPr lang="ko-KR" altLang="en-US" sz="1200" b="1" dirty="0">
+                <a:solidFill>
+                  <a:schemeClr val="tx1"/>
+                </a:solidFill>
+              </a:rPr>
+              <a:t>추적할 광선의 초기 세트를 생성하기 위함으로</a:t>
+            </a:r>
+            <a:r>
+              <a:rPr lang="en-US" altLang="ko-KR" sz="1200" b="1" dirty="0">
+                <a:solidFill>
+                  <a:schemeClr val="tx1"/>
+                </a:solidFill>
+              </a:rPr>
+              <a:t>, </a:t>
+            </a:r>
+            <a:r>
+              <a:rPr lang="ko-KR" altLang="en-US" sz="1200" b="1" dirty="0">
+                <a:solidFill>
+                  <a:schemeClr val="tx1"/>
+                </a:solidFill>
+              </a:rPr>
+              <a:t>광선 추적기에 대한 진입점으로 호출된다</a:t>
+            </a:r>
+            <a:r>
+              <a:rPr lang="en-US" altLang="ko-KR" sz="1200" b="1" dirty="0">
+                <a:solidFill>
+                  <a:schemeClr val="tx1"/>
+                </a:solidFill>
+              </a:rPr>
+              <a:t>.</a:t>
+            </a:r>
+            <a:br>
+              <a:rPr lang="en-US" altLang="ko-KR" sz="1200" b="1" dirty="0">
+                <a:solidFill>
+                  <a:schemeClr val="tx1"/>
+                </a:solidFill>
+              </a:rPr>
+            </a:br>
+            <a:br>
+              <a:rPr lang="en-US" altLang="ko-KR" sz="1200" b="1" dirty="0">
+                <a:solidFill>
+                  <a:schemeClr val="tx1"/>
+                </a:solidFill>
+              </a:rPr>
+            </a:br>
+            <a:r>
+              <a:rPr lang="en-US" altLang="ko-KR" sz="1200" b="1" dirty="0">
+                <a:solidFill>
+                  <a:schemeClr val="tx1"/>
+                </a:solidFill>
+              </a:rPr>
+              <a:t>2. </a:t>
+            </a:r>
+            <a:r>
+              <a:rPr lang="ko-KR" altLang="en-US" sz="1200" b="1" dirty="0">
+                <a:solidFill>
+                  <a:schemeClr val="tx1"/>
+                </a:solidFill>
+              </a:rPr>
+              <a:t>교차 </a:t>
+            </a:r>
+            <a:r>
+              <a:rPr lang="ko-KR" altLang="en-US" sz="1200" b="1" dirty="0" err="1">
+                <a:solidFill>
+                  <a:schemeClr val="tx1"/>
+                </a:solidFill>
+              </a:rPr>
+              <a:t>쉐이더</a:t>
+            </a:r>
+            <a:r>
+              <a:rPr lang="ko-KR" altLang="en-US" sz="1200" b="1" dirty="0">
+                <a:solidFill>
+                  <a:schemeClr val="tx1"/>
+                </a:solidFill>
+              </a:rPr>
+              <a:t> </a:t>
+            </a:r>
+            <a:r>
+              <a:rPr lang="en-US" altLang="ko-KR" sz="1200" b="1" dirty="0">
+                <a:solidFill>
+                  <a:schemeClr val="tx1"/>
+                </a:solidFill>
+              </a:rPr>
+              <a:t>: </a:t>
+            </a:r>
+            <a:r>
+              <a:rPr lang="ko-KR" altLang="en-US" sz="1200" b="1" dirty="0">
+                <a:solidFill>
+                  <a:schemeClr val="tx1"/>
+                </a:solidFill>
+              </a:rPr>
+              <a:t>삼각형을 제외한 </a:t>
+            </a:r>
+            <a:r>
+              <a:rPr lang="ko-KR" altLang="en-US" sz="1200" b="1" dirty="0" err="1">
+                <a:solidFill>
+                  <a:schemeClr val="tx1"/>
+                </a:solidFill>
+              </a:rPr>
+              <a:t>지오메트리를</a:t>
+            </a:r>
+            <a:r>
+              <a:rPr lang="ko-KR" altLang="en-US" sz="1200" b="1" dirty="0">
+                <a:solidFill>
+                  <a:schemeClr val="tx1"/>
+                </a:solidFill>
+              </a:rPr>
+              <a:t> 사용할 때</a:t>
+            </a:r>
+            <a:r>
+              <a:rPr lang="en-US" altLang="ko-KR" sz="1200" b="1" dirty="0">
+                <a:solidFill>
+                  <a:schemeClr val="tx1"/>
+                </a:solidFill>
+              </a:rPr>
+              <a:t>, </a:t>
+            </a:r>
+            <a:r>
+              <a:rPr lang="ko-KR" altLang="en-US" sz="1200" b="1" dirty="0">
+                <a:solidFill>
+                  <a:schemeClr val="tx1"/>
+                </a:solidFill>
+              </a:rPr>
+              <a:t>사용자가 지정한 </a:t>
+            </a:r>
+            <a:r>
+              <a:rPr lang="ko-KR" altLang="en-US" sz="1200" b="1" dirty="0" err="1">
+                <a:solidFill>
+                  <a:schemeClr val="tx1"/>
+                </a:solidFill>
+              </a:rPr>
+              <a:t>프리미티브와의</a:t>
+            </a:r>
+            <a:r>
+              <a:rPr lang="ko-KR" altLang="en-US" sz="1200" b="1" dirty="0">
+                <a:solidFill>
+                  <a:schemeClr val="tx1"/>
+                </a:solidFill>
+              </a:rPr>
+              <a:t> 광선 교차를 계산하는데 </a:t>
+            </a:r>
+            <a:r>
+              <a:rPr lang="ko-KR" altLang="en-US" sz="1200" b="1" dirty="0" err="1">
+                <a:solidFill>
+                  <a:schemeClr val="tx1"/>
+                </a:solidFill>
+              </a:rPr>
+              <a:t>필요로한다</a:t>
+            </a:r>
+            <a:r>
+              <a:rPr lang="en-US" altLang="ko-KR" sz="1200" b="1" dirty="0">
+                <a:solidFill>
+                  <a:schemeClr val="tx1"/>
+                </a:solidFill>
+              </a:rPr>
+              <a:t>. </a:t>
+            </a:r>
+            <a:r>
+              <a:rPr lang="ko-KR" altLang="en-US" sz="1200" b="1" dirty="0">
+                <a:solidFill>
+                  <a:schemeClr val="tx1"/>
+                </a:solidFill>
+              </a:rPr>
+              <a:t>교차테스트는 하드웨어에서 수행되므로 삼각형 </a:t>
+            </a:r>
+            <a:r>
+              <a:rPr lang="ko-KR" altLang="en-US" sz="1200" b="1" dirty="0" err="1">
+                <a:solidFill>
+                  <a:schemeClr val="tx1"/>
+                </a:solidFill>
+              </a:rPr>
+              <a:t>메쉬에는</a:t>
+            </a:r>
+            <a:r>
+              <a:rPr lang="ko-KR" altLang="en-US" sz="1200" b="1" dirty="0">
+                <a:solidFill>
+                  <a:schemeClr val="tx1"/>
+                </a:solidFill>
+              </a:rPr>
+              <a:t> 필요가 없다</a:t>
+            </a:r>
+            <a:r>
+              <a:rPr lang="en-US" altLang="ko-KR" sz="1200" b="1" dirty="0">
+                <a:solidFill>
+                  <a:schemeClr val="tx1"/>
+                </a:solidFill>
+              </a:rPr>
+              <a:t>.</a:t>
+            </a:r>
+            <a:br>
+              <a:rPr lang="en-US" altLang="ko-KR" sz="1200" b="1" dirty="0">
+                <a:solidFill>
+                  <a:schemeClr val="tx1"/>
+                </a:solidFill>
+              </a:rPr>
+            </a:br>
+            <a:br>
+              <a:rPr lang="en-US" altLang="ko-KR" sz="1200" b="1" dirty="0">
+                <a:solidFill>
+                  <a:schemeClr val="tx1"/>
+                </a:solidFill>
+              </a:rPr>
+            </a:br>
+            <a:r>
+              <a:rPr lang="en-US" altLang="ko-KR" sz="1200" b="1" dirty="0">
+                <a:solidFill>
+                  <a:schemeClr val="tx1"/>
+                </a:solidFill>
+              </a:rPr>
+              <a:t>3. </a:t>
+            </a:r>
+            <a:r>
+              <a:rPr lang="ko-KR" altLang="en-US" sz="1200" b="1" dirty="0">
+                <a:solidFill>
+                  <a:schemeClr val="tx1"/>
+                </a:solidFill>
+              </a:rPr>
+              <a:t>모든 히트 </a:t>
+            </a:r>
+            <a:r>
+              <a:rPr lang="ko-KR" altLang="en-US" sz="1200" b="1" dirty="0" err="1">
+                <a:solidFill>
+                  <a:schemeClr val="tx1"/>
+                </a:solidFill>
+              </a:rPr>
+              <a:t>쉐이더</a:t>
+            </a:r>
+            <a:r>
+              <a:rPr lang="ko-KR" altLang="en-US" sz="1200" b="1" dirty="0">
+                <a:solidFill>
+                  <a:schemeClr val="tx1"/>
+                </a:solidFill>
+              </a:rPr>
+              <a:t> </a:t>
+            </a:r>
+            <a:r>
+              <a:rPr lang="en-US" altLang="ko-KR" sz="1200" b="1" dirty="0">
+                <a:solidFill>
+                  <a:schemeClr val="tx1"/>
+                </a:solidFill>
+              </a:rPr>
+              <a:t>: </a:t>
+            </a:r>
+            <a:r>
+              <a:rPr lang="ko-KR" altLang="en-US" sz="1200" b="1" dirty="0">
+                <a:solidFill>
+                  <a:schemeClr val="tx1"/>
+                </a:solidFill>
+              </a:rPr>
+              <a:t>잠재적 교차를 필터링하는 데 사용할 수 있다</a:t>
+            </a:r>
+            <a:r>
+              <a:rPr lang="en-US" altLang="ko-KR" sz="1200" b="1" dirty="0">
+                <a:solidFill>
+                  <a:schemeClr val="tx1"/>
+                </a:solidFill>
+              </a:rPr>
+              <a:t>.</a:t>
+            </a:r>
+            <a:br>
+              <a:rPr lang="en-US" altLang="ko-KR" sz="1200" b="1" dirty="0">
+                <a:solidFill>
+                  <a:schemeClr val="tx1"/>
+                </a:solidFill>
+              </a:rPr>
+            </a:br>
+            <a:br>
+              <a:rPr lang="en-US" altLang="ko-KR" sz="1200" b="1" dirty="0">
+                <a:solidFill>
+                  <a:schemeClr val="tx1"/>
+                </a:solidFill>
+              </a:rPr>
+            </a:br>
+            <a:r>
+              <a:rPr lang="en-US" altLang="ko-KR" sz="1200" b="1" dirty="0">
+                <a:solidFill>
+                  <a:schemeClr val="tx1"/>
+                </a:solidFill>
+              </a:rPr>
+              <a:t>4. </a:t>
+            </a:r>
+            <a:r>
+              <a:rPr lang="ko-KR" altLang="en-US" sz="1200" b="1" dirty="0">
+                <a:solidFill>
+                  <a:schemeClr val="tx1"/>
+                </a:solidFill>
+              </a:rPr>
+              <a:t>최근접 히트 </a:t>
+            </a:r>
+            <a:r>
+              <a:rPr lang="ko-KR" altLang="en-US" sz="1200" b="1" dirty="0" err="1">
+                <a:solidFill>
+                  <a:schemeClr val="tx1"/>
+                </a:solidFill>
+              </a:rPr>
+              <a:t>쉐이더</a:t>
+            </a:r>
+            <a:r>
+              <a:rPr lang="ko-KR" altLang="en-US" sz="1200" b="1" dirty="0">
+                <a:solidFill>
+                  <a:schemeClr val="tx1"/>
+                </a:solidFill>
+              </a:rPr>
+              <a:t> </a:t>
+            </a:r>
+            <a:r>
+              <a:rPr lang="en-US" altLang="ko-KR" sz="1200" b="1" dirty="0">
+                <a:solidFill>
+                  <a:schemeClr val="tx1"/>
+                </a:solidFill>
+              </a:rPr>
+              <a:t>: </a:t>
+            </a:r>
+            <a:r>
+              <a:rPr lang="ko-KR" altLang="en-US" sz="1200" b="1" dirty="0">
+                <a:solidFill>
+                  <a:schemeClr val="tx1"/>
+                </a:solidFill>
+              </a:rPr>
+              <a:t>광선을 따라 발견된 가장 가까운 히트에 대해 호출되며</a:t>
+            </a:r>
+            <a:r>
+              <a:rPr lang="en-US" altLang="ko-KR" sz="1200" b="1" dirty="0">
+                <a:solidFill>
+                  <a:schemeClr val="tx1"/>
+                </a:solidFill>
+              </a:rPr>
+              <a:t>, </a:t>
+            </a:r>
+            <a:r>
+              <a:rPr lang="ko-KR" altLang="en-US" sz="1200" b="1" dirty="0">
+                <a:solidFill>
+                  <a:schemeClr val="tx1"/>
+                </a:solidFill>
+              </a:rPr>
+              <a:t>광선 페이로드를 통해 교차 정보를 계산하고 반환하거나 추가 광선을 추적할 수 있다</a:t>
+            </a:r>
+            <a:r>
+              <a:rPr lang="en-US" altLang="ko-KR" sz="1200" b="1" dirty="0">
+                <a:solidFill>
+                  <a:schemeClr val="tx1"/>
+                </a:solidFill>
+              </a:rPr>
+              <a:t>.</a:t>
+            </a:r>
+            <a:br>
+              <a:rPr lang="en-US" altLang="ko-KR" sz="1200" b="1" dirty="0">
+                <a:solidFill>
+                  <a:schemeClr val="tx1"/>
+                </a:solidFill>
+              </a:rPr>
+            </a:br>
+            <a:br>
+              <a:rPr lang="en-US" altLang="ko-KR" sz="1200" b="1" dirty="0">
+                <a:solidFill>
+                  <a:schemeClr val="tx1"/>
+                </a:solidFill>
+              </a:rPr>
+            </a:br>
+            <a:r>
+              <a:rPr lang="en-US" altLang="ko-KR" sz="1200" b="1" dirty="0">
+                <a:solidFill>
+                  <a:schemeClr val="tx1"/>
+                </a:solidFill>
+              </a:rPr>
+              <a:t>5. </a:t>
+            </a:r>
+            <a:r>
+              <a:rPr lang="ko-KR" altLang="en-US" sz="1200" b="1" dirty="0">
+                <a:solidFill>
+                  <a:schemeClr val="tx1"/>
+                </a:solidFill>
+              </a:rPr>
+              <a:t>미스 </a:t>
+            </a:r>
+            <a:r>
+              <a:rPr lang="ko-KR" altLang="en-US" sz="1200" b="1" dirty="0" err="1">
+                <a:solidFill>
+                  <a:schemeClr val="tx1"/>
+                </a:solidFill>
+              </a:rPr>
+              <a:t>쉐이더</a:t>
+            </a:r>
+            <a:r>
+              <a:rPr lang="ko-KR" altLang="en-US" sz="1200" b="1" dirty="0">
+                <a:solidFill>
+                  <a:schemeClr val="tx1"/>
+                </a:solidFill>
+              </a:rPr>
+              <a:t> </a:t>
+            </a:r>
+            <a:r>
+              <a:rPr lang="en-US" altLang="ko-KR" sz="1200" b="1" dirty="0">
+                <a:solidFill>
+                  <a:schemeClr val="tx1"/>
+                </a:solidFill>
+              </a:rPr>
+              <a:t>: </a:t>
+            </a:r>
+            <a:r>
+              <a:rPr lang="ko-KR" altLang="en-US" sz="1200" b="1" dirty="0">
+                <a:solidFill>
+                  <a:schemeClr val="tx1"/>
+                </a:solidFill>
+              </a:rPr>
+              <a:t>히트가 </a:t>
+            </a:r>
+            <a:r>
+              <a:rPr lang="ko-KR" altLang="en-US" sz="1200" b="1" dirty="0" err="1">
+                <a:solidFill>
+                  <a:schemeClr val="tx1"/>
+                </a:solidFill>
+              </a:rPr>
+              <a:t>발견되지않을</a:t>
+            </a:r>
+            <a:r>
+              <a:rPr lang="ko-KR" altLang="en-US" sz="1200" b="1" dirty="0">
+                <a:solidFill>
+                  <a:schemeClr val="tx1"/>
+                </a:solidFill>
+              </a:rPr>
+              <a:t> 시에 호출되며</a:t>
+            </a:r>
+            <a:r>
+              <a:rPr lang="en-US" altLang="ko-KR" sz="1200" b="1" dirty="0">
+                <a:solidFill>
+                  <a:schemeClr val="tx1"/>
+                </a:solidFill>
+              </a:rPr>
+              <a:t>, </a:t>
+            </a:r>
+            <a:r>
+              <a:rPr lang="ko-KR" altLang="en-US" sz="1200" b="1" dirty="0">
+                <a:solidFill>
+                  <a:schemeClr val="tx1"/>
+                </a:solidFill>
+              </a:rPr>
+              <a:t>발견되지 </a:t>
+            </a:r>
+            <a:r>
+              <a:rPr lang="ko-KR" altLang="en-US" sz="1200" b="1" dirty="0" err="1">
+                <a:solidFill>
+                  <a:schemeClr val="tx1"/>
+                </a:solidFill>
+              </a:rPr>
+              <a:t>않을땐</a:t>
+            </a:r>
+            <a:r>
+              <a:rPr lang="ko-KR" altLang="en-US" sz="1200" b="1" dirty="0">
+                <a:solidFill>
+                  <a:schemeClr val="tx1"/>
+                </a:solidFill>
+              </a:rPr>
+              <a:t> 기본 광선의 배경색을 반환하거나 폐색 </a:t>
+            </a:r>
+            <a:r>
+              <a:rPr lang="ko-KR" altLang="en-US" sz="1200" b="1" dirty="0" err="1">
+                <a:solidFill>
+                  <a:schemeClr val="tx1"/>
+                </a:solidFill>
+              </a:rPr>
+              <a:t>되지않은</a:t>
+            </a:r>
+            <a:r>
+              <a:rPr lang="ko-KR" altLang="en-US" sz="1200" b="1" dirty="0">
+                <a:solidFill>
+                  <a:schemeClr val="tx1"/>
+                </a:solidFill>
+              </a:rPr>
+              <a:t> 색상으로 표시한다</a:t>
+            </a:r>
+            <a:r>
+              <a:rPr lang="en-US" altLang="ko-KR" sz="1200" b="1" dirty="0">
+                <a:solidFill>
+                  <a:schemeClr val="tx1"/>
+                </a:solidFill>
+              </a:rPr>
+              <a:t>.</a:t>
+            </a:r>
+            <a:endParaRPr sz="1200" b="1" dirty="0">
+              <a:solidFill>
+                <a:schemeClr val="tx1"/>
+              </a:solidFill>
+            </a:endParaRPr>
+          </a:p>
+        </p:txBody>
+      </p:sp>
+    </p:spTree>
+    <p:extLst>
+      <p:ext uri="{BB962C8B-B14F-4D97-AF65-F5344CB8AC3E}">
+        <p14:creationId xmlns:p14="http://schemas.microsoft.com/office/powerpoint/2010/main" val="709796338"/>
+      </p:ext>
+    </p:extLst>
+  </p:cSld>
+  <p:clrMapOvr>
+    <a:masterClrMapping/>
+  </p:clrMapOvr>
+</p:sld>
+</file>
+
+<file path=ppt/slides/slide9.xml><?xml version="1.0" encoding="utf-8"?>
+<p:sld xmlns:a="http://schemas.openxmlformats.org/drawingml/2006/main" xmlns:r="http://schemas.openxmlformats.org/officeDocument/2006/relationships" xmlns:p="http://schemas.openxmlformats.org/presentationml/2006/main">
+  <p:cSld>
+    <p:spTree>
+      <p:nvGrpSpPr>
+        <p:cNvPr id="1" name="Shape 66"/>
+        <p:cNvGrpSpPr/>
+        <p:nvPr/>
+      </p:nvGrpSpPr>
+      <p:grpSpPr>
+        <a:xfrm>
+          <a:off x="0" y="0"/>
+          <a:ext cx="0" cy="0"/>
+          <a:chOff x="0" y="0"/>
+          <a:chExt cx="0" cy="0"/>
+        </a:xfrm>
+      </p:grpSpPr>
+      <p:sp>
+        <p:nvSpPr>
+          <p:cNvPr id="67" name="Google Shape;67;p15"/>
+          <p:cNvSpPr txBox="1">
+            <a:spLocks noGrp="1"/>
+          </p:cNvSpPr>
+          <p:nvPr>
+            <p:ph type="ctrTitle"/>
+          </p:nvPr>
+        </p:nvSpPr>
+        <p:spPr>
+          <a:xfrm>
+            <a:off x="421300" y="296575"/>
+            <a:ext cx="2692715" cy="429000"/>
+          </a:xfrm>
+          <a:prstGeom prst="rect">
+            <a:avLst/>
+          </a:prstGeom>
+        </p:spPr>
+        <p:txBody>
+          <a:bodyPr spcFirstLastPara="1" wrap="square" lIns="91425" tIns="91425" rIns="91425" bIns="91425" anchor="b" anchorCtr="0">
+            <a:noAutofit/>
+          </a:bodyPr>
+          <a:lstStyle/>
+          <a:p>
+            <a:pPr marL="0" lvl="0" indent="0" algn="ctr" rtl="0">
+              <a:spcBef>
+                <a:spcPts val="0"/>
+              </a:spcBef>
+              <a:spcAft>
+                <a:spcPts val="0"/>
+              </a:spcAft>
+              <a:buSzPts val="990"/>
+              <a:buNone/>
+            </a:pPr>
+            <a:r>
+              <a:rPr lang="en-US" altLang="ko-KR" sz="1679" b="1" dirty="0">
+                <a:solidFill>
+                  <a:srgbClr val="1C4587"/>
+                </a:solidFill>
+              </a:rPr>
+              <a:t>Ray Generation Shader</a:t>
+            </a:r>
+            <a:endParaRPr sz="1679" b="1" dirty="0">
+              <a:solidFill>
+                <a:srgbClr val="1C4587"/>
+              </a:solidFill>
+            </a:endParaRPr>
+          </a:p>
+        </p:txBody>
+      </p:sp>
+      <p:sp>
+        <p:nvSpPr>
+          <p:cNvPr id="9" name="Google Shape;69;p15">
+            <a:extLst>
+              <a:ext uri="{FF2B5EF4-FFF2-40B4-BE49-F238E27FC236}">
+                <a16:creationId xmlns:a16="http://schemas.microsoft.com/office/drawing/2014/main" id="{DE6FC19E-FEA4-4C12-D87C-8415E7181B4B}"/>
+              </a:ext>
+            </a:extLst>
+          </p:cNvPr>
+          <p:cNvSpPr txBox="1">
+            <a:spLocks/>
+          </p:cNvSpPr>
+          <p:nvPr/>
+        </p:nvSpPr>
+        <p:spPr>
+          <a:xfrm>
+            <a:off x="5150342" y="417600"/>
+            <a:ext cx="4133088" cy="4303335"/>
+          </a:xfrm>
+          <a:prstGeom prst="rect">
+            <a:avLst/>
+          </a:prstGeom>
+          <a:noFill/>
+          <a:ln>
+            <a:noFill/>
+          </a:ln>
+        </p:spPr>
+        <p:txBody>
+          <a:bodyPr spcFirstLastPara="1" wrap="square" lIns="91425" tIns="91425" rIns="91425" bIns="91425" anchor="ctr" anchorCtr="0">
+            <a:noAutofit/>
+          </a:bodyPr>
+          <a:lstStyle>
+            <a:defPPr marR="0" lvl="0" algn="l" rtl="0">
+              <a:lnSpc>
+                <a:spcPct val="100000"/>
+              </a:lnSpc>
+              <a:spcBef>
+                <a:spcPts val="0"/>
+              </a:spcBef>
+              <a:spcAft>
+                <a:spcPts val="0"/>
+              </a:spcAft>
+            </a:defPPr>
+            <a:lvl1pPr marR="0" lvl="0" algn="ctr" rtl="0">
+              <a:lnSpc>
+                <a:spcPct val="100000"/>
+              </a:lnSpc>
+              <a:spcBef>
+                <a:spcPts val="0"/>
+              </a:spcBef>
+              <a:spcAft>
+                <a:spcPts val="0"/>
+              </a:spcAft>
+              <a:buClr>
+                <a:schemeClr val="dk1"/>
+              </a:buClr>
+              <a:buSzPts val="5200"/>
+              <a:buFont typeface="Arial"/>
+              <a:buNone/>
+              <a:defRPr sz="5200" b="0" i="0" u="none" strike="noStrike" cap="none">
+                <a:solidFill>
+                  <a:schemeClr val="dk1"/>
+                </a:solidFill>
+                <a:latin typeface="Arial"/>
+                <a:ea typeface="Arial"/>
+                <a:cs typeface="Arial"/>
+                <a:sym typeface="Arial"/>
+              </a:defRPr>
+            </a:lvl1pPr>
+            <a:lvl2pPr marR="0" lvl="1" algn="ctr" rtl="0">
+              <a:lnSpc>
+                <a:spcPct val="100000"/>
+              </a:lnSpc>
+              <a:spcBef>
+                <a:spcPts val="0"/>
+              </a:spcBef>
+              <a:spcAft>
+                <a:spcPts val="0"/>
+              </a:spcAft>
+              <a:buClr>
+                <a:schemeClr val="dk1"/>
+              </a:buClr>
+              <a:buSzPts val="5200"/>
+              <a:buFont typeface="Arial"/>
+              <a:buNone/>
+              <a:defRPr sz="5200" b="0" i="0" u="none" strike="noStrike" cap="none">
+                <a:solidFill>
+                  <a:schemeClr val="dk1"/>
+                </a:solidFill>
+                <a:latin typeface="Arial"/>
+                <a:ea typeface="Arial"/>
+                <a:cs typeface="Arial"/>
+                <a:sym typeface="Arial"/>
+              </a:defRPr>
+            </a:lvl2pPr>
+            <a:lvl3pPr marR="0" lvl="2" algn="ctr" rtl="0">
+              <a:lnSpc>
+                <a:spcPct val="100000"/>
+              </a:lnSpc>
+              <a:spcBef>
+                <a:spcPts val="0"/>
+              </a:spcBef>
+              <a:spcAft>
+                <a:spcPts val="0"/>
+              </a:spcAft>
+              <a:buClr>
+                <a:schemeClr val="dk1"/>
+              </a:buClr>
+              <a:buSzPts val="5200"/>
+              <a:buFont typeface="Arial"/>
+              <a:buNone/>
+              <a:defRPr sz="5200" b="0" i="0" u="none" strike="noStrike" cap="none">
+                <a:solidFill>
+                  <a:schemeClr val="dk1"/>
+                </a:solidFill>
+                <a:latin typeface="Arial"/>
+                <a:ea typeface="Arial"/>
+                <a:cs typeface="Arial"/>
+                <a:sym typeface="Arial"/>
+              </a:defRPr>
+            </a:lvl3pPr>
+            <a:lvl4pPr marR="0" lvl="3" algn="ctr" rtl="0">
+              <a:lnSpc>
+                <a:spcPct val="100000"/>
+              </a:lnSpc>
+              <a:spcBef>
+                <a:spcPts val="0"/>
+              </a:spcBef>
+              <a:spcAft>
+                <a:spcPts val="0"/>
+              </a:spcAft>
+              <a:buClr>
+                <a:schemeClr val="dk1"/>
+              </a:buClr>
+              <a:buSzPts val="5200"/>
+              <a:buFont typeface="Arial"/>
+              <a:buNone/>
+              <a:defRPr sz="5200" b="0" i="0" u="none" strike="noStrike" cap="none">
+                <a:solidFill>
+                  <a:schemeClr val="dk1"/>
+                </a:solidFill>
+                <a:latin typeface="Arial"/>
+                <a:ea typeface="Arial"/>
+                <a:cs typeface="Arial"/>
+                <a:sym typeface="Arial"/>
+              </a:defRPr>
+            </a:lvl4pPr>
+            <a:lvl5pPr marR="0" lvl="4" algn="ctr" rtl="0">
+              <a:lnSpc>
+                <a:spcPct val="100000"/>
+              </a:lnSpc>
+              <a:spcBef>
+                <a:spcPts val="0"/>
+              </a:spcBef>
+              <a:spcAft>
+                <a:spcPts val="0"/>
+              </a:spcAft>
+              <a:buClr>
+                <a:schemeClr val="dk1"/>
+              </a:buClr>
+              <a:buSzPts val="5200"/>
+              <a:buFont typeface="Arial"/>
+              <a:buNone/>
+              <a:defRPr sz="5200" b="0" i="0" u="none" strike="noStrike" cap="none">
+                <a:solidFill>
+                  <a:schemeClr val="dk1"/>
+                </a:solidFill>
+                <a:latin typeface="Arial"/>
+                <a:ea typeface="Arial"/>
+                <a:cs typeface="Arial"/>
+                <a:sym typeface="Arial"/>
+              </a:defRPr>
+            </a:lvl5pPr>
+            <a:lvl6pPr marR="0" lvl="5" algn="ctr" rtl="0">
+              <a:lnSpc>
+                <a:spcPct val="100000"/>
+              </a:lnSpc>
+              <a:spcBef>
+                <a:spcPts val="0"/>
+              </a:spcBef>
+              <a:spcAft>
+                <a:spcPts val="0"/>
+              </a:spcAft>
+              <a:buClr>
+                <a:schemeClr val="dk1"/>
+              </a:buClr>
+              <a:buSzPts val="5200"/>
+              <a:buFont typeface="Arial"/>
+              <a:buNone/>
+              <a:defRPr sz="5200" b="0" i="0" u="none" strike="noStrike" cap="none">
+                <a:solidFill>
+                  <a:schemeClr val="dk1"/>
+                </a:solidFill>
+                <a:latin typeface="Arial"/>
+                <a:ea typeface="Arial"/>
+                <a:cs typeface="Arial"/>
+                <a:sym typeface="Arial"/>
+              </a:defRPr>
+            </a:lvl6pPr>
+            <a:lvl7pPr marR="0" lvl="6" algn="ctr" rtl="0">
+              <a:lnSpc>
+                <a:spcPct val="100000"/>
+              </a:lnSpc>
+              <a:spcBef>
+                <a:spcPts val="0"/>
+              </a:spcBef>
+              <a:spcAft>
+                <a:spcPts val="0"/>
+              </a:spcAft>
+              <a:buClr>
+                <a:schemeClr val="dk1"/>
+              </a:buClr>
+              <a:buSzPts val="5200"/>
+              <a:buFont typeface="Arial"/>
+              <a:buNone/>
+              <a:defRPr sz="5200" b="0" i="0" u="none" strike="noStrike" cap="none">
+                <a:solidFill>
+                  <a:schemeClr val="dk1"/>
+                </a:solidFill>
+                <a:latin typeface="Arial"/>
+                <a:ea typeface="Arial"/>
+                <a:cs typeface="Arial"/>
+                <a:sym typeface="Arial"/>
+              </a:defRPr>
+            </a:lvl7pPr>
+            <a:lvl8pPr marR="0" lvl="7" algn="ctr" rtl="0">
+              <a:lnSpc>
+                <a:spcPct val="100000"/>
+              </a:lnSpc>
+              <a:spcBef>
+                <a:spcPts val="0"/>
+              </a:spcBef>
+              <a:spcAft>
+                <a:spcPts val="0"/>
+              </a:spcAft>
+              <a:buClr>
+                <a:schemeClr val="dk1"/>
+              </a:buClr>
+              <a:buSzPts val="5200"/>
+              <a:buFont typeface="Arial"/>
+              <a:buNone/>
+              <a:defRPr sz="5200" b="0" i="0" u="none" strike="noStrike" cap="none">
+                <a:solidFill>
+                  <a:schemeClr val="dk1"/>
+                </a:solidFill>
+                <a:latin typeface="Arial"/>
+                <a:ea typeface="Arial"/>
+                <a:cs typeface="Arial"/>
+                <a:sym typeface="Arial"/>
+              </a:defRPr>
+            </a:lvl8pPr>
+            <a:lvl9pPr marR="0" lvl="8" algn="ctr" rtl="0">
+              <a:lnSpc>
+                <a:spcPct val="100000"/>
+              </a:lnSpc>
+              <a:spcBef>
+                <a:spcPts val="0"/>
+              </a:spcBef>
+              <a:spcAft>
+                <a:spcPts val="0"/>
+              </a:spcAft>
+              <a:buClr>
+                <a:schemeClr val="dk1"/>
+              </a:buClr>
+              <a:buSzPts val="5200"/>
+              <a:buFont typeface="Arial"/>
+              <a:buNone/>
+              <a:defRPr sz="5200" b="0" i="0" u="none" strike="noStrike" cap="none">
+                <a:solidFill>
+                  <a:schemeClr val="dk1"/>
+                </a:solidFill>
+                <a:latin typeface="Arial"/>
+                <a:ea typeface="Arial"/>
+                <a:cs typeface="Arial"/>
+                <a:sym typeface="Arial"/>
+              </a:defRPr>
+            </a:lvl9pPr>
+          </a:lstStyle>
+          <a:p>
+            <a:pPr marL="311150" indent="-171450" algn="l">
+              <a:lnSpc>
+                <a:spcPct val="200000"/>
+              </a:lnSpc>
+              <a:buSzPts val="1400"/>
+              <a:buFont typeface="Arial" panose="020B0604020202020204" pitchFamily="34" charset="0"/>
+              <a:buChar char="•"/>
+            </a:pPr>
+            <a:r>
+              <a:rPr lang="ko-KR" altLang="en-US" sz="1200" b="1" dirty="0">
+                <a:solidFill>
+                  <a:schemeClr val="tx1"/>
+                </a:solidFill>
+              </a:rPr>
+              <a:t>카메라 월드 공간을 생성하고</a:t>
+            </a:r>
+            <a:endParaRPr lang="en-US" altLang="ko-KR" sz="1200" b="1" dirty="0">
+              <a:solidFill>
+                <a:schemeClr val="tx1"/>
+              </a:solidFill>
+            </a:endParaRPr>
+          </a:p>
+          <a:p>
+            <a:pPr marL="311150" indent="-171450" algn="l">
+              <a:lnSpc>
+                <a:spcPct val="200000"/>
+              </a:lnSpc>
+              <a:buSzPts val="1400"/>
+              <a:buFont typeface="Arial" panose="020B0604020202020204" pitchFamily="34" charset="0"/>
+              <a:buChar char="•"/>
+            </a:pPr>
+            <a:r>
+              <a:rPr lang="en-US" altLang="ko-KR" sz="1200" b="1" dirty="0" err="1">
+                <a:solidFill>
+                  <a:schemeClr val="tx1"/>
+                </a:solidFill>
+              </a:rPr>
+              <a:t>Tmin</a:t>
+            </a:r>
+            <a:r>
+              <a:rPr lang="en-US" altLang="ko-KR" sz="1200" b="1" dirty="0">
+                <a:solidFill>
+                  <a:schemeClr val="tx1"/>
+                </a:solidFill>
+              </a:rPr>
+              <a:t> </a:t>
+            </a:r>
+            <a:r>
+              <a:rPr lang="ko-KR" altLang="en-US" sz="1200" b="1" dirty="0">
+                <a:solidFill>
+                  <a:schemeClr val="tx1"/>
+                </a:solidFill>
+              </a:rPr>
+              <a:t>과 </a:t>
+            </a:r>
+            <a:r>
+              <a:rPr lang="en-US" altLang="ko-KR" sz="1200" b="1" dirty="0">
+                <a:solidFill>
+                  <a:schemeClr val="tx1"/>
+                </a:solidFill>
+              </a:rPr>
+              <a:t>max</a:t>
+            </a:r>
+            <a:r>
+              <a:rPr lang="ko-KR" altLang="en-US" sz="1200" b="1" dirty="0">
+                <a:solidFill>
+                  <a:schemeClr val="tx1"/>
+                </a:solidFill>
+              </a:rPr>
+              <a:t>를 설정한다</a:t>
+            </a:r>
+            <a:r>
+              <a:rPr lang="en-US" altLang="ko-KR" sz="1200" b="1" dirty="0">
+                <a:solidFill>
+                  <a:schemeClr val="tx1"/>
+                </a:solidFill>
+              </a:rPr>
+              <a:t>. </a:t>
+            </a:r>
+            <a:r>
+              <a:rPr lang="ko-KR" altLang="en-US" sz="1200" b="1" dirty="0">
+                <a:solidFill>
+                  <a:schemeClr val="tx1"/>
+                </a:solidFill>
+              </a:rPr>
+              <a:t>이때 </a:t>
+            </a:r>
+            <a:r>
+              <a:rPr lang="en-US" altLang="ko-KR" sz="1200" b="1" dirty="0" err="1">
+                <a:solidFill>
+                  <a:schemeClr val="tx1"/>
+                </a:solidFill>
+              </a:rPr>
+              <a:t>Tmin</a:t>
+            </a:r>
+            <a:r>
+              <a:rPr lang="ko-KR" altLang="en-US" sz="1200" b="1" dirty="0">
+                <a:solidFill>
+                  <a:schemeClr val="tx1"/>
+                </a:solidFill>
+              </a:rPr>
+              <a:t>은 부동 소수점</a:t>
+            </a:r>
+            <a:endParaRPr lang="en-US" altLang="ko-KR" sz="1200" b="1" dirty="0">
+              <a:solidFill>
+                <a:schemeClr val="tx1"/>
+              </a:solidFill>
+            </a:endParaRPr>
+          </a:p>
+          <a:p>
+            <a:pPr marL="139700" algn="l">
+              <a:lnSpc>
+                <a:spcPct val="200000"/>
+              </a:lnSpc>
+              <a:buSzPts val="1400"/>
+            </a:pPr>
+            <a:r>
+              <a:rPr lang="ko-KR" altLang="en-US" sz="1200" b="1" dirty="0">
+                <a:solidFill>
+                  <a:schemeClr val="tx1"/>
+                </a:solidFill>
+              </a:rPr>
+              <a:t>오류로 인한 </a:t>
+            </a:r>
+            <a:r>
+              <a:rPr lang="ko-KR" altLang="en-US" sz="1200" b="1" dirty="0" err="1">
+                <a:solidFill>
+                  <a:schemeClr val="tx1"/>
+                </a:solidFill>
+              </a:rPr>
+              <a:t>앨리어싱</a:t>
+            </a:r>
+            <a:r>
+              <a:rPr lang="ko-KR" altLang="en-US" sz="1200" b="1" dirty="0">
+                <a:solidFill>
+                  <a:schemeClr val="tx1"/>
+                </a:solidFill>
+              </a:rPr>
+              <a:t> 문제를 방지하기위해 완전한 </a:t>
+            </a:r>
+            <a:r>
+              <a:rPr lang="en-US" altLang="ko-KR" sz="1200" b="1" dirty="0">
+                <a:solidFill>
+                  <a:schemeClr val="tx1"/>
+                </a:solidFill>
+              </a:rPr>
+              <a:t>0</a:t>
+            </a:r>
+            <a:r>
+              <a:rPr lang="ko-KR" altLang="en-US" sz="1200" b="1" dirty="0">
+                <a:solidFill>
+                  <a:schemeClr val="tx1"/>
+                </a:solidFill>
+              </a:rPr>
+              <a:t>이</a:t>
+            </a:r>
+            <a:endParaRPr lang="en-US" altLang="ko-KR" sz="1200" b="1" dirty="0">
+              <a:solidFill>
+                <a:schemeClr val="tx1"/>
+              </a:solidFill>
+            </a:endParaRPr>
+          </a:p>
+          <a:p>
+            <a:pPr marL="139700" algn="l">
+              <a:lnSpc>
+                <a:spcPct val="200000"/>
+              </a:lnSpc>
+              <a:buSzPts val="1400"/>
+            </a:pPr>
+            <a:r>
+              <a:rPr lang="ko-KR" altLang="en-US" sz="1200" b="1" dirty="0">
+                <a:solidFill>
+                  <a:schemeClr val="tx1"/>
+                </a:solidFill>
+              </a:rPr>
+              <a:t>아닌 작은 값으로 설정한다</a:t>
+            </a:r>
+            <a:r>
+              <a:rPr lang="en-US" altLang="ko-KR" sz="1200" b="1" dirty="0">
+                <a:solidFill>
+                  <a:schemeClr val="tx1"/>
+                </a:solidFill>
+              </a:rPr>
+              <a:t>. </a:t>
+            </a:r>
+          </a:p>
+          <a:p>
+            <a:pPr marL="139700" algn="l">
+              <a:lnSpc>
+                <a:spcPct val="200000"/>
+              </a:lnSpc>
+              <a:buSzPts val="1400"/>
+            </a:pPr>
+            <a:endParaRPr lang="en-US" altLang="ko-KR" sz="1200" b="1" dirty="0">
+              <a:solidFill>
+                <a:schemeClr val="tx1"/>
+              </a:solidFill>
+            </a:endParaRPr>
+          </a:p>
+          <a:p>
+            <a:pPr marL="311150" indent="-171450" algn="l">
+              <a:lnSpc>
+                <a:spcPct val="200000"/>
+              </a:lnSpc>
+              <a:buSzPts val="1400"/>
+              <a:buFont typeface="Arial" panose="020B0604020202020204" pitchFamily="34" charset="0"/>
+              <a:buChar char="•"/>
+            </a:pPr>
+            <a:r>
+              <a:rPr lang="ko-KR" altLang="en-US" sz="1200" b="1" dirty="0">
+                <a:solidFill>
+                  <a:schemeClr val="tx1"/>
+                </a:solidFill>
+              </a:rPr>
+              <a:t>광선 페이로드를 초기화하고</a:t>
+            </a:r>
+            <a:endParaRPr lang="en-US" altLang="ko-KR" sz="1200" b="1" dirty="0">
+              <a:solidFill>
+                <a:schemeClr val="tx1"/>
+              </a:solidFill>
+            </a:endParaRPr>
+          </a:p>
+          <a:p>
+            <a:pPr marL="311150" indent="-171450" algn="l">
+              <a:lnSpc>
+                <a:spcPct val="200000"/>
+              </a:lnSpc>
+              <a:buSzPts val="1400"/>
+              <a:buFont typeface="Arial" panose="020B0604020202020204" pitchFamily="34" charset="0"/>
+              <a:buChar char="•"/>
+            </a:pPr>
+            <a:r>
+              <a:rPr lang="en-US" altLang="ko-KR" sz="1200" b="1" dirty="0">
+                <a:solidFill>
+                  <a:schemeClr val="tx1"/>
+                </a:solidFill>
+              </a:rPr>
+              <a:t> </a:t>
+            </a:r>
+            <a:r>
+              <a:rPr lang="ko-KR" altLang="en-US" sz="1200" b="1" dirty="0">
+                <a:solidFill>
+                  <a:schemeClr val="tx1"/>
+                </a:solidFill>
+              </a:rPr>
+              <a:t>광선을 생성하기 위해 </a:t>
+            </a:r>
+            <a:r>
+              <a:rPr lang="en-US" altLang="ko-KR" sz="1200" b="1" dirty="0" err="1">
+                <a:solidFill>
+                  <a:schemeClr val="tx1"/>
+                </a:solidFill>
+              </a:rPr>
+              <a:t>TraceRay</a:t>
+            </a:r>
+            <a:r>
+              <a:rPr lang="en-US" altLang="ko-KR" sz="1200" b="1" dirty="0">
+                <a:solidFill>
+                  <a:schemeClr val="tx1"/>
+                </a:solidFill>
+              </a:rPr>
+              <a:t>()</a:t>
+            </a:r>
+            <a:r>
+              <a:rPr lang="ko-KR" altLang="en-US" sz="1200" b="1" dirty="0">
+                <a:solidFill>
+                  <a:schemeClr val="tx1"/>
+                </a:solidFill>
+              </a:rPr>
+              <a:t>를 호출한다</a:t>
+            </a:r>
+            <a:r>
+              <a:rPr lang="en-US" altLang="ko-KR" sz="1200" b="1" dirty="0">
+                <a:solidFill>
+                  <a:schemeClr val="tx1"/>
+                </a:solidFill>
+              </a:rPr>
+              <a:t>.</a:t>
+            </a:r>
+          </a:p>
+          <a:p>
+            <a:pPr marL="311150" indent="-171450" algn="l">
+              <a:lnSpc>
+                <a:spcPct val="200000"/>
+              </a:lnSpc>
+              <a:buSzPts val="1400"/>
+              <a:buFont typeface="Arial" panose="020B0604020202020204" pitchFamily="34" charset="0"/>
+              <a:buChar char="•"/>
+            </a:pPr>
+            <a:r>
+              <a:rPr lang="ko-KR" altLang="en-US" sz="1200" b="1" dirty="0" err="1">
+                <a:solidFill>
+                  <a:schemeClr val="tx1"/>
+                </a:solidFill>
+              </a:rPr>
+              <a:t>광선추적된</a:t>
+            </a:r>
+            <a:r>
+              <a:rPr lang="ko-KR" altLang="en-US" sz="1200" b="1" dirty="0">
+                <a:solidFill>
+                  <a:schemeClr val="tx1"/>
+                </a:solidFill>
+              </a:rPr>
+              <a:t> 색상을 출력 </a:t>
+            </a:r>
+            <a:r>
+              <a:rPr lang="ko-KR" altLang="en-US" sz="1200" b="1" dirty="0" err="1">
+                <a:solidFill>
+                  <a:schemeClr val="tx1"/>
+                </a:solidFill>
+              </a:rPr>
+              <a:t>텍스쳐에</a:t>
+            </a:r>
+            <a:r>
+              <a:rPr lang="ko-KR" altLang="en-US" sz="1200" b="1" dirty="0">
+                <a:solidFill>
+                  <a:schemeClr val="tx1"/>
+                </a:solidFill>
+              </a:rPr>
+              <a:t> 쓰기위해</a:t>
+            </a:r>
+            <a:r>
+              <a:rPr lang="en-US" altLang="ko-KR" sz="1200" b="1" dirty="0">
+                <a:solidFill>
+                  <a:schemeClr val="tx1"/>
+                </a:solidFill>
+              </a:rPr>
+              <a:t>, </a:t>
+            </a:r>
+          </a:p>
+          <a:p>
+            <a:pPr marL="311150" indent="-171450" algn="l">
+              <a:lnSpc>
+                <a:spcPct val="200000"/>
+              </a:lnSpc>
+              <a:buSzPts val="1400"/>
+              <a:buFont typeface="Arial" panose="020B0604020202020204" pitchFamily="34" charset="0"/>
+              <a:buChar char="•"/>
+            </a:pPr>
+            <a:r>
+              <a:rPr lang="ko-KR" altLang="en-US" sz="1200" b="1" dirty="0">
+                <a:solidFill>
+                  <a:schemeClr val="tx1"/>
+                </a:solidFill>
+              </a:rPr>
+              <a:t>다중 </a:t>
+            </a:r>
+            <a:r>
+              <a:rPr lang="ko-KR" altLang="en-US" sz="1200" b="1" dirty="0" err="1">
+                <a:solidFill>
+                  <a:schemeClr val="tx1"/>
+                </a:solidFill>
+              </a:rPr>
+              <a:t>렌더</a:t>
+            </a:r>
+            <a:r>
+              <a:rPr lang="ko-KR" altLang="en-US" sz="1200" b="1" dirty="0">
+                <a:solidFill>
+                  <a:schemeClr val="tx1"/>
+                </a:solidFill>
+              </a:rPr>
+              <a:t> 타겟을 설정하여</a:t>
+            </a:r>
+            <a:r>
+              <a:rPr lang="en-US" altLang="ko-KR" sz="1200" b="1" dirty="0">
+                <a:solidFill>
+                  <a:schemeClr val="tx1"/>
+                </a:solidFill>
+              </a:rPr>
+              <a:t>, </a:t>
+            </a:r>
+            <a:r>
+              <a:rPr lang="ko-KR" altLang="en-US" sz="1200" b="1" dirty="0">
+                <a:solidFill>
+                  <a:schemeClr val="tx1"/>
+                </a:solidFill>
+              </a:rPr>
+              <a:t>페이로드 색상을 적용시켜준다</a:t>
+            </a:r>
+            <a:r>
+              <a:rPr lang="en-US" altLang="ko-KR" sz="1200" b="1" dirty="0">
+                <a:solidFill>
+                  <a:schemeClr val="tx1"/>
+                </a:solidFill>
+              </a:rPr>
+              <a:t>.</a:t>
+            </a:r>
+          </a:p>
+        </p:txBody>
+      </p:sp>
+      <p:pic>
+        <p:nvPicPr>
+          <p:cNvPr id="10" name="그림 9">
+            <a:extLst>
+              <a:ext uri="{FF2B5EF4-FFF2-40B4-BE49-F238E27FC236}">
+                <a16:creationId xmlns:a16="http://schemas.microsoft.com/office/drawing/2014/main" id="{B33987E8-500A-0F11-C4EC-54D1F4B19987}"/>
+              </a:ext>
+            </a:extLst>
+          </p:cNvPr>
+          <p:cNvPicPr>
+            <a:picLocks noChangeAspect="1"/>
+          </p:cNvPicPr>
+          <p:nvPr/>
+        </p:nvPicPr>
+        <p:blipFill>
+          <a:blip r:embed="rId3"/>
+          <a:stretch>
+            <a:fillRect/>
+          </a:stretch>
+        </p:blipFill>
+        <p:spPr>
+          <a:xfrm>
+            <a:off x="421300" y="725575"/>
+            <a:ext cx="4607122" cy="3897824"/>
+          </a:xfrm>
+          <a:prstGeom prst="rect">
+            <a:avLst/>
+          </a:prstGeom>
+        </p:spPr>
+      </p:pic>
+    </p:spTree>
+    <p:extLst>
+      <p:ext uri="{BB962C8B-B14F-4D97-AF65-F5344CB8AC3E}">
+        <p14:creationId xmlns:p14="http://schemas.microsoft.com/office/powerpoint/2010/main" val="2274605932"/>
       </p:ext>
     </p:extLst>
   </p:cSld>
